--- a/ESN_exp06_ENSO.pptx
+++ b/ESN_exp06_ENSO.pptx
@@ -5,7 +5,7 @@
     <p:sldMasterId id="2147483648" r:id="rId1"/>
   </p:sldMasterIdLst>
   <p:notesMasterIdLst>
-    <p:notesMasterId r:id="rId17"/>
+    <p:notesMasterId r:id="rId22"/>
   </p:notesMasterIdLst>
   <p:sldIdLst>
     <p:sldId id="257" r:id="rId2"/>
@@ -20,9 +20,14 @@
     <p:sldId id="270" r:id="rId11"/>
     <p:sldId id="272" r:id="rId12"/>
     <p:sldId id="273" r:id="rId13"/>
-    <p:sldId id="268" r:id="rId14"/>
-    <p:sldId id="274" r:id="rId15"/>
-    <p:sldId id="269" r:id="rId16"/>
+    <p:sldId id="275" r:id="rId14"/>
+    <p:sldId id="276" r:id="rId15"/>
+    <p:sldId id="277" r:id="rId16"/>
+    <p:sldId id="278" r:id="rId17"/>
+    <p:sldId id="279" r:id="rId18"/>
+    <p:sldId id="268" r:id="rId19"/>
+    <p:sldId id="274" r:id="rId20"/>
+    <p:sldId id="269" r:id="rId21"/>
   </p:sldIdLst>
   <p:sldSz cx="12192000" cy="6858000"/>
   <p:notesSz cx="6858000" cy="9144000"/>
@@ -211,7 +216,7 @@
           <a:p>
             <a:fld id="{3AB76ABC-33D1-9C41-94E4-617AD2CE1B7F}" type="datetimeFigureOut">
               <a:rPr lang="de-DE" smtClean="0"/>
-              <a:t>05.03.22</a:t>
+              <a:t>06.03.22</a:t>
             </a:fld>
             <a:endParaRPr lang="de-DE"/>
           </a:p>
@@ -814,6 +819,174 @@
 </p:notes>
 </file>
 
+<file path=ppt/notesSlides/notesSlide5.xml><?xml version="1.0" encoding="utf-8"?>
+<p:notes xmlns:a="http://schemas.openxmlformats.org/drawingml/2006/main" xmlns:r="http://schemas.openxmlformats.org/officeDocument/2006/relationships" xmlns:p="http://schemas.openxmlformats.org/presentationml/2006/main">
+  <p:cSld>
+    <p:spTree>
+      <p:nvGrpSpPr>
+        <p:cNvPr id="1" name=""/>
+        <p:cNvGrpSpPr/>
+        <p:nvPr/>
+      </p:nvGrpSpPr>
+      <p:grpSpPr>
+        <a:xfrm>
+          <a:off x="0" y="0"/>
+          <a:ext cx="0" cy="0"/>
+          <a:chOff x="0" y="0"/>
+          <a:chExt cx="0" cy="0"/>
+        </a:xfrm>
+      </p:grpSpPr>
+      <p:sp>
+        <p:nvSpPr>
+          <p:cNvPr id="2" name="Folienbildplatzhalter 1"/>
+          <p:cNvSpPr>
+            <a:spLocks noGrp="1" noRot="1" noChangeAspect="1"/>
+          </p:cNvSpPr>
+          <p:nvPr>
+            <p:ph type="sldImg"/>
+          </p:nvPr>
+        </p:nvSpPr>
+        <p:spPr/>
+      </p:sp>
+      <p:sp>
+        <p:nvSpPr>
+          <p:cNvPr id="3" name="Notizenplatzhalter 2"/>
+          <p:cNvSpPr>
+            <a:spLocks noGrp="1"/>
+          </p:cNvSpPr>
+          <p:nvPr>
+            <p:ph type="body" idx="1"/>
+          </p:nvPr>
+        </p:nvSpPr>
+        <p:spPr/>
+        <p:txBody>
+          <a:bodyPr/>
+          <a:lstStyle/>
+          <a:p>
+            <a:endParaRPr lang="de-DE"/>
+          </a:p>
+        </p:txBody>
+      </p:sp>
+      <p:sp>
+        <p:nvSpPr>
+          <p:cNvPr id="4" name="Foliennummernplatzhalter 3"/>
+          <p:cNvSpPr>
+            <a:spLocks noGrp="1"/>
+          </p:cNvSpPr>
+          <p:nvPr>
+            <p:ph type="sldNum" sz="quarter" idx="5"/>
+          </p:nvPr>
+        </p:nvSpPr>
+        <p:spPr/>
+        <p:txBody>
+          <a:bodyPr/>
+          <a:lstStyle/>
+          <a:p>
+            <a:fld id="{923DABC9-534C-8B4E-8D84-780BFD0E7F3B}" type="slidenum">
+              <a:rPr lang="de-DE" smtClean="0"/>
+              <a:t>16</a:t>
+            </a:fld>
+            <a:endParaRPr lang="de-DE"/>
+          </a:p>
+        </p:txBody>
+      </p:sp>
+    </p:spTree>
+    <p:extLst>
+      <p:ext uri="{BB962C8B-B14F-4D97-AF65-F5344CB8AC3E}">
+        <p14:creationId xmlns:p14="http://schemas.microsoft.com/office/powerpoint/2010/main" val="494952813"/>
+      </p:ext>
+    </p:extLst>
+  </p:cSld>
+  <p:clrMapOvr>
+    <a:masterClrMapping/>
+  </p:clrMapOvr>
+</p:notes>
+</file>
+
+<file path=ppt/notesSlides/notesSlide6.xml><?xml version="1.0" encoding="utf-8"?>
+<p:notes xmlns:a="http://schemas.openxmlformats.org/drawingml/2006/main" xmlns:r="http://schemas.openxmlformats.org/officeDocument/2006/relationships" xmlns:p="http://schemas.openxmlformats.org/presentationml/2006/main">
+  <p:cSld>
+    <p:spTree>
+      <p:nvGrpSpPr>
+        <p:cNvPr id="1" name=""/>
+        <p:cNvGrpSpPr/>
+        <p:nvPr/>
+      </p:nvGrpSpPr>
+      <p:grpSpPr>
+        <a:xfrm>
+          <a:off x="0" y="0"/>
+          <a:ext cx="0" cy="0"/>
+          <a:chOff x="0" y="0"/>
+          <a:chExt cx="0" cy="0"/>
+        </a:xfrm>
+      </p:grpSpPr>
+      <p:sp>
+        <p:nvSpPr>
+          <p:cNvPr id="2" name="Folienbildplatzhalter 1"/>
+          <p:cNvSpPr>
+            <a:spLocks noGrp="1" noRot="1" noChangeAspect="1"/>
+          </p:cNvSpPr>
+          <p:nvPr>
+            <p:ph type="sldImg"/>
+          </p:nvPr>
+        </p:nvSpPr>
+        <p:spPr/>
+      </p:sp>
+      <p:sp>
+        <p:nvSpPr>
+          <p:cNvPr id="3" name="Notizenplatzhalter 2"/>
+          <p:cNvSpPr>
+            <a:spLocks noGrp="1"/>
+          </p:cNvSpPr>
+          <p:nvPr>
+            <p:ph type="body" idx="1"/>
+          </p:nvPr>
+        </p:nvSpPr>
+        <p:spPr/>
+        <p:txBody>
+          <a:bodyPr/>
+          <a:lstStyle/>
+          <a:p>
+            <a:endParaRPr lang="de-DE"/>
+          </a:p>
+        </p:txBody>
+      </p:sp>
+      <p:sp>
+        <p:nvSpPr>
+          <p:cNvPr id="4" name="Foliennummernplatzhalter 3"/>
+          <p:cNvSpPr>
+            <a:spLocks noGrp="1"/>
+          </p:cNvSpPr>
+          <p:nvPr>
+            <p:ph type="sldNum" sz="quarter" idx="5"/>
+          </p:nvPr>
+        </p:nvSpPr>
+        <p:spPr/>
+        <p:txBody>
+          <a:bodyPr/>
+          <a:lstStyle/>
+          <a:p>
+            <a:fld id="{923DABC9-534C-8B4E-8D84-780BFD0E7F3B}" type="slidenum">
+              <a:rPr lang="de-DE" smtClean="0"/>
+              <a:t>17</a:t>
+            </a:fld>
+            <a:endParaRPr lang="de-DE"/>
+          </a:p>
+        </p:txBody>
+      </p:sp>
+    </p:spTree>
+    <p:extLst>
+      <p:ext uri="{BB962C8B-B14F-4D97-AF65-F5344CB8AC3E}">
+        <p14:creationId xmlns:p14="http://schemas.microsoft.com/office/powerpoint/2010/main" val="2186274282"/>
+      </p:ext>
+    </p:extLst>
+  </p:cSld>
+  <p:clrMapOvr>
+    <a:masterClrMapping/>
+  </p:clrMapOvr>
+</p:notes>
+</file>
+
 <file path=ppt/slideLayouts/slideLayout1.xml><?xml version="1.0" encoding="utf-8"?>
 <p:sldLayout xmlns:a="http://schemas.openxmlformats.org/drawingml/2006/main" xmlns:r="http://schemas.openxmlformats.org/officeDocument/2006/relationships" xmlns:p="http://schemas.openxmlformats.org/presentationml/2006/main" type="title" preserve="1">
   <p:cSld name="Titelfolie">
@@ -960,7 +1133,7 @@
           <a:lstStyle/>
           <a:p>
             <a:fld id="{7BD4D8C3-7D46-0F49-B24C-EB77122FC604}" type="datetime1">
-              <a:t>05.03.22</a:t>
+              <a:t>06.03.22</a:t>
             </a:fld>
             <a:endParaRPr lang="de-DE"/>
           </a:p>
@@ -1157,7 +1330,7 @@
           <a:lstStyle/>
           <a:p>
             <a:fld id="{DB9C740B-A762-CC4F-8842-3B0709E16494}" type="datetime1">
-              <a:t>05.03.22</a:t>
+              <a:t>06.03.22</a:t>
             </a:fld>
             <a:endParaRPr lang="de-DE"/>
           </a:p>
@@ -1364,7 +1537,7 @@
           <a:lstStyle/>
           <a:p>
             <a:fld id="{B5DCEFDD-97F0-3F4E-856D-53E015FA5109}" type="datetime1">
-              <a:t>05.03.22</a:t>
+              <a:t>06.03.22</a:t>
             </a:fld>
             <a:endParaRPr lang="de-DE"/>
           </a:p>
@@ -1561,7 +1734,7 @@
           <a:lstStyle/>
           <a:p>
             <a:fld id="{B1266B10-EA18-AA4D-98CF-856740AC35F1}" type="datetime1">
-              <a:t>05.03.22</a:t>
+              <a:t>06.03.22</a:t>
             </a:fld>
             <a:endParaRPr lang="de-DE"/>
           </a:p>
@@ -1835,7 +2008,7 @@
           <a:lstStyle/>
           <a:p>
             <a:fld id="{7FCBA1CA-7E22-9747-8D35-F7D8EE0D09E4}" type="datetime1">
-              <a:t>05.03.22</a:t>
+              <a:t>06.03.22</a:t>
             </a:fld>
             <a:endParaRPr lang="de-DE"/>
           </a:p>
@@ -2099,7 +2272,7 @@
           <a:lstStyle/>
           <a:p>
             <a:fld id="{E385B954-90D5-F240-B297-4FE6A023436C}" type="datetime1">
-              <a:t>05.03.22</a:t>
+              <a:t>06.03.22</a:t>
             </a:fld>
             <a:endParaRPr lang="de-DE"/>
           </a:p>
@@ -2510,7 +2683,7 @@
           <a:lstStyle/>
           <a:p>
             <a:fld id="{132D93F8-6522-3547-A308-39305832D986}" type="datetime1">
-              <a:t>05.03.22</a:t>
+              <a:t>06.03.22</a:t>
             </a:fld>
             <a:endParaRPr lang="de-DE"/>
           </a:p>
@@ -2650,7 +2823,7 @@
           <a:lstStyle/>
           <a:p>
             <a:fld id="{2A9155E5-A07A-EF47-A0BA-443B784B7103}" type="datetime1">
-              <a:t>05.03.22</a:t>
+              <a:t>06.03.22</a:t>
             </a:fld>
             <a:endParaRPr lang="de-DE"/>
           </a:p>
@@ -2762,7 +2935,7 @@
           <a:lstStyle/>
           <a:p>
             <a:fld id="{405279BA-97B3-BC47-B977-FE53E0846046}" type="datetime1">
-              <a:t>05.03.22</a:t>
+              <a:t>06.03.22</a:t>
             </a:fld>
             <a:endParaRPr lang="de-DE"/>
           </a:p>
@@ -3072,7 +3245,7 @@
           <a:lstStyle/>
           <a:p>
             <a:fld id="{2CDFB09A-BAAD-7C43-B25A-805ABA21608B}" type="datetime1">
-              <a:t>05.03.22</a:t>
+              <a:t>06.03.22</a:t>
             </a:fld>
             <a:endParaRPr lang="de-DE"/>
           </a:p>
@@ -3359,7 +3532,7 @@
           <a:lstStyle/>
           <a:p>
             <a:fld id="{78138569-B3F3-7940-A5AE-D6935026A2BE}" type="datetime1">
-              <a:t>05.03.22</a:t>
+              <a:t>06.03.22</a:t>
             </a:fld>
             <a:endParaRPr lang="de-DE"/>
           </a:p>
@@ -3599,7 +3772,7 @@
           </a:lstStyle>
           <a:p>
             <a:fld id="{050D7DD1-F0AC-9F48-BEEF-9A8C75FA3F30}" type="datetime1">
-              <a:t>05.03.22</a:t>
+              <a:t>06.03.22</a:t>
             </a:fld>
             <a:endParaRPr lang="de-DE"/>
           </a:p>
@@ -6224,10 +6397,10 @@
       </p:sp>
       <p:sp>
         <p:nvSpPr>
-          <p:cNvPr id="7" name="Textfeld 6">
-            <a:extLst>
-              <a:ext uri="{FF2B5EF4-FFF2-40B4-BE49-F238E27FC236}">
-                <a16:creationId xmlns:a16="http://schemas.microsoft.com/office/drawing/2014/main" id="{FF8A926B-8B78-834F-BFBA-9405321487C6}"/>
+          <p:cNvPr id="6" name="Textfeld 5">
+            <a:extLst>
+              <a:ext uri="{FF2B5EF4-FFF2-40B4-BE49-F238E27FC236}">
+                <a16:creationId xmlns:a16="http://schemas.microsoft.com/office/drawing/2014/main" id="{0FDFCF38-2125-FC44-8DC7-B38812BE71CF}"/>
               </a:ext>
             </a:extLst>
           </p:cNvPr>
@@ -6236,8 +6409,8 @@
         </p:nvSpPr>
         <p:spPr>
           <a:xfrm>
-            <a:off x="365769" y="302411"/>
-            <a:ext cx="6674128" cy="461665"/>
+            <a:off x="341845" y="83130"/>
+            <a:ext cx="7988523" cy="830997"/>
           </a:xfrm>
           <a:prstGeom prst="rect">
             <a:avLst/>
@@ -6252,17 +6425,121 @@
           <a:p>
             <a:r>
               <a:rPr lang="de-DE" sz="2400" b="1" dirty="0"/>
-              <a:t>Discussion on Gradient Descent Optimization</a:t>
-            </a:r>
-          </a:p>
-        </p:txBody>
-      </p:sp>
-      <p:sp>
-        <p:nvSpPr>
-          <p:cNvPr id="5" name="Textfeld 4">
-            <a:extLst>
-              <a:ext uri="{FF2B5EF4-FFF2-40B4-BE49-F238E27FC236}">
-                <a16:creationId xmlns:a16="http://schemas.microsoft.com/office/drawing/2014/main" id="{7B349DC1-8020-704C-A9A0-4D7FFCADBAC0}"/>
+              <a:t>Evaluation metrics and accuracy for base ESN on ENSO index</a:t>
+            </a:r>
+          </a:p>
+          <a:p>
+            <a:r>
+              <a:rPr lang="de-DE" sz="2400" dirty="0"/>
+              <a:t>optimized (hyper-)parameters*</a:t>
+            </a:r>
+            <a:r>
+              <a:rPr lang="de-DE" sz="2400" baseline="30000" dirty="0"/>
+              <a:t>)</a:t>
+            </a:r>
+          </a:p>
+        </p:txBody>
+      </p:sp>
+      <p:pic>
+        <p:nvPicPr>
+          <p:cNvPr id="1030" name="Picture 6">
+            <a:extLst>
+              <a:ext uri="{FF2B5EF4-FFF2-40B4-BE49-F238E27FC236}">
+                <a16:creationId xmlns:a16="http://schemas.microsoft.com/office/drawing/2014/main" id="{A6B501B5-7ADA-844D-B47D-4A3728B51C8B}"/>
+              </a:ext>
+            </a:extLst>
+          </p:cNvPr>
+          <p:cNvPicPr>
+            <a:picLocks noChangeAspect="1" noChangeArrowheads="1"/>
+          </p:cNvPicPr>
+          <p:nvPr/>
+        </p:nvPicPr>
+        <p:blipFill>
+          <a:blip r:embed="rId2">
+            <a:extLst>
+              <a:ext uri="{28A0092B-C50C-407E-A947-70E740481C1C}">
+                <a14:useLocalDpi xmlns:a14="http://schemas.microsoft.com/office/drawing/2010/main" val="0"/>
+              </a:ext>
+            </a:extLst>
+          </a:blip>
+          <a:srcRect/>
+          <a:stretch>
+            <a:fillRect/>
+          </a:stretch>
+        </p:blipFill>
+        <p:spPr bwMode="auto">
+          <a:xfrm>
+            <a:off x="5177482" y="1125522"/>
+            <a:ext cx="6524565" cy="5697619"/>
+          </a:xfrm>
+          <a:prstGeom prst="rect">
+            <a:avLst/>
+          </a:prstGeom>
+          <a:noFill/>
+          <a:extLst>
+            <a:ext uri="{909E8E84-426E-40DD-AFC4-6F175D3DCCD1}">
+              <a14:hiddenFill xmlns:a14="http://schemas.microsoft.com/office/drawing/2010/main">
+                <a:solidFill>
+                  <a:srgbClr val="FFFFFF"/>
+                </a:solidFill>
+              </a14:hiddenFill>
+            </a:ext>
+          </a:extLst>
+        </p:spPr>
+      </p:pic>
+      <p:pic>
+        <p:nvPicPr>
+          <p:cNvPr id="1032" name="Picture 8">
+            <a:extLst>
+              <a:ext uri="{FF2B5EF4-FFF2-40B4-BE49-F238E27FC236}">
+                <a16:creationId xmlns:a16="http://schemas.microsoft.com/office/drawing/2014/main" id="{6779A9E9-B3C9-6548-BB6B-7960F593A475}"/>
+              </a:ext>
+            </a:extLst>
+          </p:cNvPr>
+          <p:cNvPicPr>
+            <a:picLocks noChangeAspect="1" noChangeArrowheads="1"/>
+          </p:cNvPicPr>
+          <p:nvPr/>
+        </p:nvPicPr>
+        <p:blipFill>
+          <a:blip r:embed="rId3">
+            <a:extLst>
+              <a:ext uri="{28A0092B-C50C-407E-A947-70E740481C1C}">
+                <a14:useLocalDpi xmlns:a14="http://schemas.microsoft.com/office/drawing/2010/main" val="0"/>
+              </a:ext>
+            </a:extLst>
+          </a:blip>
+          <a:srcRect/>
+          <a:stretch>
+            <a:fillRect/>
+          </a:stretch>
+        </p:blipFill>
+        <p:spPr bwMode="auto">
+          <a:xfrm>
+            <a:off x="0" y="1090664"/>
+            <a:ext cx="4930992" cy="5732477"/>
+          </a:xfrm>
+          <a:prstGeom prst="rect">
+            <a:avLst/>
+          </a:prstGeom>
+          <a:noFill/>
+          <a:extLst>
+            <a:ext uri="{909E8E84-426E-40DD-AFC4-6F175D3DCCD1}">
+              <a14:hiddenFill xmlns:a14="http://schemas.microsoft.com/office/drawing/2010/main">
+                <a:solidFill>
+                  <a:srgbClr val="FFFFFF"/>
+                </a:solidFill>
+              </a14:hiddenFill>
+            </a:ext>
+          </a:extLst>
+        </p:spPr>
+      </p:pic>
+      <p:sp>
+        <p:nvSpPr>
+          <p:cNvPr id="3" name="Textfeld 2">
+            <a:extLst>
+              <a:ext uri="{FF2B5EF4-FFF2-40B4-BE49-F238E27FC236}">
+                <a16:creationId xmlns:a16="http://schemas.microsoft.com/office/drawing/2014/main" id="{CEEB9F21-C237-B747-B3F7-9F39D06967DE}"/>
               </a:ext>
             </a:extLst>
           </p:cNvPr>
@@ -6271,8 +6548,8 @@
         </p:nvSpPr>
         <p:spPr>
           <a:xfrm>
-            <a:off x="543697" y="1112108"/>
-            <a:ext cx="10600553" cy="2862322"/>
+            <a:off x="10538255" y="66742"/>
+            <a:ext cx="1653746" cy="307777"/>
           </a:xfrm>
           <a:prstGeom prst="rect">
             <a:avLst/>
@@ -6285,146 +6562,25 @@
           </a:bodyPr>
           <a:lstStyle/>
           <a:p>
-            <a:pPr marL="285750" indent="-285750">
-              <a:buFont typeface="Arial" panose="020B0604020202020204" pitchFamily="34" charset="0"/>
-              <a:buChar char="•"/>
-            </a:pPr>
-            <a:r>
-              <a:rPr lang="de-DE"/>
-              <a:t>Very fast optimization (compared to gridsearch over ALL possible parameter combinations).</a:t>
-            </a:r>
-          </a:p>
-          <a:p>
-            <a:pPr marL="285750" indent="-285750">
-              <a:buFont typeface="Arial" panose="020B0604020202020204" pitchFamily="34" charset="0"/>
-              <a:buChar char="•"/>
-            </a:pPr>
-            <a:r>
-              <a:rPr lang="de-DE"/>
-              <a:t>Observe that we </a:t>
-            </a:r>
-            <a:r>
-              <a:rPr lang="de-DE" b="1"/>
-              <a:t>get back some problems </a:t>
-            </a:r>
-            <a:r>
-              <a:rPr lang="de-DE"/>
-              <a:t>from training ANNs, when we apply gradient descent optimization:</a:t>
-            </a:r>
-          </a:p>
-          <a:p>
-            <a:pPr marL="742950" lvl="1" indent="-285750">
-              <a:buFont typeface="Courier New" panose="02070309020205020404" pitchFamily="49" charset="0"/>
-              <a:buChar char="o"/>
-            </a:pPr>
-            <a:r>
-              <a:rPr lang="de-DE" b="1"/>
-              <a:t>overfitting</a:t>
-            </a:r>
-            <a:r>
-              <a:rPr lang="de-DE"/>
-              <a:t>: train_mse decreases while val_mse starts to rise or even explodes. Force early stopping!</a:t>
-            </a:r>
-          </a:p>
-          <a:p>
-            <a:pPr marL="742950" lvl="1" indent="-285750">
-              <a:buFont typeface="Courier New" panose="02070309020205020404" pitchFamily="49" charset="0"/>
-              <a:buChar char="o"/>
-            </a:pPr>
-            <a:r>
-              <a:rPr lang="de-DE"/>
-              <a:t>Can be </a:t>
-            </a:r>
-            <a:r>
-              <a:rPr lang="de-DE" b="1"/>
-              <a:t>stuck in local minimum </a:t>
-            </a:r>
-            <a:r>
-              <a:rPr lang="de-DE"/>
-              <a:t>of parameter space.</a:t>
-            </a:r>
-          </a:p>
-          <a:p>
-            <a:pPr lvl="1"/>
-            <a:endParaRPr lang="de-DE"/>
-          </a:p>
-          <a:p>
-            <a:r>
-              <a:rPr lang="de-DE"/>
-              <a:t>Some optional next steps to keep in mind:</a:t>
-            </a:r>
-          </a:p>
-          <a:p>
-            <a:pPr marL="285750" indent="-285750">
-              <a:buFont typeface="Arial" panose="020B0604020202020204" pitchFamily="34" charset="0"/>
-              <a:buChar char="•"/>
-            </a:pPr>
-            <a:r>
-              <a:rPr lang="de-DE"/>
-              <a:t>Check: Do multiple runs leed to at least comparable optimal parameters? (--&gt; </a:t>
-            </a:r>
-            <a:r>
-              <a:rPr lang="de-DE" b="1"/>
-              <a:t>Reproducibility</a:t>
-            </a:r>
-            <a:r>
-              <a:rPr lang="de-DE"/>
-              <a:t> desired!)</a:t>
-            </a:r>
-          </a:p>
-          <a:p>
-            <a:pPr marL="285750" indent="-285750">
-              <a:buFont typeface="Arial" panose="020B0604020202020204" pitchFamily="34" charset="0"/>
-              <a:buChar char="•"/>
-            </a:pPr>
-            <a:r>
-              <a:rPr lang="de-DE"/>
-              <a:t>One could try to </a:t>
-            </a:r>
-            <a:r>
-              <a:rPr lang="de-DE" b="1"/>
-              <a:t>extend the optimization algorithm to DeepESN </a:t>
-            </a:r>
-            <a:r>
-              <a:rPr lang="de-DE"/>
-              <a:t>models: Further parameter n_layers.</a:t>
-            </a:r>
-          </a:p>
-          <a:p>
-            <a:pPr marL="285750" indent="-285750">
-              <a:buFont typeface="Arial" panose="020B0604020202020204" pitchFamily="34" charset="0"/>
-              <a:buChar char="•"/>
-            </a:pPr>
-            <a:r>
-              <a:rPr lang="de-DE"/>
-              <a:t>Could think of </a:t>
-            </a:r>
-            <a:r>
-              <a:rPr lang="de-DE" b="1"/>
-              <a:t>adding some form of </a:t>
-            </a:r>
-            <a:r>
-              <a:rPr lang="de-DE" b="1" i="1"/>
-              <a:t>momentum</a:t>
-            </a:r>
-            <a:r>
-              <a:rPr lang="de-DE"/>
-              <a:t>, like in ADAM optimizer.</a:t>
-            </a:r>
-          </a:p>
-          <a:p>
-            <a:pPr marL="285750" indent="-285750">
-              <a:buFont typeface="Arial" panose="020B0604020202020204" pitchFamily="34" charset="0"/>
-              <a:buChar char="•"/>
-            </a:pPr>
-            <a:endParaRPr lang="de-DE"/>
+            <a:r>
+              <a:rPr lang="de-DE" sz="1400"/>
+              <a:t>*</a:t>
+            </a:r>
+            <a:r>
+              <a:rPr lang="de-DE" sz="1400" baseline="30000"/>
+              <a:t>)</a:t>
+            </a:r>
+            <a:r>
+              <a:rPr lang="de-DE" sz="1400"/>
+              <a:t> slightly modified</a:t>
+            </a:r>
           </a:p>
         </p:txBody>
       </p:sp>
     </p:spTree>
     <p:extLst>
       <p:ext uri="{BB962C8B-B14F-4D97-AF65-F5344CB8AC3E}">
-        <p14:creationId xmlns:p14="http://schemas.microsoft.com/office/powerpoint/2010/main" val="1947400364"/>
+        <p14:creationId xmlns:p14="http://schemas.microsoft.com/office/powerpoint/2010/main" val="1638817599"/>
       </p:ext>
     </p:extLst>
   </p:cSld>
@@ -6482,10 +6638,10 @@
       </p:sp>
       <p:sp>
         <p:nvSpPr>
-          <p:cNvPr id="7" name="Textfeld 6">
-            <a:extLst>
-              <a:ext uri="{FF2B5EF4-FFF2-40B4-BE49-F238E27FC236}">
-                <a16:creationId xmlns:a16="http://schemas.microsoft.com/office/drawing/2014/main" id="{FF8A926B-8B78-834F-BFBA-9405321487C6}"/>
+          <p:cNvPr id="6" name="Textfeld 5">
+            <a:extLst>
+              <a:ext uri="{FF2B5EF4-FFF2-40B4-BE49-F238E27FC236}">
+                <a16:creationId xmlns:a16="http://schemas.microsoft.com/office/drawing/2014/main" id="{0FDFCF38-2125-FC44-8DC7-B38812BE71CF}"/>
               </a:ext>
             </a:extLst>
           </p:cNvPr>
@@ -6494,8 +6650,8 @@
         </p:nvSpPr>
         <p:spPr>
           <a:xfrm>
-            <a:off x="365769" y="302411"/>
-            <a:ext cx="6674128" cy="461665"/>
+            <a:off x="341845" y="83130"/>
+            <a:ext cx="7988523" cy="830997"/>
           </a:xfrm>
           <a:prstGeom prst="rect">
             <a:avLst/>
@@ -6510,17 +6666,121 @@
           <a:p>
             <a:r>
               <a:rPr lang="de-DE" sz="2400" b="1" dirty="0"/>
-              <a:t>Summary and Outlook</a:t>
-            </a:r>
-          </a:p>
-        </p:txBody>
-      </p:sp>
-      <p:sp>
-        <p:nvSpPr>
-          <p:cNvPr id="5" name="Textfeld 4">
-            <a:extLst>
-              <a:ext uri="{FF2B5EF4-FFF2-40B4-BE49-F238E27FC236}">
-                <a16:creationId xmlns:a16="http://schemas.microsoft.com/office/drawing/2014/main" id="{7B349DC1-8020-704C-A9A0-4D7FFCADBAC0}"/>
+              <a:t>Evaluation metrics and accuracy for base ESN on ENSO index</a:t>
+            </a:r>
+          </a:p>
+          <a:p>
+            <a:r>
+              <a:rPr lang="de-DE" sz="2400" dirty="0"/>
+              <a:t>optimized (hyper-)parameters*</a:t>
+            </a:r>
+            <a:r>
+              <a:rPr lang="de-DE" sz="2400" baseline="30000" dirty="0"/>
+              <a:t>)</a:t>
+            </a:r>
+          </a:p>
+        </p:txBody>
+      </p:sp>
+      <p:pic>
+        <p:nvPicPr>
+          <p:cNvPr id="1030" name="Picture 6">
+            <a:extLst>
+              <a:ext uri="{FF2B5EF4-FFF2-40B4-BE49-F238E27FC236}">
+                <a16:creationId xmlns:a16="http://schemas.microsoft.com/office/drawing/2014/main" id="{A6B501B5-7ADA-844D-B47D-4A3728B51C8B}"/>
+              </a:ext>
+            </a:extLst>
+          </p:cNvPr>
+          <p:cNvPicPr>
+            <a:picLocks noChangeAspect="1" noChangeArrowheads="1"/>
+          </p:cNvPicPr>
+          <p:nvPr/>
+        </p:nvPicPr>
+        <p:blipFill>
+          <a:blip r:embed="rId2">
+            <a:extLst>
+              <a:ext uri="{28A0092B-C50C-407E-A947-70E740481C1C}">
+                <a14:useLocalDpi xmlns:a14="http://schemas.microsoft.com/office/drawing/2010/main" val="0"/>
+              </a:ext>
+            </a:extLst>
+          </a:blip>
+          <a:srcRect/>
+          <a:stretch>
+            <a:fillRect/>
+          </a:stretch>
+        </p:blipFill>
+        <p:spPr bwMode="auto">
+          <a:xfrm>
+            <a:off x="5177482" y="1125522"/>
+            <a:ext cx="6524565" cy="5697619"/>
+          </a:xfrm>
+          <a:prstGeom prst="rect">
+            <a:avLst/>
+          </a:prstGeom>
+          <a:noFill/>
+          <a:extLst>
+            <a:ext uri="{909E8E84-426E-40DD-AFC4-6F175D3DCCD1}">
+              <a14:hiddenFill xmlns:a14="http://schemas.microsoft.com/office/drawing/2010/main">
+                <a:solidFill>
+                  <a:srgbClr val="FFFFFF"/>
+                </a:solidFill>
+              </a14:hiddenFill>
+            </a:ext>
+          </a:extLst>
+        </p:spPr>
+      </p:pic>
+      <p:pic>
+        <p:nvPicPr>
+          <p:cNvPr id="1032" name="Picture 8">
+            <a:extLst>
+              <a:ext uri="{FF2B5EF4-FFF2-40B4-BE49-F238E27FC236}">
+                <a16:creationId xmlns:a16="http://schemas.microsoft.com/office/drawing/2014/main" id="{6779A9E9-B3C9-6548-BB6B-7960F593A475}"/>
+              </a:ext>
+            </a:extLst>
+          </p:cNvPr>
+          <p:cNvPicPr>
+            <a:picLocks noChangeAspect="1" noChangeArrowheads="1"/>
+          </p:cNvPicPr>
+          <p:nvPr/>
+        </p:nvPicPr>
+        <p:blipFill>
+          <a:blip r:embed="rId3">
+            <a:extLst>
+              <a:ext uri="{28A0092B-C50C-407E-A947-70E740481C1C}">
+                <a14:useLocalDpi xmlns:a14="http://schemas.microsoft.com/office/drawing/2010/main" val="0"/>
+              </a:ext>
+            </a:extLst>
+          </a:blip>
+          <a:srcRect/>
+          <a:stretch>
+            <a:fillRect/>
+          </a:stretch>
+        </p:blipFill>
+        <p:spPr bwMode="auto">
+          <a:xfrm>
+            <a:off x="0" y="1090664"/>
+            <a:ext cx="4930992" cy="5732477"/>
+          </a:xfrm>
+          <a:prstGeom prst="rect">
+            <a:avLst/>
+          </a:prstGeom>
+          <a:noFill/>
+          <a:extLst>
+            <a:ext uri="{909E8E84-426E-40DD-AFC4-6F175D3DCCD1}">
+              <a14:hiddenFill xmlns:a14="http://schemas.microsoft.com/office/drawing/2010/main">
+                <a:solidFill>
+                  <a:srgbClr val="FFFFFF"/>
+                </a:solidFill>
+              </a14:hiddenFill>
+            </a:ext>
+          </a:extLst>
+        </p:spPr>
+      </p:pic>
+      <p:sp>
+        <p:nvSpPr>
+          <p:cNvPr id="3" name="Textfeld 2">
+            <a:extLst>
+              <a:ext uri="{FF2B5EF4-FFF2-40B4-BE49-F238E27FC236}">
+                <a16:creationId xmlns:a16="http://schemas.microsoft.com/office/drawing/2014/main" id="{CEEB9F21-C237-B747-B3F7-9F39D06967DE}"/>
               </a:ext>
             </a:extLst>
           </p:cNvPr>
@@ -6529,8 +6789,8 @@
         </p:nvSpPr>
         <p:spPr>
           <a:xfrm>
-            <a:off x="543697" y="1112108"/>
-            <a:ext cx="9032789" cy="3693319"/>
+            <a:off x="10538255" y="66742"/>
+            <a:ext cx="1653746" cy="307777"/>
           </a:xfrm>
           <a:prstGeom prst="rect">
             <a:avLst/>
@@ -6543,108 +6803,623 @@
           </a:bodyPr>
           <a:lstStyle/>
           <a:p>
-            <a:pPr marL="285750" indent="-285750">
-              <a:buFont typeface="Arial" panose="020B0604020202020204" pitchFamily="34" charset="0"/>
-              <a:buChar char="•"/>
-            </a:pPr>
-            <a:r>
-              <a:rPr lang="de-DE"/>
-              <a:t>Predicting ENSO index from its own history alone is </a:t>
-            </a:r>
-            <a:r>
-              <a:rPr lang="de-DE" b="1"/>
-              <a:t>limited to very short target lengths</a:t>
-            </a:r>
-            <a:r>
-              <a:rPr lang="de-DE"/>
-              <a:t>.</a:t>
-            </a:r>
-          </a:p>
-          <a:p>
-            <a:pPr marL="285750" indent="-285750">
-              <a:buFont typeface="Arial" panose="020B0604020202020204" pitchFamily="34" charset="0"/>
-              <a:buChar char="•"/>
-            </a:pPr>
-            <a:r>
-              <a:rPr lang="de-DE" b="1"/>
-              <a:t>Need additional input features </a:t>
-            </a:r>
-            <a:r>
-              <a:rPr lang="de-DE"/>
-              <a:t>for long-term predictions.</a:t>
-            </a:r>
-          </a:p>
-          <a:p>
-            <a:pPr marL="285750" indent="-285750">
-              <a:buFont typeface="Arial" panose="020B0604020202020204" pitchFamily="34" charset="0"/>
-              <a:buChar char="•"/>
-            </a:pPr>
-            <a:r>
-              <a:rPr lang="de-DE"/>
-              <a:t>Or try idea – inspired by LRP paper („Physically Interpretable Neural Networks for the Geosciences: Applications to Earth System Variability“)</a:t>
-            </a:r>
-          </a:p>
-          <a:p>
-            <a:pPr marL="742950" lvl="1" indent="-285750">
-              <a:buFont typeface="Courier New" panose="02070309020205020404" pitchFamily="49" charset="0"/>
-              <a:buChar char="o"/>
-            </a:pPr>
-            <a:r>
-              <a:rPr lang="de-DE"/>
-              <a:t>Take increasing number of gridpoints from SST field as input.</a:t>
-            </a:r>
-          </a:p>
-          <a:p>
-            <a:pPr marL="742950" lvl="1" indent="-285750">
-              <a:buFont typeface="Courier New" panose="02070309020205020404" pitchFamily="49" charset="0"/>
-              <a:buChar char="o"/>
-            </a:pPr>
-            <a:r>
-              <a:rPr lang="de-DE"/>
-              <a:t>Start with gridpoint that (alone) leeds to highest acccuracy on predicting El Nino / La Nina events.</a:t>
-            </a:r>
-          </a:p>
-          <a:p>
-            <a:pPr marL="742950" lvl="1" indent="-285750">
-              <a:buFont typeface="Courier New" panose="02070309020205020404" pitchFamily="49" charset="0"/>
-              <a:buChar char="o"/>
-            </a:pPr>
-            <a:r>
-              <a:rPr lang="de-DE"/>
-              <a:t>Add further gridpoint and keep the first vs. look for the two gridpoints providing highest accuracy („</a:t>
-            </a:r>
-            <a:r>
-              <a:rPr lang="de-DE" b="1"/>
-              <a:t>agglomerative relevance</a:t>
-            </a:r>
-            <a:r>
-              <a:rPr lang="de-DE"/>
-              <a:t>“).</a:t>
-            </a:r>
-          </a:p>
-          <a:p>
-            <a:pPr marL="742950" lvl="1" indent="-285750">
-              <a:buFont typeface="Courier New" panose="02070309020205020404" pitchFamily="49" charset="0"/>
-              <a:buChar char="o"/>
-            </a:pPr>
-            <a:r>
-              <a:rPr lang="de-DE"/>
-              <a:t>Look at variance in time for gridpoints of SST anomaly. Expect highest variance in Nino region. Question: Are these gridpoints with highest variance also most relevant for predicting ENSO index?</a:t>
-            </a:r>
-          </a:p>
-          <a:p>
-            <a:pPr marL="285750" indent="-285750">
-              <a:buFont typeface="Arial" panose="020B0604020202020204" pitchFamily="34" charset="0"/>
-              <a:buChar char="•"/>
-            </a:pPr>
+            <a:r>
+              <a:rPr lang="de-DE" sz="1400"/>
+              <a:t>*</a:t>
+            </a:r>
+            <a:r>
+              <a:rPr lang="de-DE" sz="1400" baseline="30000"/>
+              <a:t>)</a:t>
+            </a:r>
+            <a:r>
+              <a:rPr lang="de-DE" sz="1400"/>
+              <a:t> slightly modified</a:t>
+            </a:r>
+          </a:p>
+        </p:txBody>
+      </p:sp>
+      <p:sp>
+        <p:nvSpPr>
+          <p:cNvPr id="2" name="Oval 1">
+            <a:extLst>
+              <a:ext uri="{FF2B5EF4-FFF2-40B4-BE49-F238E27FC236}">
+                <a16:creationId xmlns:a16="http://schemas.microsoft.com/office/drawing/2014/main" id="{BB1C868E-01A4-3640-81E6-9CE23CD60717}"/>
+              </a:ext>
+            </a:extLst>
+          </p:cNvPr>
+          <p:cNvSpPr/>
+          <p:nvPr/>
+        </p:nvSpPr>
+        <p:spPr>
+          <a:xfrm>
+            <a:off x="5437229" y="1665130"/>
+            <a:ext cx="1260390" cy="580767"/>
+          </a:xfrm>
+          <a:prstGeom prst="ellipse">
+            <a:avLst/>
+          </a:prstGeom>
+          <a:noFill/>
+          <a:ln w="25400">
+            <a:solidFill>
+              <a:srgbClr val="FF0000"/>
+            </a:solidFill>
+            <a:prstDash val="sysDot"/>
+          </a:ln>
+        </p:spPr>
+        <p:style>
+          <a:lnRef idx="2">
+            <a:schemeClr val="accent1">
+              <a:shade val="50000"/>
+            </a:schemeClr>
+          </a:lnRef>
+          <a:fillRef idx="1">
+            <a:schemeClr val="accent1"/>
+          </a:fillRef>
+          <a:effectRef idx="0">
+            <a:schemeClr val="accent1"/>
+          </a:effectRef>
+          <a:fontRef idx="minor">
+            <a:schemeClr val="lt1"/>
+          </a:fontRef>
+        </p:style>
+        <p:txBody>
+          <a:bodyPr rtlCol="0" anchor="ctr"/>
+          <a:lstStyle/>
+          <a:p>
+            <a:pPr algn="ctr"/>
             <a:endParaRPr lang="de-DE"/>
+          </a:p>
+        </p:txBody>
+      </p:sp>
+      <p:sp>
+        <p:nvSpPr>
+          <p:cNvPr id="8" name="Oval 7">
+            <a:extLst>
+              <a:ext uri="{FF2B5EF4-FFF2-40B4-BE49-F238E27FC236}">
+                <a16:creationId xmlns:a16="http://schemas.microsoft.com/office/drawing/2014/main" id="{94536BFD-35CF-DC44-8271-8B74723C9FA4}"/>
+              </a:ext>
+            </a:extLst>
+          </p:cNvPr>
+          <p:cNvSpPr/>
+          <p:nvPr/>
+        </p:nvSpPr>
+        <p:spPr>
+          <a:xfrm>
+            <a:off x="7600157" y="1665129"/>
+            <a:ext cx="1260390" cy="580767"/>
+          </a:xfrm>
+          <a:prstGeom prst="ellipse">
+            <a:avLst/>
+          </a:prstGeom>
+          <a:noFill/>
+          <a:ln w="25400">
+            <a:solidFill>
+              <a:srgbClr val="FF0000"/>
+            </a:solidFill>
+            <a:prstDash val="sysDot"/>
+          </a:ln>
+        </p:spPr>
+        <p:style>
+          <a:lnRef idx="2">
+            <a:schemeClr val="accent1">
+              <a:shade val="50000"/>
+            </a:schemeClr>
+          </a:lnRef>
+          <a:fillRef idx="1">
+            <a:schemeClr val="accent1"/>
+          </a:fillRef>
+          <a:effectRef idx="0">
+            <a:schemeClr val="accent1"/>
+          </a:effectRef>
+          <a:fontRef idx="minor">
+            <a:schemeClr val="lt1"/>
+          </a:fontRef>
+        </p:style>
+        <p:txBody>
+          <a:bodyPr rtlCol="0" anchor="ctr"/>
+          <a:lstStyle/>
+          <a:p>
+            <a:pPr algn="ctr"/>
+            <a:endParaRPr lang="de-DE"/>
+          </a:p>
+        </p:txBody>
+      </p:sp>
+      <p:sp>
+        <p:nvSpPr>
+          <p:cNvPr id="9" name="Oval 8">
+            <a:extLst>
+              <a:ext uri="{FF2B5EF4-FFF2-40B4-BE49-F238E27FC236}">
+                <a16:creationId xmlns:a16="http://schemas.microsoft.com/office/drawing/2014/main" id="{BD36AB9B-9C75-7B45-AD50-A1B3B033511B}"/>
+              </a:ext>
+            </a:extLst>
+          </p:cNvPr>
+          <p:cNvSpPr/>
+          <p:nvPr/>
+        </p:nvSpPr>
+        <p:spPr>
+          <a:xfrm>
+            <a:off x="5465805" y="4329863"/>
+            <a:ext cx="1260390" cy="580767"/>
+          </a:xfrm>
+          <a:prstGeom prst="ellipse">
+            <a:avLst/>
+          </a:prstGeom>
+          <a:noFill/>
+          <a:ln w="25400">
+            <a:solidFill>
+              <a:srgbClr val="FF0000"/>
+            </a:solidFill>
+            <a:prstDash val="sysDot"/>
+          </a:ln>
+        </p:spPr>
+        <p:style>
+          <a:lnRef idx="2">
+            <a:schemeClr val="accent1">
+              <a:shade val="50000"/>
+            </a:schemeClr>
+          </a:lnRef>
+          <a:fillRef idx="1">
+            <a:schemeClr val="accent1"/>
+          </a:fillRef>
+          <a:effectRef idx="0">
+            <a:schemeClr val="accent1"/>
+          </a:effectRef>
+          <a:fontRef idx="minor">
+            <a:schemeClr val="lt1"/>
+          </a:fontRef>
+        </p:style>
+        <p:txBody>
+          <a:bodyPr rtlCol="0" anchor="ctr"/>
+          <a:lstStyle/>
+          <a:p>
+            <a:pPr algn="ctr"/>
+            <a:endParaRPr lang="de-DE"/>
+          </a:p>
+        </p:txBody>
+      </p:sp>
+      <p:sp>
+        <p:nvSpPr>
+          <p:cNvPr id="10" name="Oval 9">
+            <a:extLst>
+              <a:ext uri="{FF2B5EF4-FFF2-40B4-BE49-F238E27FC236}">
+                <a16:creationId xmlns:a16="http://schemas.microsoft.com/office/drawing/2014/main" id="{B8182CB0-0350-114A-B0E7-907FCFFA57A1}"/>
+              </a:ext>
+            </a:extLst>
+          </p:cNvPr>
+          <p:cNvSpPr/>
+          <p:nvPr/>
+        </p:nvSpPr>
+        <p:spPr>
+          <a:xfrm>
+            <a:off x="7574837" y="4358439"/>
+            <a:ext cx="1260390" cy="580767"/>
+          </a:xfrm>
+          <a:prstGeom prst="ellipse">
+            <a:avLst/>
+          </a:prstGeom>
+          <a:noFill/>
+          <a:ln w="25400">
+            <a:solidFill>
+              <a:srgbClr val="FF0000"/>
+            </a:solidFill>
+            <a:prstDash val="sysDot"/>
+          </a:ln>
+        </p:spPr>
+        <p:style>
+          <a:lnRef idx="2">
+            <a:schemeClr val="accent1">
+              <a:shade val="50000"/>
+            </a:schemeClr>
+          </a:lnRef>
+          <a:fillRef idx="1">
+            <a:schemeClr val="accent1"/>
+          </a:fillRef>
+          <a:effectRef idx="0">
+            <a:schemeClr val="accent1"/>
+          </a:effectRef>
+          <a:fontRef idx="minor">
+            <a:schemeClr val="lt1"/>
+          </a:fontRef>
+        </p:style>
+        <p:txBody>
+          <a:bodyPr rtlCol="0" anchor="ctr"/>
+          <a:lstStyle/>
+          <a:p>
+            <a:pPr algn="ctr"/>
+            <a:endParaRPr lang="de-DE"/>
+          </a:p>
+        </p:txBody>
+      </p:sp>
+      <p:sp>
+        <p:nvSpPr>
+          <p:cNvPr id="11" name="Oval 10">
+            <a:extLst>
+              <a:ext uri="{FF2B5EF4-FFF2-40B4-BE49-F238E27FC236}">
+                <a16:creationId xmlns:a16="http://schemas.microsoft.com/office/drawing/2014/main" id="{52D513D3-C95F-194D-B8D0-6B8CCF7B3B09}"/>
+              </a:ext>
+            </a:extLst>
+          </p:cNvPr>
+          <p:cNvSpPr/>
+          <p:nvPr/>
+        </p:nvSpPr>
+        <p:spPr>
+          <a:xfrm>
+            <a:off x="341845" y="5993820"/>
+            <a:ext cx="1260390" cy="580767"/>
+          </a:xfrm>
+          <a:prstGeom prst="ellipse">
+            <a:avLst/>
+          </a:prstGeom>
+          <a:noFill/>
+          <a:ln w="25400">
+            <a:solidFill>
+              <a:srgbClr val="FF0000"/>
+            </a:solidFill>
+            <a:prstDash val="sysDot"/>
+          </a:ln>
+        </p:spPr>
+        <p:style>
+          <a:lnRef idx="2">
+            <a:schemeClr val="accent1">
+              <a:shade val="50000"/>
+            </a:schemeClr>
+          </a:lnRef>
+          <a:fillRef idx="1">
+            <a:schemeClr val="accent1"/>
+          </a:fillRef>
+          <a:effectRef idx="0">
+            <a:schemeClr val="accent1"/>
+          </a:effectRef>
+          <a:fontRef idx="minor">
+            <a:schemeClr val="lt1"/>
+          </a:fontRef>
+        </p:style>
+        <p:txBody>
+          <a:bodyPr rtlCol="0" anchor="ctr"/>
+          <a:lstStyle/>
+          <a:p>
+            <a:pPr algn="ctr"/>
+            <a:endParaRPr lang="de-DE"/>
+          </a:p>
+        </p:txBody>
+      </p:sp>
+      <p:sp>
+        <p:nvSpPr>
+          <p:cNvPr id="12" name="Oval 11">
+            <a:extLst>
+              <a:ext uri="{FF2B5EF4-FFF2-40B4-BE49-F238E27FC236}">
+                <a16:creationId xmlns:a16="http://schemas.microsoft.com/office/drawing/2014/main" id="{74158EB9-9261-5B45-BDC5-9E58BFB1D172}"/>
+              </a:ext>
+            </a:extLst>
+          </p:cNvPr>
+          <p:cNvSpPr/>
+          <p:nvPr/>
+        </p:nvSpPr>
+        <p:spPr>
+          <a:xfrm>
+            <a:off x="2465496" y="5993820"/>
+            <a:ext cx="1260390" cy="580767"/>
+          </a:xfrm>
+          <a:prstGeom prst="ellipse">
+            <a:avLst/>
+          </a:prstGeom>
+          <a:noFill/>
+          <a:ln w="25400">
+            <a:solidFill>
+              <a:srgbClr val="FF0000"/>
+            </a:solidFill>
+            <a:prstDash val="sysDot"/>
+          </a:ln>
+        </p:spPr>
+        <p:style>
+          <a:lnRef idx="2">
+            <a:schemeClr val="accent1">
+              <a:shade val="50000"/>
+            </a:schemeClr>
+          </a:lnRef>
+          <a:fillRef idx="1">
+            <a:schemeClr val="accent1"/>
+          </a:fillRef>
+          <a:effectRef idx="0">
+            <a:schemeClr val="accent1"/>
+          </a:effectRef>
+          <a:fontRef idx="minor">
+            <a:schemeClr val="lt1"/>
+          </a:fontRef>
+        </p:style>
+        <p:txBody>
+          <a:bodyPr rtlCol="0" anchor="ctr"/>
+          <a:lstStyle/>
+          <a:p>
+            <a:pPr algn="ctr"/>
+            <a:endParaRPr lang="de-DE"/>
+          </a:p>
+        </p:txBody>
+      </p:sp>
+      <p:sp>
+        <p:nvSpPr>
+          <p:cNvPr id="13" name="Oval 12">
+            <a:extLst>
+              <a:ext uri="{FF2B5EF4-FFF2-40B4-BE49-F238E27FC236}">
+                <a16:creationId xmlns:a16="http://schemas.microsoft.com/office/drawing/2014/main" id="{CB9EC61A-E518-1747-8039-6AB5F6F6D007}"/>
+              </a:ext>
+            </a:extLst>
+          </p:cNvPr>
+          <p:cNvSpPr/>
+          <p:nvPr/>
+        </p:nvSpPr>
+        <p:spPr>
+          <a:xfrm>
+            <a:off x="373157" y="3436357"/>
+            <a:ext cx="1260390" cy="580767"/>
+          </a:xfrm>
+          <a:prstGeom prst="ellipse">
+            <a:avLst/>
+          </a:prstGeom>
+          <a:noFill/>
+          <a:ln w="25400">
+            <a:solidFill>
+              <a:srgbClr val="FF0000"/>
+            </a:solidFill>
+            <a:prstDash val="sysDot"/>
+          </a:ln>
+        </p:spPr>
+        <p:style>
+          <a:lnRef idx="2">
+            <a:schemeClr val="accent1">
+              <a:shade val="50000"/>
+            </a:schemeClr>
+          </a:lnRef>
+          <a:fillRef idx="1">
+            <a:schemeClr val="accent1"/>
+          </a:fillRef>
+          <a:effectRef idx="0">
+            <a:schemeClr val="accent1"/>
+          </a:effectRef>
+          <a:fontRef idx="minor">
+            <a:schemeClr val="lt1"/>
+          </a:fontRef>
+        </p:style>
+        <p:txBody>
+          <a:bodyPr rtlCol="0" anchor="ctr"/>
+          <a:lstStyle/>
+          <a:p>
+            <a:pPr algn="ctr"/>
+            <a:endParaRPr lang="de-DE"/>
+          </a:p>
+        </p:txBody>
+      </p:sp>
+      <p:sp>
+        <p:nvSpPr>
+          <p:cNvPr id="14" name="Oval 13">
+            <a:extLst>
+              <a:ext uri="{FF2B5EF4-FFF2-40B4-BE49-F238E27FC236}">
+                <a16:creationId xmlns:a16="http://schemas.microsoft.com/office/drawing/2014/main" id="{A9FCBF11-FE62-2446-A010-A00E26A4D8D6}"/>
+              </a:ext>
+            </a:extLst>
+          </p:cNvPr>
+          <p:cNvSpPr/>
+          <p:nvPr/>
+        </p:nvSpPr>
+        <p:spPr>
+          <a:xfrm>
+            <a:off x="2526444" y="3393564"/>
+            <a:ext cx="1260390" cy="580767"/>
+          </a:xfrm>
+          <a:prstGeom prst="ellipse">
+            <a:avLst/>
+          </a:prstGeom>
+          <a:noFill/>
+          <a:ln w="25400">
+            <a:solidFill>
+              <a:srgbClr val="FF0000"/>
+            </a:solidFill>
+            <a:prstDash val="sysDot"/>
+          </a:ln>
+        </p:spPr>
+        <p:style>
+          <a:lnRef idx="2">
+            <a:schemeClr val="accent1">
+              <a:shade val="50000"/>
+            </a:schemeClr>
+          </a:lnRef>
+          <a:fillRef idx="1">
+            <a:schemeClr val="accent1"/>
+          </a:fillRef>
+          <a:effectRef idx="0">
+            <a:schemeClr val="accent1"/>
+          </a:effectRef>
+          <a:fontRef idx="minor">
+            <a:schemeClr val="lt1"/>
+          </a:fontRef>
+        </p:style>
+        <p:txBody>
+          <a:bodyPr rtlCol="0" anchor="ctr"/>
+          <a:lstStyle/>
+          <a:p>
+            <a:pPr algn="ctr"/>
+            <a:endParaRPr lang="de-DE"/>
+          </a:p>
+        </p:txBody>
+      </p:sp>
+      <p:sp>
+        <p:nvSpPr>
+          <p:cNvPr id="15" name="Oval 14">
+            <a:extLst>
+              <a:ext uri="{FF2B5EF4-FFF2-40B4-BE49-F238E27FC236}">
+                <a16:creationId xmlns:a16="http://schemas.microsoft.com/office/drawing/2014/main" id="{D56DBB79-26FD-5C45-8DFF-FAF9D7ED3383}"/>
+              </a:ext>
+            </a:extLst>
+          </p:cNvPr>
+          <p:cNvSpPr/>
+          <p:nvPr/>
+        </p:nvSpPr>
+        <p:spPr>
+          <a:xfrm>
+            <a:off x="9763085" y="1665128"/>
+            <a:ext cx="1260390" cy="580767"/>
+          </a:xfrm>
+          <a:prstGeom prst="ellipse">
+            <a:avLst/>
+          </a:prstGeom>
+          <a:noFill/>
+          <a:ln w="25400">
+            <a:solidFill>
+              <a:srgbClr val="FF0000"/>
+            </a:solidFill>
+            <a:prstDash val="sysDot"/>
+          </a:ln>
+        </p:spPr>
+        <p:style>
+          <a:lnRef idx="2">
+            <a:schemeClr val="accent1">
+              <a:shade val="50000"/>
+            </a:schemeClr>
+          </a:lnRef>
+          <a:fillRef idx="1">
+            <a:schemeClr val="accent1"/>
+          </a:fillRef>
+          <a:effectRef idx="0">
+            <a:schemeClr val="accent1"/>
+          </a:effectRef>
+          <a:fontRef idx="minor">
+            <a:schemeClr val="lt1"/>
+          </a:fontRef>
+        </p:style>
+        <p:txBody>
+          <a:bodyPr rtlCol="0" anchor="ctr"/>
+          <a:lstStyle/>
+          <a:p>
+            <a:pPr algn="ctr"/>
+            <a:endParaRPr lang="de-DE"/>
+          </a:p>
+        </p:txBody>
+      </p:sp>
+      <p:sp>
+        <p:nvSpPr>
+          <p:cNvPr id="16" name="Oval 15">
+            <a:extLst>
+              <a:ext uri="{FF2B5EF4-FFF2-40B4-BE49-F238E27FC236}">
+                <a16:creationId xmlns:a16="http://schemas.microsoft.com/office/drawing/2014/main" id="{F9E7C157-8AF7-FD42-87CD-AD91D8D1BE0E}"/>
+              </a:ext>
+            </a:extLst>
+          </p:cNvPr>
+          <p:cNvSpPr/>
+          <p:nvPr/>
+        </p:nvSpPr>
+        <p:spPr>
+          <a:xfrm>
+            <a:off x="9638442" y="4321722"/>
+            <a:ext cx="1260390" cy="580767"/>
+          </a:xfrm>
+          <a:prstGeom prst="ellipse">
+            <a:avLst/>
+          </a:prstGeom>
+          <a:noFill/>
+          <a:ln w="25400">
+            <a:solidFill>
+              <a:srgbClr val="FF0000"/>
+            </a:solidFill>
+            <a:prstDash val="sysDot"/>
+          </a:ln>
+        </p:spPr>
+        <p:style>
+          <a:lnRef idx="2">
+            <a:schemeClr val="accent1">
+              <a:shade val="50000"/>
+            </a:schemeClr>
+          </a:lnRef>
+          <a:fillRef idx="1">
+            <a:schemeClr val="accent1"/>
+          </a:fillRef>
+          <a:effectRef idx="0">
+            <a:schemeClr val="accent1"/>
+          </a:effectRef>
+          <a:fontRef idx="minor">
+            <a:schemeClr val="lt1"/>
+          </a:fontRef>
+        </p:style>
+        <p:txBody>
+          <a:bodyPr rtlCol="0" anchor="ctr"/>
+          <a:lstStyle/>
+          <a:p>
+            <a:pPr algn="ctr"/>
+            <a:endParaRPr lang="de-DE"/>
+          </a:p>
+        </p:txBody>
+      </p:sp>
+      <p:sp>
+        <p:nvSpPr>
+          <p:cNvPr id="17" name="Textfeld 16">
+            <a:extLst>
+              <a:ext uri="{FF2B5EF4-FFF2-40B4-BE49-F238E27FC236}">
+                <a16:creationId xmlns:a16="http://schemas.microsoft.com/office/drawing/2014/main" id="{5097CE70-2AE0-1F47-A386-CFA4F6F26EC6}"/>
+              </a:ext>
+            </a:extLst>
+          </p:cNvPr>
+          <p:cNvSpPr txBox="1"/>
+          <p:nvPr/>
+        </p:nvSpPr>
+        <p:spPr>
+          <a:xfrm>
+            <a:off x="5946501" y="582918"/>
+            <a:ext cx="5755546" cy="400110"/>
+          </a:xfrm>
+          <a:prstGeom prst="rect">
+            <a:avLst/>
+          </a:prstGeom>
+          <a:solidFill>
+            <a:schemeClr val="bg2"/>
+          </a:solidFill>
+        </p:spPr>
+        <p:txBody>
+          <a:bodyPr wrap="square" rtlCol="0">
+            <a:spAutoFit/>
+          </a:bodyPr>
+          <a:lstStyle/>
+          <a:p>
+            <a:r>
+              <a:rPr lang="de-DE" sz="2000">
+                <a:solidFill>
+                  <a:srgbClr val="FF0000"/>
+                </a:solidFill>
+                <a:sym typeface="Wingdings" pitchFamily="2" charset="2"/>
+              </a:rPr>
+              <a:t> Works fine for </a:t>
+            </a:r>
+            <a:r>
+              <a:rPr lang="de-DE" sz="2000" b="1">
+                <a:solidFill>
+                  <a:srgbClr val="FF0000"/>
+                </a:solidFill>
+                <a:sym typeface="Wingdings" pitchFamily="2" charset="2"/>
+              </a:rPr>
+              <a:t>short target length </a:t>
+            </a:r>
+            <a:r>
+              <a:rPr lang="de-DE" sz="2000">
+                <a:solidFill>
+                  <a:srgbClr val="FF0000"/>
+                </a:solidFill>
+                <a:sym typeface="Wingdings" pitchFamily="2" charset="2"/>
+              </a:rPr>
+              <a:t>up to 3 months</a:t>
+            </a:r>
+            <a:r>
+              <a:rPr lang="de-DE" sz="2000">
+                <a:solidFill>
+                  <a:srgbClr val="FF0000"/>
+                </a:solidFill>
+              </a:rPr>
+              <a:t>!</a:t>
+            </a:r>
           </a:p>
         </p:txBody>
       </p:sp>
     </p:spTree>
     <p:extLst>
       <p:ext uri="{BB962C8B-B14F-4D97-AF65-F5344CB8AC3E}">
-        <p14:creationId xmlns:p14="http://schemas.microsoft.com/office/powerpoint/2010/main" val="781926011"/>
+        <p14:creationId xmlns:p14="http://schemas.microsoft.com/office/powerpoint/2010/main" val="1402861701"/>
       </p:ext>
     </p:extLst>
   </p:cSld>
@@ -6673,6 +7448,762 @@
       </p:grpSpPr>
       <p:sp>
         <p:nvSpPr>
+          <p:cNvPr id="6" name="Textfeld 5">
+            <a:extLst>
+              <a:ext uri="{FF2B5EF4-FFF2-40B4-BE49-F238E27FC236}">
+                <a16:creationId xmlns:a16="http://schemas.microsoft.com/office/drawing/2014/main" id="{0FDFCF38-2125-FC44-8DC7-B38812BE71CF}"/>
+              </a:ext>
+            </a:extLst>
+          </p:cNvPr>
+          <p:cNvSpPr txBox="1"/>
+          <p:nvPr/>
+        </p:nvSpPr>
+        <p:spPr>
+          <a:xfrm>
+            <a:off x="341845" y="83130"/>
+            <a:ext cx="7988523" cy="830997"/>
+          </a:xfrm>
+          <a:prstGeom prst="rect">
+            <a:avLst/>
+          </a:prstGeom>
+          <a:noFill/>
+        </p:spPr>
+        <p:txBody>
+          <a:bodyPr wrap="square" rtlCol="0">
+            <a:spAutoFit/>
+          </a:bodyPr>
+          <a:lstStyle/>
+          <a:p>
+            <a:r>
+              <a:rPr lang="de-DE" sz="2400" b="1" dirty="0"/>
+              <a:t>Fidelity check for base ESN on ENSO index</a:t>
+            </a:r>
+          </a:p>
+          <a:p>
+            <a:r>
+              <a:rPr lang="de-DE" sz="2400" dirty="0">
+                <a:solidFill>
+                  <a:srgbClr val="FF0000"/>
+                </a:solidFill>
+              </a:rPr>
+              <a:t>target_length = </a:t>
+            </a:r>
+            <a:r>
+              <a:rPr lang="de-DE" sz="2400" b="1" dirty="0">
+                <a:solidFill>
+                  <a:srgbClr val="FF0000"/>
+                </a:solidFill>
+              </a:rPr>
+              <a:t>1 month</a:t>
+            </a:r>
+            <a:endParaRPr lang="de-DE" sz="2400" b="1" baseline="30000" dirty="0">
+              <a:solidFill>
+                <a:srgbClr val="FF0000"/>
+              </a:solidFill>
+            </a:endParaRPr>
+          </a:p>
+        </p:txBody>
+      </p:sp>
+      <p:pic>
+        <p:nvPicPr>
+          <p:cNvPr id="3074" name="Picture 2">
+            <a:extLst>
+              <a:ext uri="{FF2B5EF4-FFF2-40B4-BE49-F238E27FC236}">
+                <a16:creationId xmlns:a16="http://schemas.microsoft.com/office/drawing/2014/main" id="{D66DD9C0-7240-C148-863F-004E5A3BA6FD}"/>
+              </a:ext>
+            </a:extLst>
+          </p:cNvPr>
+          <p:cNvPicPr>
+            <a:picLocks noChangeAspect="1" noChangeArrowheads="1"/>
+          </p:cNvPicPr>
+          <p:nvPr/>
+        </p:nvPicPr>
+        <p:blipFill>
+          <a:blip r:embed="rId2">
+            <a:extLst>
+              <a:ext uri="{28A0092B-C50C-407E-A947-70E740481C1C}">
+                <a14:useLocalDpi xmlns:a14="http://schemas.microsoft.com/office/drawing/2010/main" val="0"/>
+              </a:ext>
+            </a:extLst>
+          </a:blip>
+          <a:srcRect/>
+          <a:stretch>
+            <a:fillRect/>
+          </a:stretch>
+        </p:blipFill>
+        <p:spPr bwMode="auto">
+          <a:xfrm>
+            <a:off x="3100385" y="1605893"/>
+            <a:ext cx="8751887" cy="4639332"/>
+          </a:xfrm>
+          <a:prstGeom prst="rect">
+            <a:avLst/>
+          </a:prstGeom>
+          <a:noFill/>
+          <a:extLst>
+            <a:ext uri="{909E8E84-426E-40DD-AFC4-6F175D3DCCD1}">
+              <a14:hiddenFill xmlns:a14="http://schemas.microsoft.com/office/drawing/2010/main">
+                <a:solidFill>
+                  <a:srgbClr val="FFFFFF"/>
+                </a:solidFill>
+              </a14:hiddenFill>
+            </a:ext>
+          </a:extLst>
+        </p:spPr>
+      </p:pic>
+      <p:pic>
+        <p:nvPicPr>
+          <p:cNvPr id="5" name="Grafik 4">
+            <a:extLst>
+              <a:ext uri="{FF2B5EF4-FFF2-40B4-BE49-F238E27FC236}">
+                <a16:creationId xmlns:a16="http://schemas.microsoft.com/office/drawing/2014/main" id="{08E8A813-63A1-124A-97AF-796E0E484018}"/>
+              </a:ext>
+            </a:extLst>
+          </p:cNvPr>
+          <p:cNvPicPr>
+            <a:picLocks noChangeAspect="1"/>
+          </p:cNvPicPr>
+          <p:nvPr/>
+        </p:nvPicPr>
+        <p:blipFill>
+          <a:blip r:embed="rId3"/>
+          <a:stretch>
+            <a:fillRect/>
+          </a:stretch>
+        </p:blipFill>
+        <p:spPr>
+          <a:xfrm>
+            <a:off x="296864" y="2287423"/>
+            <a:ext cx="2595240" cy="2283154"/>
+          </a:xfrm>
+          <a:prstGeom prst="rect">
+            <a:avLst/>
+          </a:prstGeom>
+        </p:spPr>
+      </p:pic>
+      <p:sp>
+        <p:nvSpPr>
+          <p:cNvPr id="19" name="Oval 18">
+            <a:extLst>
+              <a:ext uri="{FF2B5EF4-FFF2-40B4-BE49-F238E27FC236}">
+                <a16:creationId xmlns:a16="http://schemas.microsoft.com/office/drawing/2014/main" id="{8B7D014A-64E3-154D-B649-B8B8B2992827}"/>
+              </a:ext>
+            </a:extLst>
+          </p:cNvPr>
+          <p:cNvSpPr/>
+          <p:nvPr/>
+        </p:nvSpPr>
+        <p:spPr>
+          <a:xfrm>
+            <a:off x="1240569" y="2593465"/>
+            <a:ext cx="1202594" cy="549786"/>
+          </a:xfrm>
+          <a:prstGeom prst="ellipse">
+            <a:avLst/>
+          </a:prstGeom>
+          <a:noFill/>
+          <a:ln w="25400">
+            <a:solidFill>
+              <a:srgbClr val="FF0000"/>
+            </a:solidFill>
+            <a:prstDash val="sysDot"/>
+          </a:ln>
+        </p:spPr>
+        <p:style>
+          <a:lnRef idx="2">
+            <a:schemeClr val="accent1">
+              <a:shade val="50000"/>
+            </a:schemeClr>
+          </a:lnRef>
+          <a:fillRef idx="1">
+            <a:schemeClr val="accent1"/>
+          </a:fillRef>
+          <a:effectRef idx="0">
+            <a:schemeClr val="accent1"/>
+          </a:effectRef>
+          <a:fontRef idx="minor">
+            <a:schemeClr val="lt1"/>
+          </a:fontRef>
+        </p:style>
+        <p:txBody>
+          <a:bodyPr rtlCol="0" anchor="ctr"/>
+          <a:lstStyle/>
+          <a:p>
+            <a:pPr algn="ctr"/>
+            <a:endParaRPr lang="de-DE"/>
+          </a:p>
+        </p:txBody>
+      </p:sp>
+    </p:spTree>
+    <p:extLst>
+      <p:ext uri="{BB962C8B-B14F-4D97-AF65-F5344CB8AC3E}">
+        <p14:creationId xmlns:p14="http://schemas.microsoft.com/office/powerpoint/2010/main" val="641560152"/>
+      </p:ext>
+    </p:extLst>
+  </p:cSld>
+  <p:clrMapOvr>
+    <a:masterClrMapping/>
+  </p:clrMapOvr>
+</p:sld>
+</file>
+
+<file path=ppt/slides/slide16.xml><?xml version="1.0" encoding="utf-8"?>
+<p:sld xmlns:a="http://schemas.openxmlformats.org/drawingml/2006/main" xmlns:r="http://schemas.openxmlformats.org/officeDocument/2006/relationships" xmlns:p="http://schemas.openxmlformats.org/presentationml/2006/main">
+  <p:cSld>
+    <p:spTree>
+      <p:nvGrpSpPr>
+        <p:cNvPr id="1" name=""/>
+        <p:cNvGrpSpPr/>
+        <p:nvPr/>
+      </p:nvGrpSpPr>
+      <p:grpSpPr>
+        <a:xfrm>
+          <a:off x="0" y="0"/>
+          <a:ext cx="0" cy="0"/>
+          <a:chOff x="0" y="0"/>
+          <a:chExt cx="0" cy="0"/>
+        </a:xfrm>
+      </p:grpSpPr>
+      <p:pic>
+        <p:nvPicPr>
+          <p:cNvPr id="4" name="Grafik 3">
+            <a:extLst>
+              <a:ext uri="{FF2B5EF4-FFF2-40B4-BE49-F238E27FC236}">
+                <a16:creationId xmlns:a16="http://schemas.microsoft.com/office/drawing/2014/main" id="{A373366A-4974-E641-977D-37D2EADCAEF5}"/>
+              </a:ext>
+            </a:extLst>
+          </p:cNvPr>
+          <p:cNvPicPr>
+            <a:picLocks noChangeAspect="1"/>
+          </p:cNvPicPr>
+          <p:nvPr/>
+        </p:nvPicPr>
+        <p:blipFill>
+          <a:blip r:embed="rId3"/>
+          <a:stretch>
+            <a:fillRect/>
+          </a:stretch>
+        </p:blipFill>
+        <p:spPr>
+          <a:xfrm>
+            <a:off x="311151" y="2231698"/>
+            <a:ext cx="2595239" cy="2283153"/>
+          </a:xfrm>
+          <a:prstGeom prst="rect">
+            <a:avLst/>
+          </a:prstGeom>
+        </p:spPr>
+      </p:pic>
+      <p:pic>
+        <p:nvPicPr>
+          <p:cNvPr id="5126" name="Picture 6">
+            <a:extLst>
+              <a:ext uri="{FF2B5EF4-FFF2-40B4-BE49-F238E27FC236}">
+                <a16:creationId xmlns:a16="http://schemas.microsoft.com/office/drawing/2014/main" id="{14A95079-ADC4-4141-B993-47E05073BB6E}"/>
+              </a:ext>
+            </a:extLst>
+          </p:cNvPr>
+          <p:cNvPicPr>
+            <a:picLocks noChangeAspect="1" noChangeArrowheads="1"/>
+          </p:cNvPicPr>
+          <p:nvPr/>
+        </p:nvPicPr>
+        <p:blipFill>
+          <a:blip r:embed="rId4">
+            <a:extLst>
+              <a:ext uri="{28A0092B-C50C-407E-A947-70E740481C1C}">
+                <a14:useLocalDpi xmlns:a14="http://schemas.microsoft.com/office/drawing/2010/main" val="0"/>
+              </a:ext>
+            </a:extLst>
+          </a:blip>
+          <a:srcRect/>
+          <a:stretch>
+            <a:fillRect/>
+          </a:stretch>
+        </p:blipFill>
+        <p:spPr bwMode="auto">
+          <a:xfrm>
+            <a:off x="3114671" y="1605893"/>
+            <a:ext cx="8751889" cy="4639333"/>
+          </a:xfrm>
+          <a:prstGeom prst="rect">
+            <a:avLst/>
+          </a:prstGeom>
+          <a:noFill/>
+          <a:extLst>
+            <a:ext uri="{909E8E84-426E-40DD-AFC4-6F175D3DCCD1}">
+              <a14:hiddenFill xmlns:a14="http://schemas.microsoft.com/office/drawing/2010/main">
+                <a:solidFill>
+                  <a:srgbClr val="FFFFFF"/>
+                </a:solidFill>
+              </a14:hiddenFill>
+            </a:ext>
+          </a:extLst>
+        </p:spPr>
+      </p:pic>
+      <p:sp>
+        <p:nvSpPr>
+          <p:cNvPr id="6" name="Textfeld 5">
+            <a:extLst>
+              <a:ext uri="{FF2B5EF4-FFF2-40B4-BE49-F238E27FC236}">
+                <a16:creationId xmlns:a16="http://schemas.microsoft.com/office/drawing/2014/main" id="{0FDFCF38-2125-FC44-8DC7-B38812BE71CF}"/>
+              </a:ext>
+            </a:extLst>
+          </p:cNvPr>
+          <p:cNvSpPr txBox="1"/>
+          <p:nvPr/>
+        </p:nvSpPr>
+        <p:spPr>
+          <a:xfrm>
+            <a:off x="341845" y="83130"/>
+            <a:ext cx="7988523" cy="830997"/>
+          </a:xfrm>
+          <a:prstGeom prst="rect">
+            <a:avLst/>
+          </a:prstGeom>
+          <a:noFill/>
+        </p:spPr>
+        <p:txBody>
+          <a:bodyPr wrap="square" rtlCol="0">
+            <a:spAutoFit/>
+          </a:bodyPr>
+          <a:lstStyle/>
+          <a:p>
+            <a:r>
+              <a:rPr lang="de-DE" sz="2400" b="1" dirty="0"/>
+              <a:t>Fidelity check for base ESN on ENSO index</a:t>
+            </a:r>
+            <a:r>
+              <a:rPr lang="de-DE" sz="2400" dirty="0"/>
+              <a:t>*</a:t>
+            </a:r>
+            <a:r>
+              <a:rPr lang="de-DE" sz="2400" baseline="30000" dirty="0"/>
+              <a:t>)</a:t>
+            </a:r>
+          </a:p>
+          <a:p>
+            <a:r>
+              <a:rPr lang="de-DE" sz="2400" dirty="0">
+                <a:solidFill>
+                  <a:srgbClr val="FF0000"/>
+                </a:solidFill>
+              </a:rPr>
+              <a:t>target_length = </a:t>
+            </a:r>
+            <a:r>
+              <a:rPr lang="de-DE" sz="2400" b="1" dirty="0">
+                <a:solidFill>
+                  <a:srgbClr val="FF0000"/>
+                </a:solidFill>
+              </a:rPr>
+              <a:t>3 months</a:t>
+            </a:r>
+            <a:endParaRPr lang="de-DE" sz="2400" b="1" baseline="30000" dirty="0">
+              <a:solidFill>
+                <a:srgbClr val="FF0000"/>
+              </a:solidFill>
+            </a:endParaRPr>
+          </a:p>
+        </p:txBody>
+      </p:sp>
+      <p:sp>
+        <p:nvSpPr>
+          <p:cNvPr id="12" name="Textfeld 11">
+            <a:extLst>
+              <a:ext uri="{FF2B5EF4-FFF2-40B4-BE49-F238E27FC236}">
+                <a16:creationId xmlns:a16="http://schemas.microsoft.com/office/drawing/2014/main" id="{919ED181-7C4E-364A-8F1F-223512ACC688}"/>
+              </a:ext>
+            </a:extLst>
+          </p:cNvPr>
+          <p:cNvSpPr txBox="1"/>
+          <p:nvPr/>
+        </p:nvSpPr>
+        <p:spPr>
+          <a:xfrm>
+            <a:off x="9372600" y="66742"/>
+            <a:ext cx="2819401" cy="307777"/>
+          </a:xfrm>
+          <a:prstGeom prst="rect">
+            <a:avLst/>
+          </a:prstGeom>
+          <a:noFill/>
+        </p:spPr>
+        <p:txBody>
+          <a:bodyPr wrap="square" rtlCol="0">
+            <a:spAutoFit/>
+          </a:bodyPr>
+          <a:lstStyle/>
+          <a:p>
+            <a:r>
+              <a:rPr lang="de-DE" sz="1400"/>
+              <a:t>*</a:t>
+            </a:r>
+            <a:r>
+              <a:rPr lang="de-DE" sz="1400" baseline="30000"/>
+              <a:t>)</a:t>
+            </a:r>
+            <a:r>
+              <a:rPr lang="de-DE" sz="1400"/>
+              <a:t> scaled inputs for stability reasons</a:t>
+            </a:r>
+          </a:p>
+        </p:txBody>
+      </p:sp>
+      <p:sp>
+        <p:nvSpPr>
+          <p:cNvPr id="13" name="Oval 12">
+            <a:extLst>
+              <a:ext uri="{FF2B5EF4-FFF2-40B4-BE49-F238E27FC236}">
+                <a16:creationId xmlns:a16="http://schemas.microsoft.com/office/drawing/2014/main" id="{230C8DF7-208A-E147-987C-01E5FD8856E3}"/>
+              </a:ext>
+            </a:extLst>
+          </p:cNvPr>
+          <p:cNvSpPr/>
+          <p:nvPr/>
+        </p:nvSpPr>
+        <p:spPr>
+          <a:xfrm>
+            <a:off x="1240569" y="2593465"/>
+            <a:ext cx="1202594" cy="549786"/>
+          </a:xfrm>
+          <a:prstGeom prst="ellipse">
+            <a:avLst/>
+          </a:prstGeom>
+          <a:noFill/>
+          <a:ln w="25400">
+            <a:solidFill>
+              <a:srgbClr val="FF0000"/>
+            </a:solidFill>
+            <a:prstDash val="sysDot"/>
+          </a:ln>
+        </p:spPr>
+        <p:style>
+          <a:lnRef idx="2">
+            <a:schemeClr val="accent1">
+              <a:shade val="50000"/>
+            </a:schemeClr>
+          </a:lnRef>
+          <a:fillRef idx="1">
+            <a:schemeClr val="accent1"/>
+          </a:fillRef>
+          <a:effectRef idx="0">
+            <a:schemeClr val="accent1"/>
+          </a:effectRef>
+          <a:fontRef idx="minor">
+            <a:schemeClr val="lt1"/>
+          </a:fontRef>
+        </p:style>
+        <p:txBody>
+          <a:bodyPr rtlCol="0" anchor="ctr"/>
+          <a:lstStyle/>
+          <a:p>
+            <a:pPr algn="ctr"/>
+            <a:endParaRPr lang="de-DE"/>
+          </a:p>
+        </p:txBody>
+      </p:sp>
+    </p:spTree>
+    <p:extLst>
+      <p:ext uri="{BB962C8B-B14F-4D97-AF65-F5344CB8AC3E}">
+        <p14:creationId xmlns:p14="http://schemas.microsoft.com/office/powerpoint/2010/main" val="2989734587"/>
+      </p:ext>
+    </p:extLst>
+  </p:cSld>
+  <p:clrMapOvr>
+    <a:masterClrMapping/>
+  </p:clrMapOvr>
+</p:sld>
+</file>
+
+<file path=ppt/slides/slide17.xml><?xml version="1.0" encoding="utf-8"?>
+<p:sld xmlns:a="http://schemas.openxmlformats.org/drawingml/2006/main" xmlns:r="http://schemas.openxmlformats.org/officeDocument/2006/relationships" xmlns:p="http://schemas.openxmlformats.org/presentationml/2006/main">
+  <p:cSld>
+    <p:spTree>
+      <p:nvGrpSpPr>
+        <p:cNvPr id="1" name=""/>
+        <p:cNvGrpSpPr/>
+        <p:nvPr/>
+      </p:nvGrpSpPr>
+      <p:grpSpPr>
+        <a:xfrm>
+          <a:off x="0" y="0"/>
+          <a:ext cx="0" cy="0"/>
+          <a:chOff x="0" y="0"/>
+          <a:chExt cx="0" cy="0"/>
+        </a:xfrm>
+      </p:grpSpPr>
+      <p:pic>
+        <p:nvPicPr>
+          <p:cNvPr id="2" name="Grafik 1">
+            <a:extLst>
+              <a:ext uri="{FF2B5EF4-FFF2-40B4-BE49-F238E27FC236}">
+                <a16:creationId xmlns:a16="http://schemas.microsoft.com/office/drawing/2014/main" id="{C35168D1-E2CD-0845-AD26-13BA86FA8F9C}"/>
+              </a:ext>
+            </a:extLst>
+          </p:cNvPr>
+          <p:cNvPicPr>
+            <a:picLocks noChangeAspect="1"/>
+          </p:cNvPicPr>
+          <p:nvPr/>
+        </p:nvPicPr>
+        <p:blipFill>
+          <a:blip r:embed="rId3"/>
+          <a:stretch>
+            <a:fillRect/>
+          </a:stretch>
+        </p:blipFill>
+        <p:spPr>
+          <a:xfrm>
+            <a:off x="311151" y="2318848"/>
+            <a:ext cx="2595238" cy="2283152"/>
+          </a:xfrm>
+          <a:prstGeom prst="rect">
+            <a:avLst/>
+          </a:prstGeom>
+        </p:spPr>
+      </p:pic>
+      <p:pic>
+        <p:nvPicPr>
+          <p:cNvPr id="7170" name="Picture 2">
+            <a:extLst>
+              <a:ext uri="{FF2B5EF4-FFF2-40B4-BE49-F238E27FC236}">
+                <a16:creationId xmlns:a16="http://schemas.microsoft.com/office/drawing/2014/main" id="{A0D1DC55-5D4B-3B45-B1DA-E3535ED8B58A}"/>
+              </a:ext>
+            </a:extLst>
+          </p:cNvPr>
+          <p:cNvPicPr>
+            <a:picLocks noChangeAspect="1" noChangeArrowheads="1"/>
+          </p:cNvPicPr>
+          <p:nvPr/>
+        </p:nvPicPr>
+        <p:blipFill>
+          <a:blip r:embed="rId4">
+            <a:extLst>
+              <a:ext uri="{28A0092B-C50C-407E-A947-70E740481C1C}">
+                <a14:useLocalDpi xmlns:a14="http://schemas.microsoft.com/office/drawing/2010/main" val="0"/>
+              </a:ext>
+            </a:extLst>
+          </a:blip>
+          <a:srcRect/>
+          <a:stretch>
+            <a:fillRect/>
+          </a:stretch>
+        </p:blipFill>
+        <p:spPr bwMode="auto">
+          <a:xfrm>
+            <a:off x="3096186" y="1605893"/>
+            <a:ext cx="8770374" cy="4639334"/>
+          </a:xfrm>
+          <a:prstGeom prst="rect">
+            <a:avLst/>
+          </a:prstGeom>
+          <a:noFill/>
+          <a:extLst>
+            <a:ext uri="{909E8E84-426E-40DD-AFC4-6F175D3DCCD1}">
+              <a14:hiddenFill xmlns:a14="http://schemas.microsoft.com/office/drawing/2010/main">
+                <a:solidFill>
+                  <a:srgbClr val="FFFFFF"/>
+                </a:solidFill>
+              </a14:hiddenFill>
+            </a:ext>
+          </a:extLst>
+        </p:spPr>
+      </p:pic>
+      <p:sp>
+        <p:nvSpPr>
+          <p:cNvPr id="6" name="Textfeld 5">
+            <a:extLst>
+              <a:ext uri="{FF2B5EF4-FFF2-40B4-BE49-F238E27FC236}">
+                <a16:creationId xmlns:a16="http://schemas.microsoft.com/office/drawing/2014/main" id="{0FDFCF38-2125-FC44-8DC7-B38812BE71CF}"/>
+              </a:ext>
+            </a:extLst>
+          </p:cNvPr>
+          <p:cNvSpPr txBox="1"/>
+          <p:nvPr/>
+        </p:nvSpPr>
+        <p:spPr>
+          <a:xfrm>
+            <a:off x="341845" y="83130"/>
+            <a:ext cx="7988523" cy="830997"/>
+          </a:xfrm>
+          <a:prstGeom prst="rect">
+            <a:avLst/>
+          </a:prstGeom>
+          <a:noFill/>
+        </p:spPr>
+        <p:txBody>
+          <a:bodyPr wrap="square" rtlCol="0">
+            <a:spAutoFit/>
+          </a:bodyPr>
+          <a:lstStyle/>
+          <a:p>
+            <a:r>
+              <a:rPr lang="de-DE" sz="2400" b="1" dirty="0"/>
+              <a:t>Fidelity check for base ESN on ENSO index</a:t>
+            </a:r>
+            <a:r>
+              <a:rPr lang="de-DE" sz="2400" dirty="0"/>
+              <a:t>*</a:t>
+            </a:r>
+            <a:r>
+              <a:rPr lang="de-DE" sz="2400" baseline="30000" dirty="0"/>
+              <a:t>)</a:t>
+            </a:r>
+          </a:p>
+          <a:p>
+            <a:r>
+              <a:rPr lang="de-DE" sz="2400" dirty="0">
+                <a:solidFill>
+                  <a:srgbClr val="FF0000"/>
+                </a:solidFill>
+              </a:rPr>
+              <a:t>target_length = </a:t>
+            </a:r>
+            <a:r>
+              <a:rPr lang="de-DE" sz="2400" b="1" dirty="0">
+                <a:solidFill>
+                  <a:srgbClr val="FF0000"/>
+                </a:solidFill>
+              </a:rPr>
+              <a:t>6 months</a:t>
+            </a:r>
+            <a:endParaRPr lang="de-DE" sz="2400" b="1" baseline="30000" dirty="0">
+              <a:solidFill>
+                <a:srgbClr val="FF0000"/>
+              </a:solidFill>
+            </a:endParaRPr>
+          </a:p>
+        </p:txBody>
+      </p:sp>
+      <p:sp>
+        <p:nvSpPr>
+          <p:cNvPr id="12" name="Textfeld 11">
+            <a:extLst>
+              <a:ext uri="{FF2B5EF4-FFF2-40B4-BE49-F238E27FC236}">
+                <a16:creationId xmlns:a16="http://schemas.microsoft.com/office/drawing/2014/main" id="{919ED181-7C4E-364A-8F1F-223512ACC688}"/>
+              </a:ext>
+            </a:extLst>
+          </p:cNvPr>
+          <p:cNvSpPr txBox="1"/>
+          <p:nvPr/>
+        </p:nvSpPr>
+        <p:spPr>
+          <a:xfrm>
+            <a:off x="9372600" y="66742"/>
+            <a:ext cx="2819401" cy="307777"/>
+          </a:xfrm>
+          <a:prstGeom prst="rect">
+            <a:avLst/>
+          </a:prstGeom>
+          <a:noFill/>
+        </p:spPr>
+        <p:txBody>
+          <a:bodyPr wrap="square" rtlCol="0">
+            <a:spAutoFit/>
+          </a:bodyPr>
+          <a:lstStyle/>
+          <a:p>
+            <a:r>
+              <a:rPr lang="de-DE" sz="1400"/>
+              <a:t>*</a:t>
+            </a:r>
+            <a:r>
+              <a:rPr lang="de-DE" sz="1400" baseline="30000"/>
+              <a:t>)</a:t>
+            </a:r>
+            <a:r>
+              <a:rPr lang="de-DE" sz="1400"/>
+              <a:t> scaled inputs for stability reasons</a:t>
+            </a:r>
+          </a:p>
+        </p:txBody>
+      </p:sp>
+      <p:sp>
+        <p:nvSpPr>
+          <p:cNvPr id="8" name="Oval 7">
+            <a:extLst>
+              <a:ext uri="{FF2B5EF4-FFF2-40B4-BE49-F238E27FC236}">
+                <a16:creationId xmlns:a16="http://schemas.microsoft.com/office/drawing/2014/main" id="{B2C89FA4-37EF-E549-BEDB-E22BB70460EA}"/>
+              </a:ext>
+            </a:extLst>
+          </p:cNvPr>
+          <p:cNvSpPr/>
+          <p:nvPr/>
+        </p:nvSpPr>
+        <p:spPr>
+          <a:xfrm>
+            <a:off x="1240569" y="2593465"/>
+            <a:ext cx="1202594" cy="549786"/>
+          </a:xfrm>
+          <a:prstGeom prst="ellipse">
+            <a:avLst/>
+          </a:prstGeom>
+          <a:noFill/>
+          <a:ln w="25400">
+            <a:solidFill>
+              <a:srgbClr val="FF0000"/>
+            </a:solidFill>
+            <a:prstDash val="sysDot"/>
+          </a:ln>
+        </p:spPr>
+        <p:style>
+          <a:lnRef idx="2">
+            <a:schemeClr val="accent1">
+              <a:shade val="50000"/>
+            </a:schemeClr>
+          </a:lnRef>
+          <a:fillRef idx="1">
+            <a:schemeClr val="accent1"/>
+          </a:fillRef>
+          <a:effectRef idx="0">
+            <a:schemeClr val="accent1"/>
+          </a:effectRef>
+          <a:fontRef idx="minor">
+            <a:schemeClr val="lt1"/>
+          </a:fontRef>
+        </p:style>
+        <p:txBody>
+          <a:bodyPr rtlCol="0" anchor="ctr"/>
+          <a:lstStyle/>
+          <a:p>
+            <a:pPr algn="ctr"/>
+            <a:endParaRPr lang="de-DE"/>
+          </a:p>
+        </p:txBody>
+      </p:sp>
+    </p:spTree>
+    <p:extLst>
+      <p:ext uri="{BB962C8B-B14F-4D97-AF65-F5344CB8AC3E}">
+        <p14:creationId xmlns:p14="http://schemas.microsoft.com/office/powerpoint/2010/main" val="94367027"/>
+      </p:ext>
+    </p:extLst>
+  </p:cSld>
+  <p:clrMapOvr>
+    <a:masterClrMapping/>
+  </p:clrMapOvr>
+</p:sld>
+</file>
+
+<file path=ppt/slides/slide18.xml><?xml version="1.0" encoding="utf-8"?>
+<p:sld xmlns:a="http://schemas.openxmlformats.org/drawingml/2006/main" xmlns:r="http://schemas.openxmlformats.org/officeDocument/2006/relationships" xmlns:p="http://schemas.openxmlformats.org/presentationml/2006/main">
+  <p:cSld>
+    <p:spTree>
+      <p:nvGrpSpPr>
+        <p:cNvPr id="1" name=""/>
+        <p:cNvGrpSpPr/>
+        <p:nvPr/>
+      </p:nvGrpSpPr>
+      <p:grpSpPr>
+        <a:xfrm>
+          <a:off x="0" y="0"/>
+          <a:ext cx="0" cy="0"/>
+          <a:chOff x="0" y="0"/>
+          <a:chExt cx="0" cy="0"/>
+        </a:xfrm>
+      </p:grpSpPr>
+      <p:sp>
+        <p:nvSpPr>
           <p:cNvPr id="4" name="Foliennummernplatzhalter 3">
             <a:extLst>
               <a:ext uri="{FF2B5EF4-FFF2-40B4-BE49-F238E27FC236}">
@@ -6694,7 +8225,7 @@
           <a:p>
             <a:fld id="{884D93BF-CEC1-484B-B797-4695C35961E3}" type="slidenum">
               <a:rPr lang="de-DE" smtClean="0"/>
-              <a:t>15</a:t>
+              <a:t>18</a:t>
             </a:fld>
             <a:endParaRPr lang="de-DE"/>
           </a:p>
@@ -6730,7 +8261,7 @@
           <a:p>
             <a:r>
               <a:rPr lang="de-DE" sz="2400" b="1" dirty="0"/>
-              <a:t>Sources</a:t>
+              <a:t>Discussion on Gradient Descent Optimization</a:t>
             </a:r>
           </a:p>
         </p:txBody>
@@ -6750,7 +8281,7 @@
         <p:spPr>
           <a:xfrm>
             <a:off x="543697" y="1112108"/>
-            <a:ext cx="9032789" cy="2031325"/>
+            <a:ext cx="10600553" cy="2862322"/>
           </a:xfrm>
           <a:prstGeom prst="rect">
             <a:avLst/>
@@ -6768,8 +8299,12 @@
               <a:buChar char="•"/>
             </a:pPr>
             <a:r>
+              <a:rPr lang="de-DE" b="1"/>
+              <a:t>Very fast </a:t>
+            </a:r>
+            <a:r>
               <a:rPr lang="de-DE"/>
-              <a:t>[Kim &amp; King, 2020] „Time series prediction using deep echo state networks“</a:t>
+              <a:t>optimization (compared to gridsearch over ALL possible parameter combinations).</a:t>
             </a:r>
           </a:p>
           <a:p>
@@ -6779,7 +8314,57 @@
             </a:pPr>
             <a:r>
               <a:rPr lang="de-DE"/>
-              <a:t>[Toms et al., 2019] „Physically Interpretable Neural Networks for the Geosciences: Applications to Earth System Variability“</a:t>
+              <a:t>Observe that we </a:t>
+            </a:r>
+            <a:r>
+              <a:rPr lang="de-DE" b="1"/>
+              <a:t>get back some problems </a:t>
+            </a:r>
+            <a:r>
+              <a:rPr lang="de-DE"/>
+              <a:t>from training ANNs, when we apply gradient descent optimization:</a:t>
+            </a:r>
+          </a:p>
+          <a:p>
+            <a:pPr marL="742950" lvl="1" indent="-285750">
+              <a:buFont typeface="Courier New" panose="02070309020205020404" pitchFamily="49" charset="0"/>
+              <a:buChar char="o"/>
+            </a:pPr>
+            <a:r>
+              <a:rPr lang="de-DE" b="1"/>
+              <a:t>overfitting</a:t>
+            </a:r>
+            <a:r>
+              <a:rPr lang="de-DE"/>
+              <a:t>: train_mse decreases while val_mse starts to rise or even explodes. Force early stopping!</a:t>
+            </a:r>
+          </a:p>
+          <a:p>
+            <a:pPr marL="742950" lvl="1" indent="-285750">
+              <a:buFont typeface="Courier New" panose="02070309020205020404" pitchFamily="49" charset="0"/>
+              <a:buChar char="o"/>
+            </a:pPr>
+            <a:r>
+              <a:rPr lang="de-DE"/>
+              <a:t>Can be </a:t>
+            </a:r>
+            <a:r>
+              <a:rPr lang="de-DE" b="1"/>
+              <a:t>stuck in local minimum </a:t>
+            </a:r>
+            <a:r>
+              <a:rPr lang="de-DE"/>
+              <a:t>of parameter space.</a:t>
+            </a:r>
+          </a:p>
+          <a:p>
+            <a:pPr lvl="1"/>
+            <a:endParaRPr lang="de-DE"/>
+          </a:p>
+          <a:p>
+            <a:r>
+              <a:rPr lang="de-DE"/>
+              <a:t>Some optional next steps to keep in mind:</a:t>
             </a:r>
           </a:p>
           <a:p>
@@ -6789,7 +8374,15 @@
             </a:pPr>
             <a:r>
               <a:rPr lang="de-DE"/>
-              <a:t>[Hassanibesheli et al., 2021] „Echo-State Networks for Predicting ENSO Beyond One Year“</a:t>
+              <a:t>Check: Do multiple runs leed to comparable/similar optimal parameters? (--&gt; </a:t>
+            </a:r>
+            <a:r>
+              <a:rPr lang="de-DE" b="1"/>
+              <a:t>Reproducibility</a:t>
+            </a:r>
+            <a:r>
+              <a:rPr lang="de-DE"/>
+              <a:t> desired!)</a:t>
             </a:r>
           </a:p>
           <a:p>
@@ -6799,7 +8392,37 @@
             </a:pPr>
             <a:r>
               <a:rPr lang="de-DE"/>
-              <a:t>[Öztürk et al., 2020] „Optimizing echo state network through a novel fisher maximization based stochastic gradient descent“</a:t>
+              <a:t>One could try to </a:t>
+            </a:r>
+            <a:r>
+              <a:rPr lang="de-DE" b="1"/>
+              <a:t>extend the optimization algorithm to DeepESN </a:t>
+            </a:r>
+            <a:r>
+              <a:rPr lang="de-DE"/>
+              <a:t>models: Further parameter n_layers.</a:t>
+            </a:r>
+          </a:p>
+          <a:p>
+            <a:pPr marL="285750" indent="-285750">
+              <a:buFont typeface="Arial" panose="020B0604020202020204" pitchFamily="34" charset="0"/>
+              <a:buChar char="•"/>
+            </a:pPr>
+            <a:r>
+              <a:rPr lang="de-DE"/>
+              <a:t>Could think of </a:t>
+            </a:r>
+            <a:r>
+              <a:rPr lang="de-DE" b="1"/>
+              <a:t>adding some form of </a:t>
+            </a:r>
+            <a:r>
+              <a:rPr lang="de-DE" b="1" i="1"/>
+              <a:t>momentum</a:t>
+            </a:r>
+            <a:r>
+              <a:rPr lang="de-DE"/>
+              <a:t>, like in ADAM optimizer.</a:t>
             </a:r>
           </a:p>
           <a:p>
@@ -6814,7 +8437,227 @@
     </p:spTree>
     <p:extLst>
       <p:ext uri="{BB962C8B-B14F-4D97-AF65-F5344CB8AC3E}">
-        <p14:creationId xmlns:p14="http://schemas.microsoft.com/office/powerpoint/2010/main" val="3799906732"/>
+        <p14:creationId xmlns:p14="http://schemas.microsoft.com/office/powerpoint/2010/main" val="1947400364"/>
+      </p:ext>
+    </p:extLst>
+  </p:cSld>
+  <p:clrMapOvr>
+    <a:masterClrMapping/>
+  </p:clrMapOvr>
+</p:sld>
+</file>
+
+<file path=ppt/slides/slide19.xml><?xml version="1.0" encoding="utf-8"?>
+<p:sld xmlns:a="http://schemas.openxmlformats.org/drawingml/2006/main" xmlns:r="http://schemas.openxmlformats.org/officeDocument/2006/relationships" xmlns:p="http://schemas.openxmlformats.org/presentationml/2006/main">
+  <p:cSld>
+    <p:spTree>
+      <p:nvGrpSpPr>
+        <p:cNvPr id="1" name=""/>
+        <p:cNvGrpSpPr/>
+        <p:nvPr/>
+      </p:nvGrpSpPr>
+      <p:grpSpPr>
+        <a:xfrm>
+          <a:off x="0" y="0"/>
+          <a:ext cx="0" cy="0"/>
+          <a:chOff x="0" y="0"/>
+          <a:chExt cx="0" cy="0"/>
+        </a:xfrm>
+      </p:grpSpPr>
+      <p:sp>
+        <p:nvSpPr>
+          <p:cNvPr id="4" name="Foliennummernplatzhalter 3">
+            <a:extLst>
+              <a:ext uri="{FF2B5EF4-FFF2-40B4-BE49-F238E27FC236}">
+                <a16:creationId xmlns:a16="http://schemas.microsoft.com/office/drawing/2014/main" id="{9752BF9B-20ED-124C-8D78-032D3F29C212}"/>
+              </a:ext>
+            </a:extLst>
+          </p:cNvPr>
+          <p:cNvSpPr>
+            <a:spLocks noGrp="1"/>
+          </p:cNvSpPr>
+          <p:nvPr>
+            <p:ph type="sldNum" sz="quarter" idx="12"/>
+          </p:nvPr>
+        </p:nvSpPr>
+        <p:spPr/>
+        <p:txBody>
+          <a:bodyPr/>
+          <a:lstStyle/>
+          <a:p>
+            <a:fld id="{884D93BF-CEC1-484B-B797-4695C35961E3}" type="slidenum">
+              <a:rPr lang="de-DE" smtClean="0"/>
+              <a:t>19</a:t>
+            </a:fld>
+            <a:endParaRPr lang="de-DE"/>
+          </a:p>
+        </p:txBody>
+      </p:sp>
+      <p:sp>
+        <p:nvSpPr>
+          <p:cNvPr id="7" name="Textfeld 6">
+            <a:extLst>
+              <a:ext uri="{FF2B5EF4-FFF2-40B4-BE49-F238E27FC236}">
+                <a16:creationId xmlns:a16="http://schemas.microsoft.com/office/drawing/2014/main" id="{FF8A926B-8B78-834F-BFBA-9405321487C6}"/>
+              </a:ext>
+            </a:extLst>
+          </p:cNvPr>
+          <p:cNvSpPr txBox="1"/>
+          <p:nvPr/>
+        </p:nvSpPr>
+        <p:spPr>
+          <a:xfrm>
+            <a:off x="365769" y="302411"/>
+            <a:ext cx="6674128" cy="461665"/>
+          </a:xfrm>
+          <a:prstGeom prst="rect">
+            <a:avLst/>
+          </a:prstGeom>
+          <a:noFill/>
+        </p:spPr>
+        <p:txBody>
+          <a:bodyPr wrap="square" rtlCol="0">
+            <a:spAutoFit/>
+          </a:bodyPr>
+          <a:lstStyle/>
+          <a:p>
+            <a:r>
+              <a:rPr lang="de-DE" sz="2400" b="1" dirty="0"/>
+              <a:t>Summary and Outlook</a:t>
+            </a:r>
+          </a:p>
+        </p:txBody>
+      </p:sp>
+      <p:sp>
+        <p:nvSpPr>
+          <p:cNvPr id="5" name="Textfeld 4">
+            <a:extLst>
+              <a:ext uri="{FF2B5EF4-FFF2-40B4-BE49-F238E27FC236}">
+                <a16:creationId xmlns:a16="http://schemas.microsoft.com/office/drawing/2014/main" id="{7B349DC1-8020-704C-A9A0-4D7FFCADBAC0}"/>
+              </a:ext>
+            </a:extLst>
+          </p:cNvPr>
+          <p:cNvSpPr txBox="1"/>
+          <p:nvPr/>
+        </p:nvSpPr>
+        <p:spPr>
+          <a:xfrm>
+            <a:off x="543697" y="1112108"/>
+            <a:ext cx="9032789" cy="3970318"/>
+          </a:xfrm>
+          <a:prstGeom prst="rect">
+            <a:avLst/>
+          </a:prstGeom>
+          <a:noFill/>
+        </p:spPr>
+        <p:txBody>
+          <a:bodyPr wrap="square" rtlCol="0">
+            <a:spAutoFit/>
+          </a:bodyPr>
+          <a:lstStyle/>
+          <a:p>
+            <a:pPr marL="285750" indent="-285750">
+              <a:buFont typeface="Arial" panose="020B0604020202020204" pitchFamily="34" charset="0"/>
+              <a:buChar char="•"/>
+            </a:pPr>
+            <a:r>
+              <a:rPr lang="de-DE"/>
+              <a:t>Predicting ENSO index from its own history alone is </a:t>
+            </a:r>
+            <a:r>
+              <a:rPr lang="de-DE" b="1"/>
+              <a:t>limited to very short target lengths</a:t>
+            </a:r>
+            <a:r>
+              <a:rPr lang="de-DE"/>
+              <a:t>.</a:t>
+            </a:r>
+          </a:p>
+          <a:p>
+            <a:pPr marL="285750" indent="-285750">
+              <a:buFont typeface="Arial" panose="020B0604020202020204" pitchFamily="34" charset="0"/>
+              <a:buChar char="•"/>
+            </a:pPr>
+            <a:r>
+              <a:rPr lang="de-DE" b="1"/>
+              <a:t>Need additional input features </a:t>
+            </a:r>
+            <a:r>
+              <a:rPr lang="de-DE"/>
+              <a:t>for long-term predictions.</a:t>
+            </a:r>
+          </a:p>
+          <a:p>
+            <a:pPr marL="285750" indent="-285750">
+              <a:buFont typeface="Arial" panose="020B0604020202020204" pitchFamily="34" charset="0"/>
+              <a:buChar char="•"/>
+            </a:pPr>
+            <a:r>
+              <a:rPr lang="de-DE"/>
+              <a:t>Or try idea – inspired by LRP paper („Physically Interpretable Neural Networks for the Geosciences: Applications to Earth System Variability“)</a:t>
+            </a:r>
+          </a:p>
+          <a:p>
+            <a:pPr marL="742950" lvl="1" indent="-285750">
+              <a:buFont typeface="Courier New" panose="02070309020205020404" pitchFamily="49" charset="0"/>
+              <a:buChar char="o"/>
+            </a:pPr>
+            <a:r>
+              <a:rPr lang="de-DE"/>
+              <a:t>Take increasing number of gridpoints from SST field as input. Focus on extended Nino region, to limit number of gridpoints.</a:t>
+            </a:r>
+          </a:p>
+          <a:p>
+            <a:pPr marL="742950" lvl="1" indent="-285750">
+              <a:buFont typeface="Courier New" panose="02070309020205020404" pitchFamily="49" charset="0"/>
+              <a:buChar char="o"/>
+            </a:pPr>
+            <a:r>
+              <a:rPr lang="de-DE"/>
+              <a:t>Start with gridpoint that (alone) leeds to highest acccuracy on predicting El Nino / La Nina events.</a:t>
+            </a:r>
+          </a:p>
+          <a:p>
+            <a:pPr marL="742950" lvl="1" indent="-285750">
+              <a:buFont typeface="Courier New" panose="02070309020205020404" pitchFamily="49" charset="0"/>
+              <a:buChar char="o"/>
+            </a:pPr>
+            <a:r>
+              <a:rPr lang="de-DE"/>
+              <a:t>Add further gridpoint and keep the first (vs. look for the two gridpoints) providing highest accuracy („</a:t>
+            </a:r>
+            <a:r>
+              <a:rPr lang="de-DE" b="1"/>
+              <a:t>agglomerative relevance</a:t>
+            </a:r>
+            <a:r>
+              <a:rPr lang="de-DE"/>
+              <a:t>“).</a:t>
+            </a:r>
+          </a:p>
+          <a:p>
+            <a:pPr marL="742950" lvl="1" indent="-285750">
+              <a:buFont typeface="Courier New" panose="02070309020205020404" pitchFamily="49" charset="0"/>
+              <a:buChar char="o"/>
+            </a:pPr>
+            <a:r>
+              <a:rPr lang="de-DE"/>
+              <a:t>Look at variance in time for gridpoints of SST anomaly. Expect highest variance in Nino region. Question: Are these gridpoints with highest variance also most relevant for predicting ENSO index?</a:t>
+            </a:r>
+          </a:p>
+          <a:p>
+            <a:pPr marL="285750" indent="-285750">
+              <a:buFont typeface="Arial" panose="020B0604020202020204" pitchFamily="34" charset="0"/>
+              <a:buChar char="•"/>
+            </a:pPr>
+            <a:endParaRPr lang="de-DE"/>
+          </a:p>
+        </p:txBody>
+      </p:sp>
+    </p:spTree>
+    <p:extLst>
+      <p:ext uri="{BB962C8B-B14F-4D97-AF65-F5344CB8AC3E}">
+        <p14:creationId xmlns:p14="http://schemas.microsoft.com/office/powerpoint/2010/main" val="781926011"/>
       </p:ext>
     </p:extLst>
   </p:cSld>
@@ -9109,6 +10952,176 @@
     <p:extLst>
       <p:ext uri="{BB962C8B-B14F-4D97-AF65-F5344CB8AC3E}">
         <p14:creationId xmlns:p14="http://schemas.microsoft.com/office/powerpoint/2010/main" val="939770524"/>
+      </p:ext>
+    </p:extLst>
+  </p:cSld>
+  <p:clrMapOvr>
+    <a:masterClrMapping/>
+  </p:clrMapOvr>
+</p:sld>
+</file>
+
+<file path=ppt/slides/slide20.xml><?xml version="1.0" encoding="utf-8"?>
+<p:sld xmlns:a="http://schemas.openxmlformats.org/drawingml/2006/main" xmlns:r="http://schemas.openxmlformats.org/officeDocument/2006/relationships" xmlns:p="http://schemas.openxmlformats.org/presentationml/2006/main">
+  <p:cSld>
+    <p:spTree>
+      <p:nvGrpSpPr>
+        <p:cNvPr id="1" name=""/>
+        <p:cNvGrpSpPr/>
+        <p:nvPr/>
+      </p:nvGrpSpPr>
+      <p:grpSpPr>
+        <a:xfrm>
+          <a:off x="0" y="0"/>
+          <a:ext cx="0" cy="0"/>
+          <a:chOff x="0" y="0"/>
+          <a:chExt cx="0" cy="0"/>
+        </a:xfrm>
+      </p:grpSpPr>
+      <p:sp>
+        <p:nvSpPr>
+          <p:cNvPr id="4" name="Foliennummernplatzhalter 3">
+            <a:extLst>
+              <a:ext uri="{FF2B5EF4-FFF2-40B4-BE49-F238E27FC236}">
+                <a16:creationId xmlns:a16="http://schemas.microsoft.com/office/drawing/2014/main" id="{9752BF9B-20ED-124C-8D78-032D3F29C212}"/>
+              </a:ext>
+            </a:extLst>
+          </p:cNvPr>
+          <p:cNvSpPr>
+            <a:spLocks noGrp="1"/>
+          </p:cNvSpPr>
+          <p:nvPr>
+            <p:ph type="sldNum" sz="quarter" idx="12"/>
+          </p:nvPr>
+        </p:nvSpPr>
+        <p:spPr/>
+        <p:txBody>
+          <a:bodyPr/>
+          <a:lstStyle/>
+          <a:p>
+            <a:fld id="{884D93BF-CEC1-484B-B797-4695C35961E3}" type="slidenum">
+              <a:rPr lang="de-DE" smtClean="0"/>
+              <a:t>20</a:t>
+            </a:fld>
+            <a:endParaRPr lang="de-DE"/>
+          </a:p>
+        </p:txBody>
+      </p:sp>
+      <p:sp>
+        <p:nvSpPr>
+          <p:cNvPr id="7" name="Textfeld 6">
+            <a:extLst>
+              <a:ext uri="{FF2B5EF4-FFF2-40B4-BE49-F238E27FC236}">
+                <a16:creationId xmlns:a16="http://schemas.microsoft.com/office/drawing/2014/main" id="{FF8A926B-8B78-834F-BFBA-9405321487C6}"/>
+              </a:ext>
+            </a:extLst>
+          </p:cNvPr>
+          <p:cNvSpPr txBox="1"/>
+          <p:nvPr/>
+        </p:nvSpPr>
+        <p:spPr>
+          <a:xfrm>
+            <a:off x="365769" y="302411"/>
+            <a:ext cx="6674128" cy="461665"/>
+          </a:xfrm>
+          <a:prstGeom prst="rect">
+            <a:avLst/>
+          </a:prstGeom>
+          <a:noFill/>
+        </p:spPr>
+        <p:txBody>
+          <a:bodyPr wrap="square" rtlCol="0">
+            <a:spAutoFit/>
+          </a:bodyPr>
+          <a:lstStyle/>
+          <a:p>
+            <a:r>
+              <a:rPr lang="de-DE" sz="2400" b="1" dirty="0"/>
+              <a:t>Sources</a:t>
+            </a:r>
+          </a:p>
+        </p:txBody>
+      </p:sp>
+      <p:sp>
+        <p:nvSpPr>
+          <p:cNvPr id="5" name="Textfeld 4">
+            <a:extLst>
+              <a:ext uri="{FF2B5EF4-FFF2-40B4-BE49-F238E27FC236}">
+                <a16:creationId xmlns:a16="http://schemas.microsoft.com/office/drawing/2014/main" id="{7B349DC1-8020-704C-A9A0-4D7FFCADBAC0}"/>
+              </a:ext>
+            </a:extLst>
+          </p:cNvPr>
+          <p:cNvSpPr txBox="1"/>
+          <p:nvPr/>
+        </p:nvSpPr>
+        <p:spPr>
+          <a:xfrm>
+            <a:off x="543697" y="1112108"/>
+            <a:ext cx="9032789" cy="2031325"/>
+          </a:xfrm>
+          <a:prstGeom prst="rect">
+            <a:avLst/>
+          </a:prstGeom>
+          <a:noFill/>
+        </p:spPr>
+        <p:txBody>
+          <a:bodyPr wrap="square" rtlCol="0">
+            <a:spAutoFit/>
+          </a:bodyPr>
+          <a:lstStyle/>
+          <a:p>
+            <a:pPr marL="285750" indent="-285750">
+              <a:buFont typeface="Arial" panose="020B0604020202020204" pitchFamily="34" charset="0"/>
+              <a:buChar char="•"/>
+            </a:pPr>
+            <a:r>
+              <a:rPr lang="de-DE"/>
+              <a:t>[Kim &amp; King, 2020] „Time series prediction using deep echo state networks“</a:t>
+            </a:r>
+          </a:p>
+          <a:p>
+            <a:pPr marL="285750" indent="-285750">
+              <a:buFont typeface="Arial" panose="020B0604020202020204" pitchFamily="34" charset="0"/>
+              <a:buChar char="•"/>
+            </a:pPr>
+            <a:r>
+              <a:rPr lang="de-DE"/>
+              <a:t>[Toms et al., 2019] „Physically Interpretable Neural Networks for the Geosciences: Applications to Earth System Variability“</a:t>
+            </a:r>
+          </a:p>
+          <a:p>
+            <a:pPr marL="285750" indent="-285750">
+              <a:buFont typeface="Arial" panose="020B0604020202020204" pitchFamily="34" charset="0"/>
+              <a:buChar char="•"/>
+            </a:pPr>
+            <a:r>
+              <a:rPr lang="de-DE"/>
+              <a:t>[Hassanibesheli et al., 2021] „Echo-State Networks for Predicting ENSO Beyond One Year“</a:t>
+            </a:r>
+          </a:p>
+          <a:p>
+            <a:pPr marL="285750" indent="-285750">
+              <a:buFont typeface="Arial" panose="020B0604020202020204" pitchFamily="34" charset="0"/>
+              <a:buChar char="•"/>
+            </a:pPr>
+            <a:r>
+              <a:rPr lang="de-DE"/>
+              <a:t>[Öztürk et al., 2020] „Optimizing echo state network through a novel fisher maximization based stochastic gradient descent“</a:t>
+            </a:r>
+          </a:p>
+          <a:p>
+            <a:pPr marL="285750" indent="-285750">
+              <a:buFont typeface="Arial" panose="020B0604020202020204" pitchFamily="34" charset="0"/>
+              <a:buChar char="•"/>
+            </a:pPr>
+            <a:endParaRPr lang="de-DE"/>
+          </a:p>
+        </p:txBody>
+      </p:sp>
+    </p:spTree>
+    <p:extLst>
+      <p:ext uri="{BB962C8B-B14F-4D97-AF65-F5344CB8AC3E}">
+        <p14:creationId xmlns:p14="http://schemas.microsoft.com/office/powerpoint/2010/main" val="3799906732"/>
       </p:ext>
     </p:extLst>
   </p:cSld>

--- a/ESN_exp06_ENSO.pptx
+++ b/ESN_exp06_ENSO.pptx
@@ -5,7 +5,7 @@
     <p:sldMasterId id="2147483648" r:id="rId1"/>
   </p:sldMasterIdLst>
   <p:notesMasterIdLst>
-    <p:notesMasterId r:id="rId22"/>
+    <p:notesMasterId r:id="rId23"/>
   </p:notesMasterIdLst>
   <p:sldIdLst>
     <p:sldId id="257" r:id="rId2"/>
@@ -27,7 +27,8 @@
     <p:sldId id="279" r:id="rId18"/>
     <p:sldId id="268" r:id="rId19"/>
     <p:sldId id="274" r:id="rId20"/>
-    <p:sldId id="269" r:id="rId21"/>
+    <p:sldId id="280" r:id="rId21"/>
+    <p:sldId id="269" r:id="rId22"/>
   </p:sldIdLst>
   <p:sldSz cx="12192000" cy="6858000"/>
   <p:notesSz cx="6858000" cy="9144000"/>
@@ -216,7 +217,7 @@
           <a:p>
             <a:fld id="{3AB76ABC-33D1-9C41-94E4-617AD2CE1B7F}" type="datetimeFigureOut">
               <a:rPr lang="de-DE" smtClean="0"/>
-              <a:t>06.03.22</a:t>
+              <a:t>07.03.22</a:t>
             </a:fld>
             <a:endParaRPr lang="de-DE"/>
           </a:p>
@@ -1133,7 +1134,7 @@
           <a:lstStyle/>
           <a:p>
             <a:fld id="{7BD4D8C3-7D46-0F49-B24C-EB77122FC604}" type="datetime1">
-              <a:t>06.03.22</a:t>
+              <a:t>07.03.22</a:t>
             </a:fld>
             <a:endParaRPr lang="de-DE"/>
           </a:p>
@@ -1330,7 +1331,7 @@
           <a:lstStyle/>
           <a:p>
             <a:fld id="{DB9C740B-A762-CC4F-8842-3B0709E16494}" type="datetime1">
-              <a:t>06.03.22</a:t>
+              <a:t>07.03.22</a:t>
             </a:fld>
             <a:endParaRPr lang="de-DE"/>
           </a:p>
@@ -1537,7 +1538,7 @@
           <a:lstStyle/>
           <a:p>
             <a:fld id="{B5DCEFDD-97F0-3F4E-856D-53E015FA5109}" type="datetime1">
-              <a:t>06.03.22</a:t>
+              <a:t>07.03.22</a:t>
             </a:fld>
             <a:endParaRPr lang="de-DE"/>
           </a:p>
@@ -1734,7 +1735,7 @@
           <a:lstStyle/>
           <a:p>
             <a:fld id="{B1266B10-EA18-AA4D-98CF-856740AC35F1}" type="datetime1">
-              <a:t>06.03.22</a:t>
+              <a:t>07.03.22</a:t>
             </a:fld>
             <a:endParaRPr lang="de-DE"/>
           </a:p>
@@ -2008,7 +2009,7 @@
           <a:lstStyle/>
           <a:p>
             <a:fld id="{7FCBA1CA-7E22-9747-8D35-F7D8EE0D09E4}" type="datetime1">
-              <a:t>06.03.22</a:t>
+              <a:t>07.03.22</a:t>
             </a:fld>
             <a:endParaRPr lang="de-DE"/>
           </a:p>
@@ -2272,7 +2273,7 @@
           <a:lstStyle/>
           <a:p>
             <a:fld id="{E385B954-90D5-F240-B297-4FE6A023436C}" type="datetime1">
-              <a:t>06.03.22</a:t>
+              <a:t>07.03.22</a:t>
             </a:fld>
             <a:endParaRPr lang="de-DE"/>
           </a:p>
@@ -2683,7 +2684,7 @@
           <a:lstStyle/>
           <a:p>
             <a:fld id="{132D93F8-6522-3547-A308-39305832D986}" type="datetime1">
-              <a:t>06.03.22</a:t>
+              <a:t>07.03.22</a:t>
             </a:fld>
             <a:endParaRPr lang="de-DE"/>
           </a:p>
@@ -2823,7 +2824,7 @@
           <a:lstStyle/>
           <a:p>
             <a:fld id="{2A9155E5-A07A-EF47-A0BA-443B784B7103}" type="datetime1">
-              <a:t>06.03.22</a:t>
+              <a:t>07.03.22</a:t>
             </a:fld>
             <a:endParaRPr lang="de-DE"/>
           </a:p>
@@ -2935,7 +2936,7 @@
           <a:lstStyle/>
           <a:p>
             <a:fld id="{405279BA-97B3-BC47-B977-FE53E0846046}" type="datetime1">
-              <a:t>06.03.22</a:t>
+              <a:t>07.03.22</a:t>
             </a:fld>
             <a:endParaRPr lang="de-DE"/>
           </a:p>
@@ -3245,7 +3246,7 @@
           <a:lstStyle/>
           <a:p>
             <a:fld id="{2CDFB09A-BAAD-7C43-B25A-805ABA21608B}" type="datetime1">
-              <a:t>06.03.22</a:t>
+              <a:t>07.03.22</a:t>
             </a:fld>
             <a:endParaRPr lang="de-DE"/>
           </a:p>
@@ -3532,7 +3533,7 @@
           <a:lstStyle/>
           <a:p>
             <a:fld id="{78138569-B3F3-7940-A5AE-D6935026A2BE}" type="datetime1">
-              <a:t>06.03.22</a:t>
+              <a:t>07.03.22</a:t>
             </a:fld>
             <a:endParaRPr lang="de-DE"/>
           </a:p>
@@ -3772,7 +3773,7 @@
           </a:lstStyle>
           <a:p>
             <a:fld id="{050D7DD1-F0AC-9F48-BEEF-9A8C75FA3F30}" type="datetime1">
-              <a:t>06.03.22</a:t>
+              <a:t>07.03.22</a:t>
             </a:fld>
             <a:endParaRPr lang="de-DE"/>
           </a:p>
@@ -8281,7 +8282,7 @@
         <p:spPr>
           <a:xfrm>
             <a:off x="543697" y="1112108"/>
-            <a:ext cx="10600553" cy="2862322"/>
+            <a:ext cx="10600553" cy="3416320"/>
           </a:xfrm>
           <a:prstGeom prst="rect">
             <a:avLst/>
@@ -8355,6 +8356,16 @@
             <a:r>
               <a:rPr lang="de-DE"/>
               <a:t>of parameter space.</a:t>
+            </a:r>
+          </a:p>
+          <a:p>
+            <a:pPr marL="285750" indent="-285750">
+              <a:buFont typeface="Courier New" panose="02070309020205020404" pitchFamily="49" charset="0"/>
+              <a:buChar char="o"/>
+            </a:pPr>
+            <a:r>
+              <a:rPr lang="de-DE"/>
+              <a:t>Challenge: How to find „suitable“ initial parameters? (see paper [Öztürk et al., 2020], they use fisher maximation)</a:t>
             </a:r>
           </a:p>
           <a:p>
@@ -11002,6 +11013,183 @@
             <a:fld id="{884D93BF-CEC1-484B-B797-4695C35961E3}" type="slidenum">
               <a:rPr lang="de-DE" smtClean="0"/>
               <a:t>20</a:t>
+            </a:fld>
+            <a:endParaRPr lang="de-DE"/>
+          </a:p>
+        </p:txBody>
+      </p:sp>
+      <p:sp>
+        <p:nvSpPr>
+          <p:cNvPr id="7" name="Textfeld 6">
+            <a:extLst>
+              <a:ext uri="{FF2B5EF4-FFF2-40B4-BE49-F238E27FC236}">
+                <a16:creationId xmlns:a16="http://schemas.microsoft.com/office/drawing/2014/main" id="{FF8A926B-8B78-834F-BFBA-9405321487C6}"/>
+              </a:ext>
+            </a:extLst>
+          </p:cNvPr>
+          <p:cNvSpPr txBox="1"/>
+          <p:nvPr/>
+        </p:nvSpPr>
+        <p:spPr>
+          <a:xfrm>
+            <a:off x="365768" y="302411"/>
+            <a:ext cx="8815301" cy="1661993"/>
+          </a:xfrm>
+          <a:prstGeom prst="rect">
+            <a:avLst/>
+          </a:prstGeom>
+          <a:noFill/>
+        </p:spPr>
+        <p:txBody>
+          <a:bodyPr wrap="square" rtlCol="0">
+            <a:spAutoFit/>
+          </a:bodyPr>
+          <a:lstStyle/>
+          <a:p>
+            <a:r>
+              <a:rPr lang="de-DE" sz="2400" b="1" dirty="0"/>
+              <a:t>First attempt: Agglomerative Relevance</a:t>
+            </a:r>
+          </a:p>
+          <a:p>
+            <a:endParaRPr lang="de-DE" sz="2400" b="1" dirty="0"/>
+          </a:p>
+          <a:p>
+            <a:pPr marL="285750" indent="-285750">
+              <a:buFont typeface="Arial" panose="020B0604020202020204" pitchFamily="34" charset="0"/>
+              <a:buChar char="•"/>
+            </a:pPr>
+            <a:r>
+              <a:rPr lang="de-DE" dirty="0"/>
+              <a:t>Looked for </a:t>
+            </a:r>
+            <a:r>
+              <a:rPr lang="de-DE" b="1" dirty="0"/>
+              <a:t>single sst timeseries </a:t>
+            </a:r>
+            <a:r>
+              <a:rPr lang="de-DE" dirty="0"/>
+              <a:t>that best predicts sst anomaly (= Nino events)</a:t>
+            </a:r>
+          </a:p>
+          <a:p>
+            <a:pPr marL="285750" indent="-285750">
+              <a:buFont typeface="Arial" panose="020B0604020202020204" pitchFamily="34" charset="0"/>
+              <a:buChar char="•"/>
+            </a:pPr>
+            <a:r>
+              <a:rPr lang="de-DE" dirty="0"/>
+              <a:t>Only considered gridpoints </a:t>
+            </a:r>
+            <a:r>
+              <a:rPr lang="de-DE" b="1" dirty="0"/>
+              <a:t>from Nino3.4 box</a:t>
+            </a:r>
+            <a:r>
+              <a:rPr lang="de-DE" dirty="0"/>
+              <a:t>.</a:t>
+            </a:r>
+          </a:p>
+          <a:p>
+            <a:pPr marL="285750" indent="-285750">
+              <a:buFont typeface="Arial" panose="020B0604020202020204" pitchFamily="34" charset="0"/>
+              <a:buChar char="•"/>
+            </a:pPr>
+            <a:r>
+              <a:rPr lang="de-DE" dirty="0">
+                <a:solidFill>
+                  <a:srgbClr val="FF0000"/>
+                </a:solidFill>
+              </a:rPr>
+              <a:t>target_length = 1</a:t>
+            </a:r>
+          </a:p>
+        </p:txBody>
+      </p:sp>
+      <p:pic>
+        <p:nvPicPr>
+          <p:cNvPr id="2" name="Grafik 1">
+            <a:extLst>
+              <a:ext uri="{FF2B5EF4-FFF2-40B4-BE49-F238E27FC236}">
+                <a16:creationId xmlns:a16="http://schemas.microsoft.com/office/drawing/2014/main" id="{D3182172-1656-EA47-A423-8FCF8D9DA710}"/>
+              </a:ext>
+            </a:extLst>
+          </p:cNvPr>
+          <p:cNvPicPr>
+            <a:picLocks noChangeAspect="1"/>
+          </p:cNvPicPr>
+          <p:nvPr/>
+        </p:nvPicPr>
+        <p:blipFill>
+          <a:blip r:embed="rId2"/>
+          <a:stretch>
+            <a:fillRect/>
+          </a:stretch>
+        </p:blipFill>
+        <p:spPr>
+          <a:xfrm>
+            <a:off x="2011748" y="2241550"/>
+            <a:ext cx="7797800" cy="4114800"/>
+          </a:xfrm>
+          <a:prstGeom prst="rect">
+            <a:avLst/>
+          </a:prstGeom>
+        </p:spPr>
+      </p:pic>
+    </p:spTree>
+    <p:extLst>
+      <p:ext uri="{BB962C8B-B14F-4D97-AF65-F5344CB8AC3E}">
+        <p14:creationId xmlns:p14="http://schemas.microsoft.com/office/powerpoint/2010/main" val="156861512"/>
+      </p:ext>
+    </p:extLst>
+  </p:cSld>
+  <p:clrMapOvr>
+    <a:masterClrMapping/>
+  </p:clrMapOvr>
+</p:sld>
+</file>
+
+<file path=ppt/slides/slide21.xml><?xml version="1.0" encoding="utf-8"?>
+<p:sld xmlns:a="http://schemas.openxmlformats.org/drawingml/2006/main" xmlns:r="http://schemas.openxmlformats.org/officeDocument/2006/relationships" xmlns:p="http://schemas.openxmlformats.org/presentationml/2006/main">
+  <p:cSld>
+    <p:spTree>
+      <p:nvGrpSpPr>
+        <p:cNvPr id="1" name=""/>
+        <p:cNvGrpSpPr/>
+        <p:nvPr/>
+      </p:nvGrpSpPr>
+      <p:grpSpPr>
+        <a:xfrm>
+          <a:off x="0" y="0"/>
+          <a:ext cx="0" cy="0"/>
+          <a:chOff x="0" y="0"/>
+          <a:chExt cx="0" cy="0"/>
+        </a:xfrm>
+      </p:grpSpPr>
+      <p:sp>
+        <p:nvSpPr>
+          <p:cNvPr id="4" name="Foliennummernplatzhalter 3">
+            <a:extLst>
+              <a:ext uri="{FF2B5EF4-FFF2-40B4-BE49-F238E27FC236}">
+                <a16:creationId xmlns:a16="http://schemas.microsoft.com/office/drawing/2014/main" id="{9752BF9B-20ED-124C-8D78-032D3F29C212}"/>
+              </a:ext>
+            </a:extLst>
+          </p:cNvPr>
+          <p:cNvSpPr>
+            <a:spLocks noGrp="1"/>
+          </p:cNvSpPr>
+          <p:nvPr>
+            <p:ph type="sldNum" sz="quarter" idx="12"/>
+          </p:nvPr>
+        </p:nvSpPr>
+        <p:spPr/>
+        <p:txBody>
+          <a:bodyPr/>
+          <a:lstStyle/>
+          <a:p>
+            <a:fld id="{884D93BF-CEC1-484B-B797-4695C35961E3}" type="slidenum">
+              <a:rPr lang="de-DE" smtClean="0"/>
+              <a:t>21</a:t>
             </a:fld>
             <a:endParaRPr lang="de-DE"/>
           </a:p>
@@ -22094,7 +22282,7 @@
         <p:spPr>
           <a:xfrm>
             <a:off x="543697" y="1112108"/>
-            <a:ext cx="11204958" cy="2862322"/>
+            <a:ext cx="11204958" cy="3970318"/>
           </a:xfrm>
           <a:prstGeom prst="rect">
             <a:avLst/>
@@ -22276,7 +22464,51 @@
                   <a:srgbClr val="0070C0"/>
                 </a:solidFill>
               </a:rPr>
-              <a:t>for specified target_length</a:t>
+              <a:t>for specified target_length.</a:t>
+            </a:r>
+          </a:p>
+          <a:p>
+            <a:pPr marL="742950" lvl="1" indent="-285750">
+              <a:buFont typeface="Courier New" panose="02070309020205020404" pitchFamily="49" charset="0"/>
+              <a:buChar char="o"/>
+            </a:pPr>
+            <a:r>
+              <a:rPr lang="de-DE"/>
+              <a:t>Simple comparision: gridsearch on 6 parameters with e.g. 10 disctings steps for each parameter means to try on </a:t>
+            </a:r>
+            <a:r>
+              <a:rPr lang="de-DE" b="1"/>
+              <a:t>10</a:t>
+            </a:r>
+            <a:r>
+              <a:rPr lang="de-DE" b="1" baseline="30000"/>
+              <a:t>6</a:t>
+            </a:r>
+            <a:r>
+              <a:rPr lang="de-DE" b="1"/>
+              <a:t> = 1.000.000 </a:t>
+            </a:r>
+            <a:r>
+              <a:rPr lang="de-DE"/>
+              <a:t>possible parameter settings.</a:t>
+            </a:r>
+          </a:p>
+          <a:p>
+            <a:pPr marL="742950" lvl="1" indent="-285750">
+              <a:buFont typeface="Courier New" panose="02070309020205020404" pitchFamily="49" charset="0"/>
+              <a:buChar char="o"/>
+            </a:pPr>
+            <a:r>
+              <a:rPr lang="de-DE"/>
+              <a:t>For gradient descent with e.g. 20 iterations on 6 parameters (up/down for each parameter individually) plus adjusted setting (all parameters adjusted simultaneously) requires 20 x (6 x 2 + 1) = </a:t>
+            </a:r>
+            <a:r>
+              <a:rPr lang="de-DE" b="1"/>
+              <a:t>260 possibilities</a:t>
+            </a:r>
+            <a:r>
+              <a:rPr lang="de-DE"/>
+              <a:t>.</a:t>
             </a:r>
           </a:p>
         </p:txBody>

--- a/ESN_exp06_ENSO.pptx
+++ b/ESN_exp06_ENSO.pptx
@@ -5,7 +5,7 @@
     <p:sldMasterId id="2147483648" r:id="rId1"/>
   </p:sldMasterIdLst>
   <p:notesMasterIdLst>
-    <p:notesMasterId r:id="rId23"/>
+    <p:notesMasterId r:id="rId25"/>
   </p:notesMasterIdLst>
   <p:sldIdLst>
     <p:sldId id="257" r:id="rId2"/>
@@ -20,15 +20,17 @@
     <p:sldId id="270" r:id="rId11"/>
     <p:sldId id="272" r:id="rId12"/>
     <p:sldId id="273" r:id="rId13"/>
-    <p:sldId id="275" r:id="rId14"/>
-    <p:sldId id="276" r:id="rId15"/>
-    <p:sldId id="277" r:id="rId16"/>
-    <p:sldId id="278" r:id="rId17"/>
-    <p:sldId id="279" r:id="rId18"/>
-    <p:sldId id="268" r:id="rId19"/>
-    <p:sldId id="274" r:id="rId20"/>
-    <p:sldId id="280" r:id="rId21"/>
-    <p:sldId id="269" r:id="rId22"/>
+    <p:sldId id="282" r:id="rId14"/>
+    <p:sldId id="275" r:id="rId15"/>
+    <p:sldId id="281" r:id="rId16"/>
+    <p:sldId id="276" r:id="rId17"/>
+    <p:sldId id="277" r:id="rId18"/>
+    <p:sldId id="278" r:id="rId19"/>
+    <p:sldId id="279" r:id="rId20"/>
+    <p:sldId id="268" r:id="rId21"/>
+    <p:sldId id="274" r:id="rId22"/>
+    <p:sldId id="280" r:id="rId23"/>
+    <p:sldId id="269" r:id="rId24"/>
   </p:sldIdLst>
   <p:sldSz cx="12192000" cy="6858000"/>
   <p:notesSz cx="6858000" cy="9144000"/>
@@ -217,7 +219,7 @@
           <a:p>
             <a:fld id="{3AB76ABC-33D1-9C41-94E4-617AD2CE1B7F}" type="datetimeFigureOut">
               <a:rPr lang="de-DE" smtClean="0"/>
-              <a:t>07.03.22</a:t>
+              <a:t>09.03.22</a:t>
             </a:fld>
             <a:endParaRPr lang="de-DE"/>
           </a:p>
@@ -885,7 +887,7 @@
           <a:p>
             <a:fld id="{923DABC9-534C-8B4E-8D84-780BFD0E7F3B}" type="slidenum">
               <a:rPr lang="de-DE" smtClean="0"/>
-              <a:t>16</a:t>
+              <a:t>18</a:t>
             </a:fld>
             <a:endParaRPr lang="de-DE"/>
           </a:p>
@@ -969,7 +971,7 @@
           <a:p>
             <a:fld id="{923DABC9-534C-8B4E-8D84-780BFD0E7F3B}" type="slidenum">
               <a:rPr lang="de-DE" smtClean="0"/>
-              <a:t>17</a:t>
+              <a:t>19</a:t>
             </a:fld>
             <a:endParaRPr lang="de-DE"/>
           </a:p>
@@ -1134,7 +1136,7 @@
           <a:lstStyle/>
           <a:p>
             <a:fld id="{7BD4D8C3-7D46-0F49-B24C-EB77122FC604}" type="datetime1">
-              <a:t>07.03.22</a:t>
+              <a:t>09.03.22</a:t>
             </a:fld>
             <a:endParaRPr lang="de-DE"/>
           </a:p>
@@ -1331,7 +1333,7 @@
           <a:lstStyle/>
           <a:p>
             <a:fld id="{DB9C740B-A762-CC4F-8842-3B0709E16494}" type="datetime1">
-              <a:t>07.03.22</a:t>
+              <a:t>09.03.22</a:t>
             </a:fld>
             <a:endParaRPr lang="de-DE"/>
           </a:p>
@@ -1538,7 +1540,7 @@
           <a:lstStyle/>
           <a:p>
             <a:fld id="{B5DCEFDD-97F0-3F4E-856D-53E015FA5109}" type="datetime1">
-              <a:t>07.03.22</a:t>
+              <a:t>09.03.22</a:t>
             </a:fld>
             <a:endParaRPr lang="de-DE"/>
           </a:p>
@@ -1735,7 +1737,7 @@
           <a:lstStyle/>
           <a:p>
             <a:fld id="{B1266B10-EA18-AA4D-98CF-856740AC35F1}" type="datetime1">
-              <a:t>07.03.22</a:t>
+              <a:t>09.03.22</a:t>
             </a:fld>
             <a:endParaRPr lang="de-DE"/>
           </a:p>
@@ -2009,7 +2011,7 @@
           <a:lstStyle/>
           <a:p>
             <a:fld id="{7FCBA1CA-7E22-9747-8D35-F7D8EE0D09E4}" type="datetime1">
-              <a:t>07.03.22</a:t>
+              <a:t>09.03.22</a:t>
             </a:fld>
             <a:endParaRPr lang="de-DE"/>
           </a:p>
@@ -2273,7 +2275,7 @@
           <a:lstStyle/>
           <a:p>
             <a:fld id="{E385B954-90D5-F240-B297-4FE6A023436C}" type="datetime1">
-              <a:t>07.03.22</a:t>
+              <a:t>09.03.22</a:t>
             </a:fld>
             <a:endParaRPr lang="de-DE"/>
           </a:p>
@@ -2684,7 +2686,7 @@
           <a:lstStyle/>
           <a:p>
             <a:fld id="{132D93F8-6522-3547-A308-39305832D986}" type="datetime1">
-              <a:t>07.03.22</a:t>
+              <a:t>09.03.22</a:t>
             </a:fld>
             <a:endParaRPr lang="de-DE"/>
           </a:p>
@@ -2824,7 +2826,7 @@
           <a:lstStyle/>
           <a:p>
             <a:fld id="{2A9155E5-A07A-EF47-A0BA-443B784B7103}" type="datetime1">
-              <a:t>07.03.22</a:t>
+              <a:t>09.03.22</a:t>
             </a:fld>
             <a:endParaRPr lang="de-DE"/>
           </a:p>
@@ -2936,7 +2938,7 @@
           <a:lstStyle/>
           <a:p>
             <a:fld id="{405279BA-97B3-BC47-B977-FE53E0846046}" type="datetime1">
-              <a:t>07.03.22</a:t>
+              <a:t>09.03.22</a:t>
             </a:fld>
             <a:endParaRPr lang="de-DE"/>
           </a:p>
@@ -3246,7 +3248,7 @@
           <a:lstStyle/>
           <a:p>
             <a:fld id="{2CDFB09A-BAAD-7C43-B25A-805ABA21608B}" type="datetime1">
-              <a:t>07.03.22</a:t>
+              <a:t>09.03.22</a:t>
             </a:fld>
             <a:endParaRPr lang="de-DE"/>
           </a:p>
@@ -3533,7 +3535,7 @@
           <a:lstStyle/>
           <a:p>
             <a:fld id="{78138569-B3F3-7940-A5AE-D6935026A2BE}" type="datetime1">
-              <a:t>07.03.22</a:t>
+              <a:t>09.03.22</a:t>
             </a:fld>
             <a:endParaRPr lang="de-DE"/>
           </a:p>
@@ -3773,7 +3775,7 @@
           </a:lstStyle>
           <a:p>
             <a:fld id="{050D7DD1-F0AC-9F48-BEEF-9A8C75FA3F30}" type="datetime1">
-              <a:t>07.03.22</a:t>
+              <a:t>09.03.22</a:t>
             </a:fld>
             <a:endParaRPr lang="de-DE"/>
           </a:p>
@@ -4206,7 +4208,7 @@
         <p:spPr>
           <a:xfrm>
             <a:off x="961604" y="671210"/>
-            <a:ext cx="10072841" cy="2769989"/>
+            <a:ext cx="10072841" cy="3600986"/>
           </a:xfrm>
           <a:prstGeom prst="rect">
             <a:avLst/>
@@ -4292,6 +4294,16 @@
               <a:rPr lang="de-DE" sz="3000" b="1" dirty="0"/>
               <a:t>application: ENSO index</a:t>
             </a:r>
+          </a:p>
+          <a:p>
+            <a:pPr marL="457200" indent="-457200">
+              <a:buFontTx/>
+              <a:buChar char="-"/>
+            </a:pPr>
+            <a:r>
+              <a:rPr lang="de-DE" sz="3000" b="1" dirty="0"/>
+              <a:t>outlook: Agglomerative Relevance</a:t>
+            </a:r>
             <a:endParaRPr lang="de-DE" sz="3000" dirty="0"/>
           </a:p>
           <a:p>
@@ -4304,6 +4316,16 @@
             <a:r>
               <a:rPr lang="de-DE" sz="2400" b="1" i="1" dirty="0"/>
               <a:t>ESN_exp06_ENSO</a:t>
+            </a:r>
+            <a:r>
+              <a:rPr lang="de-DE" sz="2400" i="1" dirty="0"/>
+              <a:t>.ipynb</a:t>
+            </a:r>
+          </a:p>
+          <a:p>
+            <a:r>
+              <a:rPr lang="de-DE" sz="2400" b="1" i="1" dirty="0"/>
+              <a:t>ESN_exp07_AggRel</a:t>
             </a:r>
             <a:r>
               <a:rPr lang="de-DE" sz="2400" i="1" dirty="0"/>
@@ -6426,136 +6448,1196 @@
           <a:p>
             <a:r>
               <a:rPr lang="de-DE" sz="2400" b="1" dirty="0"/>
-              <a:t>Evaluation metrics and accuracy for base ESN on ENSO index</a:t>
+              <a:t>Gradient Descent Optimization for base ESN on ENSO index</a:t>
             </a:r>
           </a:p>
           <a:p>
             <a:r>
               <a:rPr lang="de-DE" sz="2400" dirty="0"/>
-              <a:t>optimized (hyper-)parameters*</a:t>
-            </a:r>
-            <a:r>
-              <a:rPr lang="de-DE" sz="2400" baseline="30000" dirty="0"/>
-              <a:t>)</a:t>
-            </a:r>
-          </a:p>
-        </p:txBody>
-      </p:sp>
-      <p:pic>
-        <p:nvPicPr>
-          <p:cNvPr id="1030" name="Picture 6">
-            <a:extLst>
-              <a:ext uri="{FF2B5EF4-FFF2-40B4-BE49-F238E27FC236}">
-                <a16:creationId xmlns:a16="http://schemas.microsoft.com/office/drawing/2014/main" id="{A6B501B5-7ADA-844D-B47D-4A3728B51C8B}"/>
-              </a:ext>
-            </a:extLst>
-          </p:cNvPr>
-          <p:cNvPicPr>
-            <a:picLocks noChangeAspect="1" noChangeArrowheads="1"/>
-          </p:cNvPicPr>
-          <p:nvPr/>
-        </p:nvPicPr>
-        <p:blipFill>
-          <a:blip r:embed="rId2">
-            <a:extLst>
-              <a:ext uri="{28A0092B-C50C-407E-A947-70E740481C1C}">
-                <a14:useLocalDpi xmlns:a14="http://schemas.microsoft.com/office/drawing/2010/main" val="0"/>
-              </a:ext>
-            </a:extLst>
-          </a:blip>
-          <a:srcRect/>
-          <a:stretch>
-            <a:fillRect/>
-          </a:stretch>
-        </p:blipFill>
-        <p:spPr bwMode="auto">
-          <a:xfrm>
-            <a:off x="5177482" y="1125522"/>
-            <a:ext cx="6524565" cy="5697619"/>
+              <a:t>optimized (hyper-)parameters</a:t>
+            </a:r>
+          </a:p>
+        </p:txBody>
+      </p:sp>
+      <p:graphicFrame>
+        <p:nvGraphicFramePr>
+          <p:cNvPr id="2" name="Tabelle 2">
+            <a:extLst>
+              <a:ext uri="{FF2B5EF4-FFF2-40B4-BE49-F238E27FC236}">
+                <a16:creationId xmlns:a16="http://schemas.microsoft.com/office/drawing/2014/main" id="{8445A9A9-D713-0741-98F5-1056E4FD7948}"/>
+              </a:ext>
+            </a:extLst>
+          </p:cNvPr>
+          <p:cNvGraphicFramePr>
+            <a:graphicFrameLocks noGrp="1"/>
+          </p:cNvGraphicFramePr>
+          <p:nvPr/>
+        </p:nvGraphicFramePr>
+        <p:xfrm>
+          <a:off x="930562" y="1442266"/>
+          <a:ext cx="5509524" cy="2966720"/>
+        </p:xfrm>
+        <a:graphic>
+          <a:graphicData uri="http://schemas.openxmlformats.org/drawingml/2006/table">
+            <a:tbl>
+              <a:tblPr firstRow="1" bandRow="1">
+                <a:tableStyleId>{5C22544A-7EE6-4342-B048-85BDC9FD1C3A}</a:tableStyleId>
+              </a:tblPr>
+              <a:tblGrid>
+                <a:gridCol w="2330277">
+                  <a:extLst>
+                    <a:ext uri="{9D8B030D-6E8A-4147-A177-3AD203B41FA5}">
+                      <a16:colId xmlns:a16="http://schemas.microsoft.com/office/drawing/2014/main" val="3909940598"/>
+                    </a:ext>
+                  </a:extLst>
+                </a:gridCol>
+                <a:gridCol w="669847">
+                  <a:extLst>
+                    <a:ext uri="{9D8B030D-6E8A-4147-A177-3AD203B41FA5}">
+                      <a16:colId xmlns:a16="http://schemas.microsoft.com/office/drawing/2014/main" val="729716675"/>
+                    </a:ext>
+                  </a:extLst>
+                </a:gridCol>
+                <a:gridCol w="640080">
+                  <a:extLst>
+                    <a:ext uri="{9D8B030D-6E8A-4147-A177-3AD203B41FA5}">
+                      <a16:colId xmlns:a16="http://schemas.microsoft.com/office/drawing/2014/main" val="469169480"/>
+                    </a:ext>
+                  </a:extLst>
+                </a:gridCol>
+                <a:gridCol w="640080">
+                  <a:extLst>
+                    <a:ext uri="{9D8B030D-6E8A-4147-A177-3AD203B41FA5}">
+                      <a16:colId xmlns:a16="http://schemas.microsoft.com/office/drawing/2014/main" val="1956176546"/>
+                    </a:ext>
+                  </a:extLst>
+                </a:gridCol>
+                <a:gridCol w="640080">
+                  <a:extLst>
+                    <a:ext uri="{9D8B030D-6E8A-4147-A177-3AD203B41FA5}">
+                      <a16:colId xmlns:a16="http://schemas.microsoft.com/office/drawing/2014/main" val="3629213916"/>
+                    </a:ext>
+                  </a:extLst>
+                </a:gridCol>
+                <a:gridCol w="589160">
+                  <a:extLst>
+                    <a:ext uri="{9D8B030D-6E8A-4147-A177-3AD203B41FA5}">
+                      <a16:colId xmlns:a16="http://schemas.microsoft.com/office/drawing/2014/main" val="2886503062"/>
+                    </a:ext>
+                  </a:extLst>
+                </a:gridCol>
+              </a:tblGrid>
+              <a:tr h="370840">
+                <a:tc>
+                  <a:txBody>
+                    <a:bodyPr/>
+                    <a:lstStyle/>
+                    <a:p>
+                      <a:r>
+                        <a:rPr lang="de-DE"/>
+                        <a:t>target_length </a:t>
+                      </a:r>
+                      <a:r>
+                        <a:rPr lang="de-DE">
+                          <a:sym typeface="Wingdings" pitchFamily="2" charset="2"/>
+                        </a:rPr>
+                        <a:t></a:t>
+                      </a:r>
+                      <a:endParaRPr lang="de-DE"/>
+                    </a:p>
+                  </a:txBody>
+                  <a:tcPr>
+                    <a:solidFill>
+                      <a:schemeClr val="bg1">
+                        <a:lumMod val="50000"/>
+                      </a:schemeClr>
+                    </a:solidFill>
+                  </a:tcPr>
+                </a:tc>
+                <a:tc>
+                  <a:txBody>
+                    <a:bodyPr/>
+                    <a:lstStyle/>
+                    <a:p>
+                      <a:r>
+                        <a:rPr lang="de-DE"/>
+                        <a:t>1</a:t>
+                      </a:r>
+                    </a:p>
+                  </a:txBody>
+                  <a:tcPr>
+                    <a:solidFill>
+                      <a:schemeClr val="bg1">
+                        <a:lumMod val="50000"/>
+                      </a:schemeClr>
+                    </a:solidFill>
+                  </a:tcPr>
+                </a:tc>
+                <a:tc>
+                  <a:txBody>
+                    <a:bodyPr/>
+                    <a:lstStyle/>
+                    <a:p>
+                      <a:r>
+                        <a:rPr lang="de-DE"/>
+                        <a:t>2</a:t>
+                      </a:r>
+                    </a:p>
+                  </a:txBody>
+                  <a:tcPr>
+                    <a:solidFill>
+                      <a:schemeClr val="bg1">
+                        <a:lumMod val="50000"/>
+                      </a:schemeClr>
+                    </a:solidFill>
+                  </a:tcPr>
+                </a:tc>
+                <a:tc>
+                  <a:txBody>
+                    <a:bodyPr/>
+                    <a:lstStyle/>
+                    <a:p>
+                      <a:r>
+                        <a:rPr lang="de-DE"/>
+                        <a:t>3</a:t>
+                      </a:r>
+                    </a:p>
+                  </a:txBody>
+                  <a:tcPr>
+                    <a:solidFill>
+                      <a:schemeClr val="bg1">
+                        <a:lumMod val="50000"/>
+                      </a:schemeClr>
+                    </a:solidFill>
+                  </a:tcPr>
+                </a:tc>
+                <a:tc>
+                  <a:txBody>
+                    <a:bodyPr/>
+                    <a:lstStyle/>
+                    <a:p>
+                      <a:r>
+                        <a:rPr lang="de-DE"/>
+                        <a:t>6</a:t>
+                      </a:r>
+                    </a:p>
+                  </a:txBody>
+                  <a:tcPr>
+                    <a:solidFill>
+                      <a:schemeClr val="bg1">
+                        <a:lumMod val="50000"/>
+                      </a:schemeClr>
+                    </a:solidFill>
+                  </a:tcPr>
+                </a:tc>
+                <a:tc>
+                  <a:txBody>
+                    <a:bodyPr/>
+                    <a:lstStyle/>
+                    <a:p>
+                      <a:r>
+                        <a:rPr lang="de-DE"/>
+                        <a:t>12</a:t>
+                      </a:r>
+                    </a:p>
+                  </a:txBody>
+                  <a:tcPr>
+                    <a:solidFill>
+                      <a:schemeClr val="bg1">
+                        <a:lumMod val="50000"/>
+                      </a:schemeClr>
+                    </a:solidFill>
+                  </a:tcPr>
+                </a:tc>
+                <a:extLst>
+                  <a:ext uri="{0D108BD9-81ED-4DB2-BD59-A6C34878D82A}">
+                    <a16:rowId xmlns:a16="http://schemas.microsoft.com/office/drawing/2014/main" val="1565556683"/>
+                  </a:ext>
+                </a:extLst>
+              </a:tr>
+              <a:tr h="370840">
+                <a:tc>
+                  <a:txBody>
+                    <a:bodyPr/>
+                    <a:lstStyle/>
+                    <a:p>
+                      <a:pPr marL="0" algn="l" defTabSz="914400" rtl="0" eaLnBrk="1" latinLnBrk="0" hangingPunct="1"/>
+                      <a:r>
+                        <a:rPr lang="de-DE" sz="1800" b="1" kern="1200">
+                          <a:solidFill>
+                            <a:schemeClr val="lt1"/>
+                          </a:solidFill>
+                          <a:latin typeface="+mn-lt"/>
+                          <a:ea typeface="+mn-ea"/>
+                          <a:cs typeface="+mn-cs"/>
+                        </a:rPr>
+                        <a:t>input_length</a:t>
+                      </a:r>
+                    </a:p>
+                  </a:txBody>
+                  <a:tcPr>
+                    <a:solidFill>
+                      <a:schemeClr val="bg1">
+                        <a:lumMod val="75000"/>
+                      </a:schemeClr>
+                    </a:solidFill>
+                  </a:tcPr>
+                </a:tc>
+                <a:tc>
+                  <a:txBody>
+                    <a:bodyPr/>
+                    <a:lstStyle/>
+                    <a:p>
+                      <a:r>
+                        <a:rPr lang="de-DE"/>
+                        <a:t>10</a:t>
+                      </a:r>
+                    </a:p>
+                  </a:txBody>
+                  <a:tcPr>
+                    <a:solidFill>
+                      <a:schemeClr val="accent1">
+                        <a:alpha val="15115"/>
+                      </a:schemeClr>
+                    </a:solidFill>
+                  </a:tcPr>
+                </a:tc>
+                <a:tc>
+                  <a:txBody>
+                    <a:bodyPr/>
+                    <a:lstStyle/>
+                    <a:p>
+                      <a:r>
+                        <a:rPr lang="de-DE"/>
+                        <a:t>11</a:t>
+                      </a:r>
+                    </a:p>
+                  </a:txBody>
+                  <a:tcPr>
+                    <a:solidFill>
+                      <a:schemeClr val="accent1">
+                        <a:alpha val="15115"/>
+                      </a:schemeClr>
+                    </a:solidFill>
+                  </a:tcPr>
+                </a:tc>
+                <a:tc>
+                  <a:txBody>
+                    <a:bodyPr/>
+                    <a:lstStyle/>
+                    <a:p>
+                      <a:r>
+                        <a:rPr lang="de-DE"/>
+                        <a:t>11</a:t>
+                      </a:r>
+                    </a:p>
+                  </a:txBody>
+                  <a:tcPr>
+                    <a:solidFill>
+                      <a:schemeClr val="accent1">
+                        <a:alpha val="15115"/>
+                      </a:schemeClr>
+                    </a:solidFill>
+                  </a:tcPr>
+                </a:tc>
+                <a:tc>
+                  <a:txBody>
+                    <a:bodyPr/>
+                    <a:lstStyle/>
+                    <a:p>
+                      <a:r>
+                        <a:rPr lang="de-DE"/>
+                        <a:t>21</a:t>
+                      </a:r>
+                    </a:p>
+                  </a:txBody>
+                  <a:tcPr>
+                    <a:solidFill>
+                      <a:schemeClr val="accent1">
+                        <a:alpha val="15115"/>
+                      </a:schemeClr>
+                    </a:solidFill>
+                  </a:tcPr>
+                </a:tc>
+                <a:tc>
+                  <a:txBody>
+                    <a:bodyPr/>
+                    <a:lstStyle/>
+                    <a:p>
+                      <a:r>
+                        <a:rPr lang="de-DE"/>
+                        <a:t>16</a:t>
+                      </a:r>
+                    </a:p>
+                  </a:txBody>
+                  <a:tcPr>
+                    <a:solidFill>
+                      <a:schemeClr val="accent1">
+                        <a:alpha val="15115"/>
+                      </a:schemeClr>
+                    </a:solidFill>
+                  </a:tcPr>
+                </a:tc>
+                <a:extLst>
+                  <a:ext uri="{0D108BD9-81ED-4DB2-BD59-A6C34878D82A}">
+                    <a16:rowId xmlns:a16="http://schemas.microsoft.com/office/drawing/2014/main" val="2246719267"/>
+                  </a:ext>
+                </a:extLst>
+              </a:tr>
+              <a:tr h="370840">
+                <a:tc>
+                  <a:txBody>
+                    <a:bodyPr/>
+                    <a:lstStyle/>
+                    <a:p>
+                      <a:pPr marL="0" algn="l" defTabSz="914400" rtl="0" eaLnBrk="1" latinLnBrk="0" hangingPunct="1"/>
+                      <a:r>
+                        <a:rPr lang="de-DE" sz="1800" b="1" kern="1200">
+                          <a:solidFill>
+                            <a:schemeClr val="lt1"/>
+                          </a:solidFill>
+                          <a:latin typeface="+mn-lt"/>
+                          <a:ea typeface="+mn-ea"/>
+                          <a:cs typeface="+mn-cs"/>
+                        </a:rPr>
+                        <a:t>n_res</a:t>
+                      </a:r>
+                    </a:p>
+                  </a:txBody>
+                  <a:tcPr>
+                    <a:solidFill>
+                      <a:schemeClr val="bg1">
+                        <a:lumMod val="75000"/>
+                      </a:schemeClr>
+                    </a:solidFill>
+                  </a:tcPr>
+                </a:tc>
+                <a:tc>
+                  <a:txBody>
+                    <a:bodyPr/>
+                    <a:lstStyle/>
+                    <a:p>
+                      <a:r>
+                        <a:rPr lang="de-DE"/>
+                        <a:t>100</a:t>
+                      </a:r>
+                    </a:p>
+                  </a:txBody>
+                  <a:tcPr>
+                    <a:solidFill>
+                      <a:schemeClr val="accent1">
+                        <a:alpha val="15115"/>
+                      </a:schemeClr>
+                    </a:solidFill>
+                  </a:tcPr>
+                </a:tc>
+                <a:tc>
+                  <a:txBody>
+                    <a:bodyPr/>
+                    <a:lstStyle/>
+                    <a:p>
+                      <a:r>
+                        <a:rPr lang="de-DE"/>
+                        <a:t>180</a:t>
+                      </a:r>
+                    </a:p>
+                  </a:txBody>
+                  <a:tcPr>
+                    <a:solidFill>
+                      <a:schemeClr val="accent1">
+                        <a:alpha val="15115"/>
+                      </a:schemeClr>
+                    </a:solidFill>
+                  </a:tcPr>
+                </a:tc>
+                <a:tc>
+                  <a:txBody>
+                    <a:bodyPr/>
+                    <a:lstStyle/>
+                    <a:p>
+                      <a:r>
+                        <a:rPr lang="de-DE"/>
+                        <a:t>160</a:t>
+                      </a:r>
+                    </a:p>
+                  </a:txBody>
+                  <a:tcPr>
+                    <a:solidFill>
+                      <a:schemeClr val="accent1">
+                        <a:alpha val="15115"/>
+                      </a:schemeClr>
+                    </a:solidFill>
+                  </a:tcPr>
+                </a:tc>
+                <a:tc>
+                  <a:txBody>
+                    <a:bodyPr/>
+                    <a:lstStyle/>
+                    <a:p>
+                      <a:r>
+                        <a:rPr lang="de-DE"/>
+                        <a:t>240</a:t>
+                      </a:r>
+                    </a:p>
+                  </a:txBody>
+                  <a:tcPr>
+                    <a:solidFill>
+                      <a:schemeClr val="accent1">
+                        <a:alpha val="15115"/>
+                      </a:schemeClr>
+                    </a:solidFill>
+                  </a:tcPr>
+                </a:tc>
+                <a:tc>
+                  <a:txBody>
+                    <a:bodyPr/>
+                    <a:lstStyle/>
+                    <a:p>
+                      <a:r>
+                        <a:rPr lang="de-DE"/>
+                        <a:t>160</a:t>
+                      </a:r>
+                    </a:p>
+                  </a:txBody>
+                  <a:tcPr>
+                    <a:solidFill>
+                      <a:schemeClr val="accent1">
+                        <a:alpha val="15115"/>
+                      </a:schemeClr>
+                    </a:solidFill>
+                  </a:tcPr>
+                </a:tc>
+                <a:extLst>
+                  <a:ext uri="{0D108BD9-81ED-4DB2-BD59-A6C34878D82A}">
+                    <a16:rowId xmlns:a16="http://schemas.microsoft.com/office/drawing/2014/main" val="2383717307"/>
+                  </a:ext>
+                </a:extLst>
+              </a:tr>
+              <a:tr h="370840">
+                <a:tc>
+                  <a:txBody>
+                    <a:bodyPr/>
+                    <a:lstStyle/>
+                    <a:p>
+                      <a:pPr marL="0" algn="l" defTabSz="914400" rtl="0" eaLnBrk="1" latinLnBrk="0" hangingPunct="1"/>
+                      <a:r>
+                        <a:rPr lang="de-DE" sz="1800" b="1" kern="1200">
+                          <a:solidFill>
+                            <a:schemeClr val="lt1"/>
+                          </a:solidFill>
+                          <a:latin typeface="+mn-lt"/>
+                          <a:ea typeface="+mn-ea"/>
+                          <a:cs typeface="+mn-cs"/>
+                        </a:rPr>
+                        <a:t>W_in_lim</a:t>
+                      </a:r>
+                    </a:p>
+                  </a:txBody>
+                  <a:tcPr>
+                    <a:solidFill>
+                      <a:schemeClr val="bg1">
+                        <a:lumMod val="75000"/>
+                      </a:schemeClr>
+                    </a:solidFill>
+                  </a:tcPr>
+                </a:tc>
+                <a:tc>
+                  <a:txBody>
+                    <a:bodyPr/>
+                    <a:lstStyle/>
+                    <a:p>
+                      <a:r>
+                        <a:rPr lang="de-DE"/>
+                        <a:t>0.9</a:t>
+                      </a:r>
+                    </a:p>
+                  </a:txBody>
+                  <a:tcPr>
+                    <a:solidFill>
+                      <a:schemeClr val="accent1">
+                        <a:alpha val="15115"/>
+                      </a:schemeClr>
+                    </a:solidFill>
+                  </a:tcPr>
+                </a:tc>
+                <a:tc>
+                  <a:txBody>
+                    <a:bodyPr/>
+                    <a:lstStyle/>
+                    <a:p>
+                      <a:r>
+                        <a:rPr lang="de-DE"/>
+                        <a:t>1.1</a:t>
+                      </a:r>
+                    </a:p>
+                  </a:txBody>
+                  <a:tcPr>
+                    <a:solidFill>
+                      <a:schemeClr val="accent1">
+                        <a:alpha val="15115"/>
+                      </a:schemeClr>
+                    </a:solidFill>
+                  </a:tcPr>
+                </a:tc>
+                <a:tc>
+                  <a:txBody>
+                    <a:bodyPr/>
+                    <a:lstStyle/>
+                    <a:p>
+                      <a:r>
+                        <a:rPr lang="de-DE"/>
+                        <a:t>1.0</a:t>
+                      </a:r>
+                    </a:p>
+                  </a:txBody>
+                  <a:tcPr>
+                    <a:solidFill>
+                      <a:schemeClr val="accent1">
+                        <a:alpha val="15115"/>
+                      </a:schemeClr>
+                    </a:solidFill>
+                  </a:tcPr>
+                </a:tc>
+                <a:tc>
+                  <a:txBody>
+                    <a:bodyPr/>
+                    <a:lstStyle/>
+                    <a:p>
+                      <a:r>
+                        <a:rPr lang="de-DE"/>
+                        <a:t>1.2</a:t>
+                      </a:r>
+                    </a:p>
+                  </a:txBody>
+                  <a:tcPr>
+                    <a:solidFill>
+                      <a:schemeClr val="accent1">
+                        <a:alpha val="15115"/>
+                      </a:schemeClr>
+                    </a:solidFill>
+                  </a:tcPr>
+                </a:tc>
+                <a:tc>
+                  <a:txBody>
+                    <a:bodyPr/>
+                    <a:lstStyle/>
+                    <a:p>
+                      <a:r>
+                        <a:rPr lang="de-DE"/>
+                        <a:t>0.9</a:t>
+                      </a:r>
+                    </a:p>
+                  </a:txBody>
+                  <a:tcPr>
+                    <a:solidFill>
+                      <a:schemeClr val="accent1">
+                        <a:alpha val="15115"/>
+                      </a:schemeClr>
+                    </a:solidFill>
+                  </a:tcPr>
+                </a:tc>
+                <a:extLst>
+                  <a:ext uri="{0D108BD9-81ED-4DB2-BD59-A6C34878D82A}">
+                    <a16:rowId xmlns:a16="http://schemas.microsoft.com/office/drawing/2014/main" val="1966697883"/>
+                  </a:ext>
+                </a:extLst>
+              </a:tr>
+              <a:tr h="370840">
+                <a:tc>
+                  <a:txBody>
+                    <a:bodyPr/>
+                    <a:lstStyle/>
+                    <a:p>
+                      <a:pPr marL="0" algn="l" defTabSz="914400" rtl="0" eaLnBrk="1" latinLnBrk="0" hangingPunct="1"/>
+                      <a:r>
+                        <a:rPr lang="de-DE" sz="1800" b="1" kern="1200">
+                          <a:solidFill>
+                            <a:schemeClr val="lt1"/>
+                          </a:solidFill>
+                          <a:latin typeface="+mn-lt"/>
+                          <a:ea typeface="+mn-ea"/>
+                          <a:cs typeface="+mn-cs"/>
+                        </a:rPr>
+                        <a:t>leak_rate</a:t>
+                      </a:r>
+                    </a:p>
+                  </a:txBody>
+                  <a:tcPr>
+                    <a:solidFill>
+                      <a:schemeClr val="bg1">
+                        <a:lumMod val="75000"/>
+                      </a:schemeClr>
+                    </a:solidFill>
+                  </a:tcPr>
+                </a:tc>
+                <a:tc>
+                  <a:txBody>
+                    <a:bodyPr/>
+                    <a:lstStyle/>
+                    <a:p>
+                      <a:r>
+                        <a:rPr lang="de-DE"/>
+                        <a:t>0.15</a:t>
+                      </a:r>
+                    </a:p>
+                  </a:txBody>
+                  <a:tcPr>
+                    <a:solidFill>
+                      <a:schemeClr val="accent1">
+                        <a:alpha val="15115"/>
+                      </a:schemeClr>
+                    </a:solidFill>
+                  </a:tcPr>
+                </a:tc>
+                <a:tc>
+                  <a:txBody>
+                    <a:bodyPr/>
+                    <a:lstStyle/>
+                    <a:p>
+                      <a:r>
+                        <a:rPr lang="de-DE"/>
+                        <a:t>0.16</a:t>
+                      </a:r>
+                    </a:p>
+                  </a:txBody>
+                  <a:tcPr>
+                    <a:solidFill>
+                      <a:schemeClr val="accent1">
+                        <a:alpha val="15115"/>
+                      </a:schemeClr>
+                    </a:solidFill>
+                  </a:tcPr>
+                </a:tc>
+                <a:tc>
+                  <a:txBody>
+                    <a:bodyPr/>
+                    <a:lstStyle/>
+                    <a:p>
+                      <a:r>
+                        <a:rPr lang="de-DE"/>
+                        <a:t>0.13</a:t>
+                      </a:r>
+                    </a:p>
+                  </a:txBody>
+                  <a:tcPr>
+                    <a:solidFill>
+                      <a:schemeClr val="accent1">
+                        <a:alpha val="15115"/>
+                      </a:schemeClr>
+                    </a:solidFill>
+                  </a:tcPr>
+                </a:tc>
+                <a:tc>
+                  <a:txBody>
+                    <a:bodyPr/>
+                    <a:lstStyle/>
+                    <a:p>
+                      <a:r>
+                        <a:rPr lang="de-DE"/>
+                        <a:t>0.14</a:t>
+                      </a:r>
+                    </a:p>
+                  </a:txBody>
+                  <a:tcPr>
+                    <a:solidFill>
+                      <a:schemeClr val="accent1">
+                        <a:alpha val="15115"/>
+                      </a:schemeClr>
+                    </a:solidFill>
+                  </a:tcPr>
+                </a:tc>
+                <a:tc>
+                  <a:txBody>
+                    <a:bodyPr/>
+                    <a:lstStyle/>
+                    <a:p>
+                      <a:r>
+                        <a:rPr lang="de-DE"/>
+                        <a:t>0.10</a:t>
+                      </a:r>
+                    </a:p>
+                  </a:txBody>
+                  <a:tcPr>
+                    <a:solidFill>
+                      <a:schemeClr val="accent1">
+                        <a:alpha val="15115"/>
+                      </a:schemeClr>
+                    </a:solidFill>
+                  </a:tcPr>
+                </a:tc>
+                <a:extLst>
+                  <a:ext uri="{0D108BD9-81ED-4DB2-BD59-A6C34878D82A}">
+                    <a16:rowId xmlns:a16="http://schemas.microsoft.com/office/drawing/2014/main" val="4290960378"/>
+                  </a:ext>
+                </a:extLst>
+              </a:tr>
+              <a:tr h="370840">
+                <a:tc>
+                  <a:txBody>
+                    <a:bodyPr/>
+                    <a:lstStyle/>
+                    <a:p>
+                      <a:pPr marL="0" algn="l" defTabSz="914400" rtl="0" eaLnBrk="1" latinLnBrk="0" hangingPunct="1"/>
+                      <a:r>
+                        <a:rPr lang="de-DE" sz="1800" b="1" kern="1200">
+                          <a:solidFill>
+                            <a:schemeClr val="lt1"/>
+                          </a:solidFill>
+                          <a:latin typeface="+mn-lt"/>
+                          <a:ea typeface="+mn-ea"/>
+                          <a:cs typeface="+mn-cs"/>
+                        </a:rPr>
+                        <a:t>spec_radius</a:t>
+                      </a:r>
+                    </a:p>
+                  </a:txBody>
+                  <a:tcPr>
+                    <a:solidFill>
+                      <a:schemeClr val="bg1">
+                        <a:lumMod val="75000"/>
+                      </a:schemeClr>
+                    </a:solidFill>
+                  </a:tcPr>
+                </a:tc>
+                <a:tc>
+                  <a:txBody>
+                    <a:bodyPr/>
+                    <a:lstStyle/>
+                    <a:p>
+                      <a:r>
+                        <a:rPr lang="de-DE"/>
+                        <a:t>1.1</a:t>
+                      </a:r>
+                    </a:p>
+                  </a:txBody>
+                  <a:tcPr>
+                    <a:solidFill>
+                      <a:schemeClr val="accent1">
+                        <a:alpha val="15115"/>
+                      </a:schemeClr>
+                    </a:solidFill>
+                  </a:tcPr>
+                </a:tc>
+                <a:tc>
+                  <a:txBody>
+                    <a:bodyPr/>
+                    <a:lstStyle/>
+                    <a:p>
+                      <a:r>
+                        <a:rPr lang="de-DE"/>
+                        <a:t>1.6</a:t>
+                      </a:r>
+                    </a:p>
+                  </a:txBody>
+                  <a:tcPr>
+                    <a:solidFill>
+                      <a:schemeClr val="accent1">
+                        <a:alpha val="15115"/>
+                      </a:schemeClr>
+                    </a:solidFill>
+                  </a:tcPr>
+                </a:tc>
+                <a:tc>
+                  <a:txBody>
+                    <a:bodyPr/>
+                    <a:lstStyle/>
+                    <a:p>
+                      <a:r>
+                        <a:rPr lang="de-DE"/>
+                        <a:t>1.1</a:t>
+                      </a:r>
+                    </a:p>
+                  </a:txBody>
+                  <a:tcPr>
+                    <a:solidFill>
+                      <a:schemeClr val="accent1">
+                        <a:alpha val="15115"/>
+                      </a:schemeClr>
+                    </a:solidFill>
+                  </a:tcPr>
+                </a:tc>
+                <a:tc>
+                  <a:txBody>
+                    <a:bodyPr/>
+                    <a:lstStyle/>
+                    <a:p>
+                      <a:r>
+                        <a:rPr lang="de-DE"/>
+                        <a:t>1.3</a:t>
+                      </a:r>
+                    </a:p>
+                  </a:txBody>
+                  <a:tcPr>
+                    <a:solidFill>
+                      <a:schemeClr val="accent1">
+                        <a:alpha val="15115"/>
+                      </a:schemeClr>
+                    </a:solidFill>
+                  </a:tcPr>
+                </a:tc>
+                <a:tc>
+                  <a:txBody>
+                    <a:bodyPr/>
+                    <a:lstStyle/>
+                    <a:p>
+                      <a:r>
+                        <a:rPr lang="de-DE"/>
+                        <a:t>1.0</a:t>
+                      </a:r>
+                    </a:p>
+                  </a:txBody>
+                  <a:tcPr>
+                    <a:solidFill>
+                      <a:schemeClr val="accent1">
+                        <a:alpha val="15115"/>
+                      </a:schemeClr>
+                    </a:solidFill>
+                  </a:tcPr>
+                </a:tc>
+                <a:extLst>
+                  <a:ext uri="{0D108BD9-81ED-4DB2-BD59-A6C34878D82A}">
+                    <a16:rowId xmlns:a16="http://schemas.microsoft.com/office/drawing/2014/main" val="787375172"/>
+                  </a:ext>
+                </a:extLst>
+              </a:tr>
+              <a:tr h="370840">
+                <a:tc>
+                  <a:txBody>
+                    <a:bodyPr/>
+                    <a:lstStyle/>
+                    <a:p>
+                      <a:pPr marL="0" algn="l" defTabSz="914400" rtl="0" eaLnBrk="1" latinLnBrk="0" hangingPunct="1"/>
+                      <a:r>
+                        <a:rPr lang="de-DE" sz="1800" b="1" kern="1200">
+                          <a:solidFill>
+                            <a:schemeClr val="lt1"/>
+                          </a:solidFill>
+                          <a:latin typeface="+mn-lt"/>
+                          <a:ea typeface="+mn-ea"/>
+                          <a:cs typeface="+mn-cs"/>
+                        </a:rPr>
+                        <a:t>sparsity</a:t>
+                      </a:r>
+                    </a:p>
+                  </a:txBody>
+                  <a:tcPr>
+                    <a:solidFill>
+                      <a:schemeClr val="bg1">
+                        <a:lumMod val="75000"/>
+                      </a:schemeClr>
+                    </a:solidFill>
+                  </a:tcPr>
+                </a:tc>
+                <a:tc>
+                  <a:txBody>
+                    <a:bodyPr/>
+                    <a:lstStyle/>
+                    <a:p>
+                      <a:r>
+                        <a:rPr lang="de-DE"/>
+                        <a:t>0.2</a:t>
+                      </a:r>
+                    </a:p>
+                  </a:txBody>
+                  <a:tcPr>
+                    <a:solidFill>
+                      <a:schemeClr val="accent1">
+                        <a:alpha val="15115"/>
+                      </a:schemeClr>
+                    </a:solidFill>
+                  </a:tcPr>
+                </a:tc>
+                <a:tc>
+                  <a:txBody>
+                    <a:bodyPr/>
+                    <a:lstStyle/>
+                    <a:p>
+                      <a:r>
+                        <a:rPr lang="de-DE"/>
+                        <a:t>0.2</a:t>
+                      </a:r>
+                    </a:p>
+                  </a:txBody>
+                  <a:tcPr>
+                    <a:solidFill>
+                      <a:schemeClr val="accent1">
+                        <a:alpha val="15115"/>
+                      </a:schemeClr>
+                    </a:solidFill>
+                  </a:tcPr>
+                </a:tc>
+                <a:tc>
+                  <a:txBody>
+                    <a:bodyPr/>
+                    <a:lstStyle/>
+                    <a:p>
+                      <a:r>
+                        <a:rPr lang="de-DE"/>
+                        <a:t>0.2</a:t>
+                      </a:r>
+                    </a:p>
+                  </a:txBody>
+                  <a:tcPr>
+                    <a:solidFill>
+                      <a:schemeClr val="accent1">
+                        <a:alpha val="15115"/>
+                      </a:schemeClr>
+                    </a:solidFill>
+                  </a:tcPr>
+                </a:tc>
+                <a:tc>
+                  <a:txBody>
+                    <a:bodyPr/>
+                    <a:lstStyle/>
+                    <a:p>
+                      <a:r>
+                        <a:rPr lang="de-DE"/>
+                        <a:t>0.25</a:t>
+                      </a:r>
+                    </a:p>
+                  </a:txBody>
+                  <a:tcPr>
+                    <a:solidFill>
+                      <a:schemeClr val="accent1">
+                        <a:alpha val="15115"/>
+                      </a:schemeClr>
+                    </a:solidFill>
+                  </a:tcPr>
+                </a:tc>
+                <a:tc>
+                  <a:txBody>
+                    <a:bodyPr/>
+                    <a:lstStyle/>
+                    <a:p>
+                      <a:r>
+                        <a:rPr lang="de-DE"/>
+                        <a:t>0.15</a:t>
+                      </a:r>
+                    </a:p>
+                  </a:txBody>
+                  <a:tcPr>
+                    <a:solidFill>
+                      <a:schemeClr val="accent1">
+                        <a:alpha val="15115"/>
+                      </a:schemeClr>
+                    </a:solidFill>
+                  </a:tcPr>
+                </a:tc>
+                <a:extLst>
+                  <a:ext uri="{0D108BD9-81ED-4DB2-BD59-A6C34878D82A}">
+                    <a16:rowId xmlns:a16="http://schemas.microsoft.com/office/drawing/2014/main" val="2203624737"/>
+                  </a:ext>
+                </a:extLst>
+              </a:tr>
+              <a:tr h="370840">
+                <a:tc>
+                  <a:txBody>
+                    <a:bodyPr/>
+                    <a:lstStyle/>
+                    <a:p>
+                      <a:pPr marL="0" algn="l" defTabSz="914400" rtl="0" eaLnBrk="1" latinLnBrk="0" hangingPunct="1"/>
+                      <a:r>
+                        <a:rPr lang="de-DE" sz="1800" b="1" kern="1200">
+                          <a:solidFill>
+                            <a:schemeClr val="lt1"/>
+                          </a:solidFill>
+                          <a:latin typeface="+mn-lt"/>
+                          <a:ea typeface="+mn-ea"/>
+                          <a:cs typeface="+mn-cs"/>
+                        </a:rPr>
+                        <a:t>stop iteration</a:t>
+                      </a:r>
+                    </a:p>
+                  </a:txBody>
+                  <a:tcPr>
+                    <a:solidFill>
+                      <a:schemeClr val="bg1">
+                        <a:lumMod val="75000"/>
+                      </a:schemeClr>
+                    </a:solidFill>
+                  </a:tcPr>
+                </a:tc>
+                <a:tc>
+                  <a:txBody>
+                    <a:bodyPr/>
+                    <a:lstStyle/>
+                    <a:p>
+                      <a:r>
+                        <a:rPr lang="de-DE"/>
+                        <a:t>9</a:t>
+                      </a:r>
+                    </a:p>
+                  </a:txBody>
+                  <a:tcPr>
+                    <a:solidFill>
+                      <a:schemeClr val="accent1">
+                        <a:alpha val="15115"/>
+                      </a:schemeClr>
+                    </a:solidFill>
+                  </a:tcPr>
+                </a:tc>
+                <a:tc>
+                  <a:txBody>
+                    <a:bodyPr/>
+                    <a:lstStyle/>
+                    <a:p>
+                      <a:r>
+                        <a:rPr lang="de-DE"/>
+                        <a:t>11</a:t>
+                      </a:r>
+                    </a:p>
+                  </a:txBody>
+                  <a:tcPr>
+                    <a:solidFill>
+                      <a:schemeClr val="accent1">
+                        <a:alpha val="15115"/>
+                      </a:schemeClr>
+                    </a:solidFill>
+                  </a:tcPr>
+                </a:tc>
+                <a:tc>
+                  <a:txBody>
+                    <a:bodyPr/>
+                    <a:lstStyle/>
+                    <a:p>
+                      <a:r>
+                        <a:rPr lang="de-DE"/>
+                        <a:t>9</a:t>
+                      </a:r>
+                    </a:p>
+                  </a:txBody>
+                  <a:tcPr>
+                    <a:solidFill>
+                      <a:schemeClr val="accent1">
+                        <a:alpha val="15115"/>
+                      </a:schemeClr>
+                    </a:solidFill>
+                  </a:tcPr>
+                </a:tc>
+                <a:tc>
+                  <a:txBody>
+                    <a:bodyPr/>
+                    <a:lstStyle/>
+                    <a:p>
+                      <a:r>
+                        <a:rPr lang="de-DE"/>
+                        <a:t>11</a:t>
+                      </a:r>
+                    </a:p>
+                  </a:txBody>
+                  <a:tcPr>
+                    <a:solidFill>
+                      <a:schemeClr val="accent1">
+                        <a:alpha val="15115"/>
+                      </a:schemeClr>
+                    </a:solidFill>
+                  </a:tcPr>
+                </a:tc>
+                <a:tc>
+                  <a:txBody>
+                    <a:bodyPr/>
+                    <a:lstStyle/>
+                    <a:p>
+                      <a:r>
+                        <a:rPr lang="de-DE"/>
+                        <a:t>4</a:t>
+                      </a:r>
+                    </a:p>
+                  </a:txBody>
+                  <a:tcPr>
+                    <a:solidFill>
+                      <a:schemeClr val="accent1">
+                        <a:alpha val="15115"/>
+                      </a:schemeClr>
+                    </a:solidFill>
+                  </a:tcPr>
+                </a:tc>
+                <a:extLst>
+                  <a:ext uri="{0D108BD9-81ED-4DB2-BD59-A6C34878D82A}">
+                    <a16:rowId xmlns:a16="http://schemas.microsoft.com/office/drawing/2014/main" val="346451380"/>
+                  </a:ext>
+                </a:extLst>
+              </a:tr>
+            </a:tbl>
+          </a:graphicData>
+        </a:graphic>
+      </p:graphicFrame>
+      <p:sp>
+        <p:nvSpPr>
+          <p:cNvPr id="5" name="Oval 4">
+            <a:extLst>
+              <a:ext uri="{FF2B5EF4-FFF2-40B4-BE49-F238E27FC236}">
+                <a16:creationId xmlns:a16="http://schemas.microsoft.com/office/drawing/2014/main" id="{D2F469BB-B5F8-1340-89E9-758570C6B85A}"/>
+              </a:ext>
+            </a:extLst>
+          </p:cNvPr>
+          <p:cNvSpPr/>
+          <p:nvPr/>
+        </p:nvSpPr>
+        <p:spPr>
+          <a:xfrm>
+            <a:off x="3075715" y="1689844"/>
+            <a:ext cx="2138835" cy="580767"/>
+          </a:xfrm>
+          <a:prstGeom prst="ellipse">
+            <a:avLst/>
+          </a:prstGeom>
+          <a:noFill/>
+          <a:ln w="25400">
+            <a:solidFill>
+              <a:srgbClr val="FF0000"/>
+            </a:solidFill>
+            <a:prstDash val="sysDot"/>
+          </a:ln>
+        </p:spPr>
+        <p:style>
+          <a:lnRef idx="2">
+            <a:schemeClr val="accent1">
+              <a:shade val="50000"/>
+            </a:schemeClr>
+          </a:lnRef>
+          <a:fillRef idx="1">
+            <a:schemeClr val="accent1"/>
+          </a:fillRef>
+          <a:effectRef idx="0">
+            <a:schemeClr val="accent1"/>
+          </a:effectRef>
+          <a:fontRef idx="minor">
+            <a:schemeClr val="lt1"/>
+          </a:fontRef>
+        </p:style>
+        <p:txBody>
+          <a:bodyPr rtlCol="0" anchor="ctr"/>
+          <a:lstStyle/>
+          <a:p>
+            <a:pPr algn="ctr"/>
+            <a:endParaRPr lang="de-DE"/>
+          </a:p>
+        </p:txBody>
+      </p:sp>
+      <p:sp>
+        <p:nvSpPr>
+          <p:cNvPr id="7" name="Textfeld 6">
+            <a:extLst>
+              <a:ext uri="{FF2B5EF4-FFF2-40B4-BE49-F238E27FC236}">
+                <a16:creationId xmlns:a16="http://schemas.microsoft.com/office/drawing/2014/main" id="{F2D68EA6-D8DF-A145-9D91-21DEE9A1C115}"/>
+              </a:ext>
+            </a:extLst>
+          </p:cNvPr>
+          <p:cNvSpPr txBox="1"/>
+          <p:nvPr/>
+        </p:nvSpPr>
+        <p:spPr>
+          <a:xfrm>
+            <a:off x="861117" y="5215679"/>
+            <a:ext cx="6568029" cy="400110"/>
           </a:xfrm>
           <a:prstGeom prst="rect">
             <a:avLst/>
           </a:prstGeom>
-          <a:noFill/>
-          <a:extLst>
-            <a:ext uri="{909E8E84-426E-40DD-AFC4-6F175D3DCCD1}">
-              <a14:hiddenFill xmlns:a14="http://schemas.microsoft.com/office/drawing/2010/main">
-                <a:solidFill>
-                  <a:srgbClr val="FFFFFF"/>
-                </a:solidFill>
-              </a14:hiddenFill>
-            </a:ext>
-          </a:extLst>
-        </p:spPr>
-      </p:pic>
-      <p:pic>
-        <p:nvPicPr>
-          <p:cNvPr id="1032" name="Picture 8">
-            <a:extLst>
-              <a:ext uri="{FF2B5EF4-FFF2-40B4-BE49-F238E27FC236}">
-                <a16:creationId xmlns:a16="http://schemas.microsoft.com/office/drawing/2014/main" id="{6779A9E9-B3C9-6548-BB6B-7960F593A475}"/>
-              </a:ext>
-            </a:extLst>
-          </p:cNvPr>
-          <p:cNvPicPr>
-            <a:picLocks noChangeAspect="1" noChangeArrowheads="1"/>
-          </p:cNvPicPr>
-          <p:nvPr/>
-        </p:nvPicPr>
-        <p:blipFill>
-          <a:blip r:embed="rId3">
-            <a:extLst>
-              <a:ext uri="{28A0092B-C50C-407E-A947-70E740481C1C}">
-                <a14:useLocalDpi xmlns:a14="http://schemas.microsoft.com/office/drawing/2010/main" val="0"/>
-              </a:ext>
-            </a:extLst>
-          </a:blip>
-          <a:srcRect/>
-          <a:stretch>
-            <a:fillRect/>
-          </a:stretch>
-        </p:blipFill>
-        <p:spPr bwMode="auto">
-          <a:xfrm>
-            <a:off x="0" y="1090664"/>
-            <a:ext cx="4930992" cy="5732477"/>
-          </a:xfrm>
-          <a:prstGeom prst="rect">
-            <a:avLst/>
-          </a:prstGeom>
-          <a:noFill/>
-          <a:extLst>
-            <a:ext uri="{909E8E84-426E-40DD-AFC4-6F175D3DCCD1}">
-              <a14:hiddenFill xmlns:a14="http://schemas.microsoft.com/office/drawing/2010/main">
-                <a:solidFill>
-                  <a:srgbClr val="FFFFFF"/>
-                </a:solidFill>
-              </a14:hiddenFill>
-            </a:ext>
-          </a:extLst>
-        </p:spPr>
-      </p:pic>
-      <p:sp>
-        <p:nvSpPr>
-          <p:cNvPr id="3" name="Textfeld 2">
-            <a:extLst>
-              <a:ext uri="{FF2B5EF4-FFF2-40B4-BE49-F238E27FC236}">
-                <a16:creationId xmlns:a16="http://schemas.microsoft.com/office/drawing/2014/main" id="{CEEB9F21-C237-B747-B3F7-9F39D06967DE}"/>
-              </a:ext>
-            </a:extLst>
-          </p:cNvPr>
-          <p:cNvSpPr txBox="1"/>
-          <p:nvPr/>
-        </p:nvSpPr>
-        <p:spPr>
-          <a:xfrm>
-            <a:off x="10538255" y="66742"/>
-            <a:ext cx="1653746" cy="307777"/>
-          </a:xfrm>
-          <a:prstGeom prst="rect">
-            <a:avLst/>
-          </a:prstGeom>
-          <a:noFill/>
+          <a:solidFill>
+            <a:schemeClr val="bg2"/>
+          </a:solidFill>
         </p:spPr>
         <p:txBody>
           <a:bodyPr wrap="square" rtlCol="0">
@@ -6564,16 +7646,12 @@
           <a:lstStyle/>
           <a:p>
             <a:r>
-              <a:rPr lang="de-DE" sz="1400"/>
-              <a:t>*</a:t>
-            </a:r>
-            <a:r>
-              <a:rPr lang="de-DE" sz="1400" baseline="30000"/>
-              <a:t>)</a:t>
-            </a:r>
-            <a:r>
-              <a:rPr lang="de-DE" sz="1400"/>
-              <a:t> slightly modified</a:t>
+              <a:rPr lang="de-DE" sz="2000">
+                <a:solidFill>
+                  <a:srgbClr val="FF0000"/>
+                </a:solidFill>
+              </a:rPr>
+              <a:t>For target 1..3 months, input one year is sufficient.</a:t>
             </a:r>
           </a:p>
         </p:txBody>
@@ -6581,7 +7659,7 @@
     </p:spTree>
     <p:extLst>
       <p:ext uri="{BB962C8B-B14F-4D97-AF65-F5344CB8AC3E}">
-        <p14:creationId xmlns:p14="http://schemas.microsoft.com/office/powerpoint/2010/main" val="1638817599"/>
+        <p14:creationId xmlns:p14="http://schemas.microsoft.com/office/powerpoint/2010/main" val="912921138"/>
       </p:ext>
     </p:extLst>
   </p:cSld>
@@ -6819,608 +7897,10 @@
           </a:p>
         </p:txBody>
       </p:sp>
-      <p:sp>
-        <p:nvSpPr>
-          <p:cNvPr id="2" name="Oval 1">
-            <a:extLst>
-              <a:ext uri="{FF2B5EF4-FFF2-40B4-BE49-F238E27FC236}">
-                <a16:creationId xmlns:a16="http://schemas.microsoft.com/office/drawing/2014/main" id="{BB1C868E-01A4-3640-81E6-9CE23CD60717}"/>
-              </a:ext>
-            </a:extLst>
-          </p:cNvPr>
-          <p:cNvSpPr/>
-          <p:nvPr/>
-        </p:nvSpPr>
-        <p:spPr>
-          <a:xfrm>
-            <a:off x="5437229" y="1665130"/>
-            <a:ext cx="1260390" cy="580767"/>
-          </a:xfrm>
-          <a:prstGeom prst="ellipse">
-            <a:avLst/>
-          </a:prstGeom>
-          <a:noFill/>
-          <a:ln w="25400">
-            <a:solidFill>
-              <a:srgbClr val="FF0000"/>
-            </a:solidFill>
-            <a:prstDash val="sysDot"/>
-          </a:ln>
-        </p:spPr>
-        <p:style>
-          <a:lnRef idx="2">
-            <a:schemeClr val="accent1">
-              <a:shade val="50000"/>
-            </a:schemeClr>
-          </a:lnRef>
-          <a:fillRef idx="1">
-            <a:schemeClr val="accent1"/>
-          </a:fillRef>
-          <a:effectRef idx="0">
-            <a:schemeClr val="accent1"/>
-          </a:effectRef>
-          <a:fontRef idx="minor">
-            <a:schemeClr val="lt1"/>
-          </a:fontRef>
-        </p:style>
-        <p:txBody>
-          <a:bodyPr rtlCol="0" anchor="ctr"/>
-          <a:lstStyle/>
-          <a:p>
-            <a:pPr algn="ctr"/>
-            <a:endParaRPr lang="de-DE"/>
-          </a:p>
-        </p:txBody>
-      </p:sp>
-      <p:sp>
-        <p:nvSpPr>
-          <p:cNvPr id="8" name="Oval 7">
-            <a:extLst>
-              <a:ext uri="{FF2B5EF4-FFF2-40B4-BE49-F238E27FC236}">
-                <a16:creationId xmlns:a16="http://schemas.microsoft.com/office/drawing/2014/main" id="{94536BFD-35CF-DC44-8271-8B74723C9FA4}"/>
-              </a:ext>
-            </a:extLst>
-          </p:cNvPr>
-          <p:cNvSpPr/>
-          <p:nvPr/>
-        </p:nvSpPr>
-        <p:spPr>
-          <a:xfrm>
-            <a:off x="7600157" y="1665129"/>
-            <a:ext cx="1260390" cy="580767"/>
-          </a:xfrm>
-          <a:prstGeom prst="ellipse">
-            <a:avLst/>
-          </a:prstGeom>
-          <a:noFill/>
-          <a:ln w="25400">
-            <a:solidFill>
-              <a:srgbClr val="FF0000"/>
-            </a:solidFill>
-            <a:prstDash val="sysDot"/>
-          </a:ln>
-        </p:spPr>
-        <p:style>
-          <a:lnRef idx="2">
-            <a:schemeClr val="accent1">
-              <a:shade val="50000"/>
-            </a:schemeClr>
-          </a:lnRef>
-          <a:fillRef idx="1">
-            <a:schemeClr val="accent1"/>
-          </a:fillRef>
-          <a:effectRef idx="0">
-            <a:schemeClr val="accent1"/>
-          </a:effectRef>
-          <a:fontRef idx="minor">
-            <a:schemeClr val="lt1"/>
-          </a:fontRef>
-        </p:style>
-        <p:txBody>
-          <a:bodyPr rtlCol="0" anchor="ctr"/>
-          <a:lstStyle/>
-          <a:p>
-            <a:pPr algn="ctr"/>
-            <a:endParaRPr lang="de-DE"/>
-          </a:p>
-        </p:txBody>
-      </p:sp>
-      <p:sp>
-        <p:nvSpPr>
-          <p:cNvPr id="9" name="Oval 8">
-            <a:extLst>
-              <a:ext uri="{FF2B5EF4-FFF2-40B4-BE49-F238E27FC236}">
-                <a16:creationId xmlns:a16="http://schemas.microsoft.com/office/drawing/2014/main" id="{BD36AB9B-9C75-7B45-AD50-A1B3B033511B}"/>
-              </a:ext>
-            </a:extLst>
-          </p:cNvPr>
-          <p:cNvSpPr/>
-          <p:nvPr/>
-        </p:nvSpPr>
-        <p:spPr>
-          <a:xfrm>
-            <a:off x="5465805" y="4329863"/>
-            <a:ext cx="1260390" cy="580767"/>
-          </a:xfrm>
-          <a:prstGeom prst="ellipse">
-            <a:avLst/>
-          </a:prstGeom>
-          <a:noFill/>
-          <a:ln w="25400">
-            <a:solidFill>
-              <a:srgbClr val="FF0000"/>
-            </a:solidFill>
-            <a:prstDash val="sysDot"/>
-          </a:ln>
-        </p:spPr>
-        <p:style>
-          <a:lnRef idx="2">
-            <a:schemeClr val="accent1">
-              <a:shade val="50000"/>
-            </a:schemeClr>
-          </a:lnRef>
-          <a:fillRef idx="1">
-            <a:schemeClr val="accent1"/>
-          </a:fillRef>
-          <a:effectRef idx="0">
-            <a:schemeClr val="accent1"/>
-          </a:effectRef>
-          <a:fontRef idx="minor">
-            <a:schemeClr val="lt1"/>
-          </a:fontRef>
-        </p:style>
-        <p:txBody>
-          <a:bodyPr rtlCol="0" anchor="ctr"/>
-          <a:lstStyle/>
-          <a:p>
-            <a:pPr algn="ctr"/>
-            <a:endParaRPr lang="de-DE"/>
-          </a:p>
-        </p:txBody>
-      </p:sp>
-      <p:sp>
-        <p:nvSpPr>
-          <p:cNvPr id="10" name="Oval 9">
-            <a:extLst>
-              <a:ext uri="{FF2B5EF4-FFF2-40B4-BE49-F238E27FC236}">
-                <a16:creationId xmlns:a16="http://schemas.microsoft.com/office/drawing/2014/main" id="{B8182CB0-0350-114A-B0E7-907FCFFA57A1}"/>
-              </a:ext>
-            </a:extLst>
-          </p:cNvPr>
-          <p:cNvSpPr/>
-          <p:nvPr/>
-        </p:nvSpPr>
-        <p:spPr>
-          <a:xfrm>
-            <a:off x="7574837" y="4358439"/>
-            <a:ext cx="1260390" cy="580767"/>
-          </a:xfrm>
-          <a:prstGeom prst="ellipse">
-            <a:avLst/>
-          </a:prstGeom>
-          <a:noFill/>
-          <a:ln w="25400">
-            <a:solidFill>
-              <a:srgbClr val="FF0000"/>
-            </a:solidFill>
-            <a:prstDash val="sysDot"/>
-          </a:ln>
-        </p:spPr>
-        <p:style>
-          <a:lnRef idx="2">
-            <a:schemeClr val="accent1">
-              <a:shade val="50000"/>
-            </a:schemeClr>
-          </a:lnRef>
-          <a:fillRef idx="1">
-            <a:schemeClr val="accent1"/>
-          </a:fillRef>
-          <a:effectRef idx="0">
-            <a:schemeClr val="accent1"/>
-          </a:effectRef>
-          <a:fontRef idx="minor">
-            <a:schemeClr val="lt1"/>
-          </a:fontRef>
-        </p:style>
-        <p:txBody>
-          <a:bodyPr rtlCol="0" anchor="ctr"/>
-          <a:lstStyle/>
-          <a:p>
-            <a:pPr algn="ctr"/>
-            <a:endParaRPr lang="de-DE"/>
-          </a:p>
-        </p:txBody>
-      </p:sp>
-      <p:sp>
-        <p:nvSpPr>
-          <p:cNvPr id="11" name="Oval 10">
-            <a:extLst>
-              <a:ext uri="{FF2B5EF4-FFF2-40B4-BE49-F238E27FC236}">
-                <a16:creationId xmlns:a16="http://schemas.microsoft.com/office/drawing/2014/main" id="{52D513D3-C95F-194D-B8D0-6B8CCF7B3B09}"/>
-              </a:ext>
-            </a:extLst>
-          </p:cNvPr>
-          <p:cNvSpPr/>
-          <p:nvPr/>
-        </p:nvSpPr>
-        <p:spPr>
-          <a:xfrm>
-            <a:off x="341845" y="5993820"/>
-            <a:ext cx="1260390" cy="580767"/>
-          </a:xfrm>
-          <a:prstGeom prst="ellipse">
-            <a:avLst/>
-          </a:prstGeom>
-          <a:noFill/>
-          <a:ln w="25400">
-            <a:solidFill>
-              <a:srgbClr val="FF0000"/>
-            </a:solidFill>
-            <a:prstDash val="sysDot"/>
-          </a:ln>
-        </p:spPr>
-        <p:style>
-          <a:lnRef idx="2">
-            <a:schemeClr val="accent1">
-              <a:shade val="50000"/>
-            </a:schemeClr>
-          </a:lnRef>
-          <a:fillRef idx="1">
-            <a:schemeClr val="accent1"/>
-          </a:fillRef>
-          <a:effectRef idx="0">
-            <a:schemeClr val="accent1"/>
-          </a:effectRef>
-          <a:fontRef idx="minor">
-            <a:schemeClr val="lt1"/>
-          </a:fontRef>
-        </p:style>
-        <p:txBody>
-          <a:bodyPr rtlCol="0" anchor="ctr"/>
-          <a:lstStyle/>
-          <a:p>
-            <a:pPr algn="ctr"/>
-            <a:endParaRPr lang="de-DE"/>
-          </a:p>
-        </p:txBody>
-      </p:sp>
-      <p:sp>
-        <p:nvSpPr>
-          <p:cNvPr id="12" name="Oval 11">
-            <a:extLst>
-              <a:ext uri="{FF2B5EF4-FFF2-40B4-BE49-F238E27FC236}">
-                <a16:creationId xmlns:a16="http://schemas.microsoft.com/office/drawing/2014/main" id="{74158EB9-9261-5B45-BDC5-9E58BFB1D172}"/>
-              </a:ext>
-            </a:extLst>
-          </p:cNvPr>
-          <p:cNvSpPr/>
-          <p:nvPr/>
-        </p:nvSpPr>
-        <p:spPr>
-          <a:xfrm>
-            <a:off x="2465496" y="5993820"/>
-            <a:ext cx="1260390" cy="580767"/>
-          </a:xfrm>
-          <a:prstGeom prst="ellipse">
-            <a:avLst/>
-          </a:prstGeom>
-          <a:noFill/>
-          <a:ln w="25400">
-            <a:solidFill>
-              <a:srgbClr val="FF0000"/>
-            </a:solidFill>
-            <a:prstDash val="sysDot"/>
-          </a:ln>
-        </p:spPr>
-        <p:style>
-          <a:lnRef idx="2">
-            <a:schemeClr val="accent1">
-              <a:shade val="50000"/>
-            </a:schemeClr>
-          </a:lnRef>
-          <a:fillRef idx="1">
-            <a:schemeClr val="accent1"/>
-          </a:fillRef>
-          <a:effectRef idx="0">
-            <a:schemeClr val="accent1"/>
-          </a:effectRef>
-          <a:fontRef idx="minor">
-            <a:schemeClr val="lt1"/>
-          </a:fontRef>
-        </p:style>
-        <p:txBody>
-          <a:bodyPr rtlCol="0" anchor="ctr"/>
-          <a:lstStyle/>
-          <a:p>
-            <a:pPr algn="ctr"/>
-            <a:endParaRPr lang="de-DE"/>
-          </a:p>
-        </p:txBody>
-      </p:sp>
-      <p:sp>
-        <p:nvSpPr>
-          <p:cNvPr id="13" name="Oval 12">
-            <a:extLst>
-              <a:ext uri="{FF2B5EF4-FFF2-40B4-BE49-F238E27FC236}">
-                <a16:creationId xmlns:a16="http://schemas.microsoft.com/office/drawing/2014/main" id="{CB9EC61A-E518-1747-8039-6AB5F6F6D007}"/>
-              </a:ext>
-            </a:extLst>
-          </p:cNvPr>
-          <p:cNvSpPr/>
-          <p:nvPr/>
-        </p:nvSpPr>
-        <p:spPr>
-          <a:xfrm>
-            <a:off x="373157" y="3436357"/>
-            <a:ext cx="1260390" cy="580767"/>
-          </a:xfrm>
-          <a:prstGeom prst="ellipse">
-            <a:avLst/>
-          </a:prstGeom>
-          <a:noFill/>
-          <a:ln w="25400">
-            <a:solidFill>
-              <a:srgbClr val="FF0000"/>
-            </a:solidFill>
-            <a:prstDash val="sysDot"/>
-          </a:ln>
-        </p:spPr>
-        <p:style>
-          <a:lnRef idx="2">
-            <a:schemeClr val="accent1">
-              <a:shade val="50000"/>
-            </a:schemeClr>
-          </a:lnRef>
-          <a:fillRef idx="1">
-            <a:schemeClr val="accent1"/>
-          </a:fillRef>
-          <a:effectRef idx="0">
-            <a:schemeClr val="accent1"/>
-          </a:effectRef>
-          <a:fontRef idx="minor">
-            <a:schemeClr val="lt1"/>
-          </a:fontRef>
-        </p:style>
-        <p:txBody>
-          <a:bodyPr rtlCol="0" anchor="ctr"/>
-          <a:lstStyle/>
-          <a:p>
-            <a:pPr algn="ctr"/>
-            <a:endParaRPr lang="de-DE"/>
-          </a:p>
-        </p:txBody>
-      </p:sp>
-      <p:sp>
-        <p:nvSpPr>
-          <p:cNvPr id="14" name="Oval 13">
-            <a:extLst>
-              <a:ext uri="{FF2B5EF4-FFF2-40B4-BE49-F238E27FC236}">
-                <a16:creationId xmlns:a16="http://schemas.microsoft.com/office/drawing/2014/main" id="{A9FCBF11-FE62-2446-A010-A00E26A4D8D6}"/>
-              </a:ext>
-            </a:extLst>
-          </p:cNvPr>
-          <p:cNvSpPr/>
-          <p:nvPr/>
-        </p:nvSpPr>
-        <p:spPr>
-          <a:xfrm>
-            <a:off x="2526444" y="3393564"/>
-            <a:ext cx="1260390" cy="580767"/>
-          </a:xfrm>
-          <a:prstGeom prst="ellipse">
-            <a:avLst/>
-          </a:prstGeom>
-          <a:noFill/>
-          <a:ln w="25400">
-            <a:solidFill>
-              <a:srgbClr val="FF0000"/>
-            </a:solidFill>
-            <a:prstDash val="sysDot"/>
-          </a:ln>
-        </p:spPr>
-        <p:style>
-          <a:lnRef idx="2">
-            <a:schemeClr val="accent1">
-              <a:shade val="50000"/>
-            </a:schemeClr>
-          </a:lnRef>
-          <a:fillRef idx="1">
-            <a:schemeClr val="accent1"/>
-          </a:fillRef>
-          <a:effectRef idx="0">
-            <a:schemeClr val="accent1"/>
-          </a:effectRef>
-          <a:fontRef idx="minor">
-            <a:schemeClr val="lt1"/>
-          </a:fontRef>
-        </p:style>
-        <p:txBody>
-          <a:bodyPr rtlCol="0" anchor="ctr"/>
-          <a:lstStyle/>
-          <a:p>
-            <a:pPr algn="ctr"/>
-            <a:endParaRPr lang="de-DE"/>
-          </a:p>
-        </p:txBody>
-      </p:sp>
-      <p:sp>
-        <p:nvSpPr>
-          <p:cNvPr id="15" name="Oval 14">
-            <a:extLst>
-              <a:ext uri="{FF2B5EF4-FFF2-40B4-BE49-F238E27FC236}">
-                <a16:creationId xmlns:a16="http://schemas.microsoft.com/office/drawing/2014/main" id="{D56DBB79-26FD-5C45-8DFF-FAF9D7ED3383}"/>
-              </a:ext>
-            </a:extLst>
-          </p:cNvPr>
-          <p:cNvSpPr/>
-          <p:nvPr/>
-        </p:nvSpPr>
-        <p:spPr>
-          <a:xfrm>
-            <a:off x="9763085" y="1665128"/>
-            <a:ext cx="1260390" cy="580767"/>
-          </a:xfrm>
-          <a:prstGeom prst="ellipse">
-            <a:avLst/>
-          </a:prstGeom>
-          <a:noFill/>
-          <a:ln w="25400">
-            <a:solidFill>
-              <a:srgbClr val="FF0000"/>
-            </a:solidFill>
-            <a:prstDash val="sysDot"/>
-          </a:ln>
-        </p:spPr>
-        <p:style>
-          <a:lnRef idx="2">
-            <a:schemeClr val="accent1">
-              <a:shade val="50000"/>
-            </a:schemeClr>
-          </a:lnRef>
-          <a:fillRef idx="1">
-            <a:schemeClr val="accent1"/>
-          </a:fillRef>
-          <a:effectRef idx="0">
-            <a:schemeClr val="accent1"/>
-          </a:effectRef>
-          <a:fontRef idx="minor">
-            <a:schemeClr val="lt1"/>
-          </a:fontRef>
-        </p:style>
-        <p:txBody>
-          <a:bodyPr rtlCol="0" anchor="ctr"/>
-          <a:lstStyle/>
-          <a:p>
-            <a:pPr algn="ctr"/>
-            <a:endParaRPr lang="de-DE"/>
-          </a:p>
-        </p:txBody>
-      </p:sp>
-      <p:sp>
-        <p:nvSpPr>
-          <p:cNvPr id="16" name="Oval 15">
-            <a:extLst>
-              <a:ext uri="{FF2B5EF4-FFF2-40B4-BE49-F238E27FC236}">
-                <a16:creationId xmlns:a16="http://schemas.microsoft.com/office/drawing/2014/main" id="{F9E7C157-8AF7-FD42-87CD-AD91D8D1BE0E}"/>
-              </a:ext>
-            </a:extLst>
-          </p:cNvPr>
-          <p:cNvSpPr/>
-          <p:nvPr/>
-        </p:nvSpPr>
-        <p:spPr>
-          <a:xfrm>
-            <a:off x="9638442" y="4321722"/>
-            <a:ext cx="1260390" cy="580767"/>
-          </a:xfrm>
-          <a:prstGeom prst="ellipse">
-            <a:avLst/>
-          </a:prstGeom>
-          <a:noFill/>
-          <a:ln w="25400">
-            <a:solidFill>
-              <a:srgbClr val="FF0000"/>
-            </a:solidFill>
-            <a:prstDash val="sysDot"/>
-          </a:ln>
-        </p:spPr>
-        <p:style>
-          <a:lnRef idx="2">
-            <a:schemeClr val="accent1">
-              <a:shade val="50000"/>
-            </a:schemeClr>
-          </a:lnRef>
-          <a:fillRef idx="1">
-            <a:schemeClr val="accent1"/>
-          </a:fillRef>
-          <a:effectRef idx="0">
-            <a:schemeClr val="accent1"/>
-          </a:effectRef>
-          <a:fontRef idx="minor">
-            <a:schemeClr val="lt1"/>
-          </a:fontRef>
-        </p:style>
-        <p:txBody>
-          <a:bodyPr rtlCol="0" anchor="ctr"/>
-          <a:lstStyle/>
-          <a:p>
-            <a:pPr algn="ctr"/>
-            <a:endParaRPr lang="de-DE"/>
-          </a:p>
-        </p:txBody>
-      </p:sp>
-      <p:sp>
-        <p:nvSpPr>
-          <p:cNvPr id="17" name="Textfeld 16">
-            <a:extLst>
-              <a:ext uri="{FF2B5EF4-FFF2-40B4-BE49-F238E27FC236}">
-                <a16:creationId xmlns:a16="http://schemas.microsoft.com/office/drawing/2014/main" id="{5097CE70-2AE0-1F47-A386-CFA4F6F26EC6}"/>
-              </a:ext>
-            </a:extLst>
-          </p:cNvPr>
-          <p:cNvSpPr txBox="1"/>
-          <p:nvPr/>
-        </p:nvSpPr>
-        <p:spPr>
-          <a:xfrm>
-            <a:off x="5946501" y="582918"/>
-            <a:ext cx="5755546" cy="400110"/>
-          </a:xfrm>
-          <a:prstGeom prst="rect">
-            <a:avLst/>
-          </a:prstGeom>
-          <a:solidFill>
-            <a:schemeClr val="bg2"/>
-          </a:solidFill>
-        </p:spPr>
-        <p:txBody>
-          <a:bodyPr wrap="square" rtlCol="0">
-            <a:spAutoFit/>
-          </a:bodyPr>
-          <a:lstStyle/>
-          <a:p>
-            <a:r>
-              <a:rPr lang="de-DE" sz="2000">
-                <a:solidFill>
-                  <a:srgbClr val="FF0000"/>
-                </a:solidFill>
-                <a:sym typeface="Wingdings" pitchFamily="2" charset="2"/>
-              </a:rPr>
-              <a:t> Works fine for </a:t>
-            </a:r>
-            <a:r>
-              <a:rPr lang="de-DE" sz="2000" b="1">
-                <a:solidFill>
-                  <a:srgbClr val="FF0000"/>
-                </a:solidFill>
-                <a:sym typeface="Wingdings" pitchFamily="2" charset="2"/>
-              </a:rPr>
-              <a:t>short target length </a:t>
-            </a:r>
-            <a:r>
-              <a:rPr lang="de-DE" sz="2000">
-                <a:solidFill>
-                  <a:srgbClr val="FF0000"/>
-                </a:solidFill>
-                <a:sym typeface="Wingdings" pitchFamily="2" charset="2"/>
-              </a:rPr>
-              <a:t>up to 3 months</a:t>
-            </a:r>
-            <a:r>
-              <a:rPr lang="de-DE" sz="2000">
-                <a:solidFill>
-                  <a:srgbClr val="FF0000"/>
-                </a:solidFill>
-              </a:rPr>
-              <a:t>!</a:t>
-            </a:r>
-          </a:p>
-        </p:txBody>
-      </p:sp>
     </p:spTree>
     <p:extLst>
       <p:ext uri="{BB962C8B-B14F-4D97-AF65-F5344CB8AC3E}">
-        <p14:creationId xmlns:p14="http://schemas.microsoft.com/office/powerpoint/2010/main" val="1402861701"/>
+        <p14:creationId xmlns:p14="http://schemas.microsoft.com/office/powerpoint/2010/main" val="1638817599"/>
       </p:ext>
     </p:extLst>
   </p:cSld>
@@ -7449,6 +7929,35 @@
       </p:grpSpPr>
       <p:sp>
         <p:nvSpPr>
+          <p:cNvPr id="4" name="Foliennummernplatzhalter 3">
+            <a:extLst>
+              <a:ext uri="{FF2B5EF4-FFF2-40B4-BE49-F238E27FC236}">
+                <a16:creationId xmlns:a16="http://schemas.microsoft.com/office/drawing/2014/main" id="{9752BF9B-20ED-124C-8D78-032D3F29C212}"/>
+              </a:ext>
+            </a:extLst>
+          </p:cNvPr>
+          <p:cNvSpPr>
+            <a:spLocks noGrp="1"/>
+          </p:cNvSpPr>
+          <p:nvPr>
+            <p:ph type="sldNum" sz="quarter" idx="12"/>
+          </p:nvPr>
+        </p:nvSpPr>
+        <p:spPr/>
+        <p:txBody>
+          <a:bodyPr/>
+          <a:lstStyle/>
+          <a:p>
+            <a:fld id="{884D93BF-CEC1-484B-B797-4695C35961E3}" type="slidenum">
+              <a:rPr lang="de-DE" smtClean="0"/>
+              <a:t>15</a:t>
+            </a:fld>
+            <a:endParaRPr lang="de-DE"/>
+          </a:p>
+        </p:txBody>
+      </p:sp>
+      <p:sp>
+        <p:nvSpPr>
           <p:cNvPr id="6" name="Textfeld 5">
             <a:extLst>
               <a:ext uri="{FF2B5EF4-FFF2-40B4-BE49-F238E27FC236}">
@@ -7477,40 +7986,27 @@
           <a:p>
             <a:r>
               <a:rPr lang="de-DE" sz="2400" b="1" dirty="0"/>
-              <a:t>Fidelity check for base ESN on ENSO index</a:t>
-            </a:r>
-          </a:p>
-          <a:p>
-            <a:r>
-              <a:rPr lang="de-DE" sz="2400" dirty="0">
-                <a:solidFill>
-                  <a:srgbClr val="FF0000"/>
-                </a:solidFill>
-              </a:rPr>
-              <a:t>target_length = </a:t>
-            </a:r>
-            <a:r>
-              <a:rPr lang="de-DE" sz="2400" b="1" dirty="0">
-                <a:solidFill>
-                  <a:srgbClr val="FF0000"/>
-                </a:solidFill>
-              </a:rPr>
-              <a:t>1 month</a:t>
-            </a:r>
-            <a:endParaRPr lang="de-DE" sz="2400" b="1" baseline="30000" dirty="0">
-              <a:solidFill>
-                <a:srgbClr val="FF0000"/>
-              </a:solidFill>
-            </a:endParaRPr>
+              <a:t>Evaluation metrics and accuracy for base ESN on ENSO index</a:t>
+            </a:r>
+          </a:p>
+          <a:p>
+            <a:r>
+              <a:rPr lang="de-DE" sz="2400" dirty="0"/>
+              <a:t>optimized (hyper-)parameters*</a:t>
+            </a:r>
+            <a:r>
+              <a:rPr lang="de-DE" sz="2400" baseline="30000" dirty="0"/>
+              <a:t>)</a:t>
+            </a:r>
           </a:p>
         </p:txBody>
       </p:sp>
       <p:pic>
         <p:nvPicPr>
-          <p:cNvPr id="3074" name="Picture 2">
-            <a:extLst>
-              <a:ext uri="{FF2B5EF4-FFF2-40B4-BE49-F238E27FC236}">
-                <a16:creationId xmlns:a16="http://schemas.microsoft.com/office/drawing/2014/main" id="{D66DD9C0-7240-C148-863F-004E5A3BA6FD}"/>
+          <p:cNvPr id="1030" name="Picture 6">
+            <a:extLst>
+              <a:ext uri="{FF2B5EF4-FFF2-40B4-BE49-F238E27FC236}">
+                <a16:creationId xmlns:a16="http://schemas.microsoft.com/office/drawing/2014/main" id="{A6B501B5-7ADA-844D-B47D-4A3728B51C8B}"/>
               </a:ext>
             </a:extLst>
           </p:cNvPr>
@@ -7534,8 +8030,8 @@
         </p:blipFill>
         <p:spPr bwMode="auto">
           <a:xfrm>
-            <a:off x="3100385" y="1605893"/>
-            <a:ext cx="8751887" cy="4639332"/>
+            <a:off x="5177482" y="1125522"/>
+            <a:ext cx="6524565" cy="5697619"/>
           </a:xfrm>
           <a:prstGeom prst="rect">
             <a:avLst/>
@@ -7554,91 +8050,155 @@
       </p:pic>
       <p:pic>
         <p:nvPicPr>
-          <p:cNvPr id="5" name="Grafik 4">
-            <a:extLst>
-              <a:ext uri="{FF2B5EF4-FFF2-40B4-BE49-F238E27FC236}">
-                <a16:creationId xmlns:a16="http://schemas.microsoft.com/office/drawing/2014/main" id="{08E8A813-63A1-124A-97AF-796E0E484018}"/>
+          <p:cNvPr id="1032" name="Picture 8">
+            <a:extLst>
+              <a:ext uri="{FF2B5EF4-FFF2-40B4-BE49-F238E27FC236}">
+                <a16:creationId xmlns:a16="http://schemas.microsoft.com/office/drawing/2014/main" id="{6779A9E9-B3C9-6548-BB6B-7960F593A475}"/>
               </a:ext>
             </a:extLst>
           </p:cNvPr>
           <p:cNvPicPr>
-            <a:picLocks noChangeAspect="1"/>
+            <a:picLocks noChangeAspect="1" noChangeArrowheads="1"/>
           </p:cNvPicPr>
           <p:nvPr/>
         </p:nvPicPr>
         <p:blipFill>
-          <a:blip r:embed="rId3"/>
+          <a:blip r:embed="rId3">
+            <a:extLst>
+              <a:ext uri="{28A0092B-C50C-407E-A947-70E740481C1C}">
+                <a14:useLocalDpi xmlns:a14="http://schemas.microsoft.com/office/drawing/2010/main" val="0"/>
+              </a:ext>
+            </a:extLst>
+          </a:blip>
+          <a:srcRect/>
           <a:stretch>
             <a:fillRect/>
           </a:stretch>
         </p:blipFill>
-        <p:spPr>
-          <a:xfrm>
-            <a:off x="296864" y="2287423"/>
-            <a:ext cx="2595240" cy="2283154"/>
+        <p:spPr bwMode="auto">
+          <a:xfrm>
+            <a:off x="0" y="1090664"/>
+            <a:ext cx="4930992" cy="5732477"/>
           </a:xfrm>
           <a:prstGeom prst="rect">
             <a:avLst/>
           </a:prstGeom>
+          <a:noFill/>
+          <a:extLst>
+            <a:ext uri="{909E8E84-426E-40DD-AFC4-6F175D3DCCD1}">
+              <a14:hiddenFill xmlns:a14="http://schemas.microsoft.com/office/drawing/2010/main">
+                <a:solidFill>
+                  <a:srgbClr val="FFFFFF"/>
+                </a:solidFill>
+              </a14:hiddenFill>
+            </a:ext>
+          </a:extLst>
         </p:spPr>
       </p:pic>
       <p:sp>
         <p:nvSpPr>
-          <p:cNvPr id="19" name="Oval 18">
-            <a:extLst>
-              <a:ext uri="{FF2B5EF4-FFF2-40B4-BE49-F238E27FC236}">
-                <a16:creationId xmlns:a16="http://schemas.microsoft.com/office/drawing/2014/main" id="{8B7D014A-64E3-154D-B649-B8B8B2992827}"/>
-              </a:ext>
-            </a:extLst>
-          </p:cNvPr>
-          <p:cNvSpPr/>
-          <p:nvPr/>
-        </p:nvSpPr>
-        <p:spPr>
-          <a:xfrm>
-            <a:off x="1240569" y="2593465"/>
-            <a:ext cx="1202594" cy="549786"/>
-          </a:xfrm>
-          <a:prstGeom prst="ellipse">
+          <p:cNvPr id="3" name="Textfeld 2">
+            <a:extLst>
+              <a:ext uri="{FF2B5EF4-FFF2-40B4-BE49-F238E27FC236}">
+                <a16:creationId xmlns:a16="http://schemas.microsoft.com/office/drawing/2014/main" id="{CEEB9F21-C237-B747-B3F7-9F39D06967DE}"/>
+              </a:ext>
+            </a:extLst>
+          </p:cNvPr>
+          <p:cNvSpPr txBox="1"/>
+          <p:nvPr/>
+        </p:nvSpPr>
+        <p:spPr>
+          <a:xfrm>
+            <a:off x="10538255" y="66742"/>
+            <a:ext cx="1653746" cy="307777"/>
+          </a:xfrm>
+          <a:prstGeom prst="rect">
             <a:avLst/>
           </a:prstGeom>
           <a:noFill/>
-          <a:ln w="25400">
-            <a:solidFill>
-              <a:srgbClr val="FF0000"/>
-            </a:solidFill>
-            <a:prstDash val="sysDot"/>
-          </a:ln>
-        </p:spPr>
-        <p:style>
-          <a:lnRef idx="2">
-            <a:schemeClr val="accent1">
-              <a:shade val="50000"/>
-            </a:schemeClr>
-          </a:lnRef>
-          <a:fillRef idx="1">
-            <a:schemeClr val="accent1"/>
-          </a:fillRef>
-          <a:effectRef idx="0">
-            <a:schemeClr val="accent1"/>
-          </a:effectRef>
-          <a:fontRef idx="minor">
-            <a:schemeClr val="lt1"/>
-          </a:fontRef>
-        </p:style>
-        <p:txBody>
-          <a:bodyPr rtlCol="0" anchor="ctr"/>
-          <a:lstStyle/>
-          <a:p>
-            <a:pPr algn="ctr"/>
-            <a:endParaRPr lang="de-DE"/>
+        </p:spPr>
+        <p:txBody>
+          <a:bodyPr wrap="square" rtlCol="0">
+            <a:spAutoFit/>
+          </a:bodyPr>
+          <a:lstStyle/>
+          <a:p>
+            <a:r>
+              <a:rPr lang="de-DE" sz="1400"/>
+              <a:t>*</a:t>
+            </a:r>
+            <a:r>
+              <a:rPr lang="de-DE" sz="1400" baseline="30000"/>
+              <a:t>)</a:t>
+            </a:r>
+            <a:r>
+              <a:rPr lang="de-DE" sz="1400"/>
+              <a:t> slightly modified</a:t>
+            </a:r>
+          </a:p>
+        </p:txBody>
+      </p:sp>
+      <p:sp>
+        <p:nvSpPr>
+          <p:cNvPr id="7" name="Textfeld 6">
+            <a:extLst>
+              <a:ext uri="{FF2B5EF4-FFF2-40B4-BE49-F238E27FC236}">
+                <a16:creationId xmlns:a16="http://schemas.microsoft.com/office/drawing/2014/main" id="{94F65DFB-AC64-EC47-A887-D7D823897DD4}"/>
+              </a:ext>
+            </a:extLst>
+          </p:cNvPr>
+          <p:cNvSpPr txBox="1"/>
+          <p:nvPr/>
+        </p:nvSpPr>
+        <p:spPr>
+          <a:xfrm rot="20062326">
+            <a:off x="6281703" y="3827611"/>
+            <a:ext cx="4276305" cy="400110"/>
+          </a:xfrm>
+          <a:prstGeom prst="rect">
+            <a:avLst/>
+          </a:prstGeom>
+          <a:solidFill>
+            <a:schemeClr val="bg2"/>
+          </a:solidFill>
+        </p:spPr>
+        <p:txBody>
+          <a:bodyPr wrap="square" rtlCol="0">
+            <a:spAutoFit/>
+          </a:bodyPr>
+          <a:lstStyle/>
+          <a:p>
+            <a:r>
+              <a:rPr lang="de-DE" sz="2000">
+                <a:solidFill>
+                  <a:srgbClr val="FF0000"/>
+                </a:solidFill>
+              </a:rPr>
+              <a:t>Careful: </a:t>
+            </a:r>
+            <a:r>
+              <a:rPr lang="de-DE" sz="2000" b="1">
+                <a:solidFill>
+                  <a:srgbClr val="FF0000"/>
+                </a:solidFill>
+              </a:rPr>
+              <a:t>x-axis</a:t>
+            </a:r>
+            <a:r>
+              <a:rPr lang="de-DE" sz="2000">
+                <a:solidFill>
+                  <a:srgbClr val="FF0000"/>
+                </a:solidFill>
+              </a:rPr>
+              <a:t> is compressed here!</a:t>
+            </a:r>
           </a:p>
         </p:txBody>
       </p:sp>
     </p:spTree>
     <p:extLst>
       <p:ext uri="{BB962C8B-B14F-4D97-AF65-F5344CB8AC3E}">
-        <p14:creationId xmlns:p14="http://schemas.microsoft.com/office/powerpoint/2010/main" val="641560152"/>
+        <p14:creationId xmlns:p14="http://schemas.microsoft.com/office/powerpoint/2010/main" val="1380097399"/>
       </p:ext>
     </p:extLst>
   </p:cSld>
@@ -7665,42 +8225,86 @@
           <a:chExt cx="0" cy="0"/>
         </a:xfrm>
       </p:grpSpPr>
+      <p:sp>
+        <p:nvSpPr>
+          <p:cNvPr id="4" name="Foliennummernplatzhalter 3">
+            <a:extLst>
+              <a:ext uri="{FF2B5EF4-FFF2-40B4-BE49-F238E27FC236}">
+                <a16:creationId xmlns:a16="http://schemas.microsoft.com/office/drawing/2014/main" id="{9752BF9B-20ED-124C-8D78-032D3F29C212}"/>
+              </a:ext>
+            </a:extLst>
+          </p:cNvPr>
+          <p:cNvSpPr>
+            <a:spLocks noGrp="1"/>
+          </p:cNvSpPr>
+          <p:nvPr>
+            <p:ph type="sldNum" sz="quarter" idx="12"/>
+          </p:nvPr>
+        </p:nvSpPr>
+        <p:spPr/>
+        <p:txBody>
+          <a:bodyPr/>
+          <a:lstStyle/>
+          <a:p>
+            <a:fld id="{884D93BF-CEC1-484B-B797-4695C35961E3}" type="slidenum">
+              <a:rPr lang="de-DE" smtClean="0"/>
+              <a:t>16</a:t>
+            </a:fld>
+            <a:endParaRPr lang="de-DE"/>
+          </a:p>
+        </p:txBody>
+      </p:sp>
+      <p:sp>
+        <p:nvSpPr>
+          <p:cNvPr id="6" name="Textfeld 5">
+            <a:extLst>
+              <a:ext uri="{FF2B5EF4-FFF2-40B4-BE49-F238E27FC236}">
+                <a16:creationId xmlns:a16="http://schemas.microsoft.com/office/drawing/2014/main" id="{0FDFCF38-2125-FC44-8DC7-B38812BE71CF}"/>
+              </a:ext>
+            </a:extLst>
+          </p:cNvPr>
+          <p:cNvSpPr txBox="1"/>
+          <p:nvPr/>
+        </p:nvSpPr>
+        <p:spPr>
+          <a:xfrm>
+            <a:off x="341845" y="83130"/>
+            <a:ext cx="7988523" cy="830997"/>
+          </a:xfrm>
+          <a:prstGeom prst="rect">
+            <a:avLst/>
+          </a:prstGeom>
+          <a:noFill/>
+        </p:spPr>
+        <p:txBody>
+          <a:bodyPr wrap="square" rtlCol="0">
+            <a:spAutoFit/>
+          </a:bodyPr>
+          <a:lstStyle/>
+          <a:p>
+            <a:r>
+              <a:rPr lang="de-DE" sz="2400" b="1" dirty="0"/>
+              <a:t>Evaluation metrics and accuracy for base ESN on ENSO index</a:t>
+            </a:r>
+          </a:p>
+          <a:p>
+            <a:r>
+              <a:rPr lang="de-DE" sz="2400" dirty="0"/>
+              <a:t>optimized (hyper-)parameters*</a:t>
+            </a:r>
+            <a:r>
+              <a:rPr lang="de-DE" sz="2400" baseline="30000" dirty="0"/>
+              <a:t>)</a:t>
+            </a:r>
+          </a:p>
+        </p:txBody>
+      </p:sp>
       <p:pic>
         <p:nvPicPr>
-          <p:cNvPr id="4" name="Grafik 3">
-            <a:extLst>
-              <a:ext uri="{FF2B5EF4-FFF2-40B4-BE49-F238E27FC236}">
-                <a16:creationId xmlns:a16="http://schemas.microsoft.com/office/drawing/2014/main" id="{A373366A-4974-E641-977D-37D2EADCAEF5}"/>
-              </a:ext>
-            </a:extLst>
-          </p:cNvPr>
-          <p:cNvPicPr>
-            <a:picLocks noChangeAspect="1"/>
-          </p:cNvPicPr>
-          <p:nvPr/>
-        </p:nvPicPr>
-        <p:blipFill>
-          <a:blip r:embed="rId3"/>
-          <a:stretch>
-            <a:fillRect/>
-          </a:stretch>
-        </p:blipFill>
-        <p:spPr>
-          <a:xfrm>
-            <a:off x="311151" y="2231698"/>
-            <a:ext cx="2595239" cy="2283153"/>
-          </a:xfrm>
-          <a:prstGeom prst="rect">
-            <a:avLst/>
-          </a:prstGeom>
-        </p:spPr>
-      </p:pic>
-      <p:pic>
-        <p:nvPicPr>
-          <p:cNvPr id="5126" name="Picture 6">
-            <a:extLst>
-              <a:ext uri="{FF2B5EF4-FFF2-40B4-BE49-F238E27FC236}">
-                <a16:creationId xmlns:a16="http://schemas.microsoft.com/office/drawing/2014/main" id="{14A95079-ADC4-4141-B993-47E05073BB6E}"/>
+          <p:cNvPr id="1030" name="Picture 6">
+            <a:extLst>
+              <a:ext uri="{FF2B5EF4-FFF2-40B4-BE49-F238E27FC236}">
+                <a16:creationId xmlns:a16="http://schemas.microsoft.com/office/drawing/2014/main" id="{A6B501B5-7ADA-844D-B47D-4A3728B51C8B}"/>
               </a:ext>
             </a:extLst>
           </p:cNvPr>
@@ -7710,7 +8314,7 @@
           <p:nvPr/>
         </p:nvPicPr>
         <p:blipFill>
-          <a:blip r:embed="rId4">
+          <a:blip r:embed="rId2">
             <a:extLst>
               <a:ext uri="{28A0092B-C50C-407E-A947-70E740481C1C}">
                 <a14:useLocalDpi xmlns:a14="http://schemas.microsoft.com/office/drawing/2010/main" val="0"/>
@@ -7724,8 +8328,8 @@
         </p:blipFill>
         <p:spPr bwMode="auto">
           <a:xfrm>
-            <a:off x="3114671" y="1605893"/>
-            <a:ext cx="8751889" cy="4639333"/>
+            <a:off x="5177482" y="1125522"/>
+            <a:ext cx="6524565" cy="5697619"/>
           </a:xfrm>
           <a:prstGeom prst="rect">
             <a:avLst/>
@@ -7742,12 +8346,59 @@
           </a:extLst>
         </p:spPr>
       </p:pic>
-      <p:sp>
-        <p:nvSpPr>
-          <p:cNvPr id="6" name="Textfeld 5">
-            <a:extLst>
-              <a:ext uri="{FF2B5EF4-FFF2-40B4-BE49-F238E27FC236}">
-                <a16:creationId xmlns:a16="http://schemas.microsoft.com/office/drawing/2014/main" id="{0FDFCF38-2125-FC44-8DC7-B38812BE71CF}"/>
+      <p:pic>
+        <p:nvPicPr>
+          <p:cNvPr id="1032" name="Picture 8">
+            <a:extLst>
+              <a:ext uri="{FF2B5EF4-FFF2-40B4-BE49-F238E27FC236}">
+                <a16:creationId xmlns:a16="http://schemas.microsoft.com/office/drawing/2014/main" id="{6779A9E9-B3C9-6548-BB6B-7960F593A475}"/>
+              </a:ext>
+            </a:extLst>
+          </p:cNvPr>
+          <p:cNvPicPr>
+            <a:picLocks noChangeAspect="1" noChangeArrowheads="1"/>
+          </p:cNvPicPr>
+          <p:nvPr/>
+        </p:nvPicPr>
+        <p:blipFill>
+          <a:blip r:embed="rId3">
+            <a:extLst>
+              <a:ext uri="{28A0092B-C50C-407E-A947-70E740481C1C}">
+                <a14:useLocalDpi xmlns:a14="http://schemas.microsoft.com/office/drawing/2010/main" val="0"/>
+              </a:ext>
+            </a:extLst>
+          </a:blip>
+          <a:srcRect/>
+          <a:stretch>
+            <a:fillRect/>
+          </a:stretch>
+        </p:blipFill>
+        <p:spPr bwMode="auto">
+          <a:xfrm>
+            <a:off x="0" y="1090664"/>
+            <a:ext cx="4930992" cy="5732477"/>
+          </a:xfrm>
+          <a:prstGeom prst="rect">
+            <a:avLst/>
+          </a:prstGeom>
+          <a:noFill/>
+          <a:extLst>
+            <a:ext uri="{909E8E84-426E-40DD-AFC4-6F175D3DCCD1}">
+              <a14:hiddenFill xmlns:a14="http://schemas.microsoft.com/office/drawing/2010/main">
+                <a:solidFill>
+                  <a:srgbClr val="FFFFFF"/>
+                </a:solidFill>
+              </a14:hiddenFill>
+            </a:ext>
+          </a:extLst>
+        </p:spPr>
+      </p:pic>
+      <p:sp>
+        <p:nvSpPr>
+          <p:cNvPr id="3" name="Textfeld 2">
+            <a:extLst>
+              <a:ext uri="{FF2B5EF4-FFF2-40B4-BE49-F238E27FC236}">
+                <a16:creationId xmlns:a16="http://schemas.microsoft.com/office/drawing/2014/main" id="{CEEB9F21-C237-B747-B3F7-9F39D06967DE}"/>
               </a:ext>
             </a:extLst>
           </p:cNvPr>
@@ -7756,8 +8407,8 @@
         </p:nvSpPr>
         <p:spPr>
           <a:xfrm>
-            <a:off x="341845" y="83130"/>
-            <a:ext cx="7988523" cy="830997"/>
+            <a:off x="10538255" y="66742"/>
+            <a:ext cx="1653746" cy="307777"/>
           </a:xfrm>
           <a:prstGeom prst="rect">
             <a:avLst/>
@@ -7771,72 +8422,6 @@
           <a:lstStyle/>
           <a:p>
             <a:r>
-              <a:rPr lang="de-DE" sz="2400" b="1" dirty="0"/>
-              <a:t>Fidelity check for base ESN on ENSO index</a:t>
-            </a:r>
-            <a:r>
-              <a:rPr lang="de-DE" sz="2400" dirty="0"/>
-              <a:t>*</a:t>
-            </a:r>
-            <a:r>
-              <a:rPr lang="de-DE" sz="2400" baseline="30000" dirty="0"/>
-              <a:t>)</a:t>
-            </a:r>
-          </a:p>
-          <a:p>
-            <a:r>
-              <a:rPr lang="de-DE" sz="2400" dirty="0">
-                <a:solidFill>
-                  <a:srgbClr val="FF0000"/>
-                </a:solidFill>
-              </a:rPr>
-              <a:t>target_length = </a:t>
-            </a:r>
-            <a:r>
-              <a:rPr lang="de-DE" sz="2400" b="1" dirty="0">
-                <a:solidFill>
-                  <a:srgbClr val="FF0000"/>
-                </a:solidFill>
-              </a:rPr>
-              <a:t>3 months</a:t>
-            </a:r>
-            <a:endParaRPr lang="de-DE" sz="2400" b="1" baseline="30000" dirty="0">
-              <a:solidFill>
-                <a:srgbClr val="FF0000"/>
-              </a:solidFill>
-            </a:endParaRPr>
-          </a:p>
-        </p:txBody>
-      </p:sp>
-      <p:sp>
-        <p:nvSpPr>
-          <p:cNvPr id="12" name="Textfeld 11">
-            <a:extLst>
-              <a:ext uri="{FF2B5EF4-FFF2-40B4-BE49-F238E27FC236}">
-                <a16:creationId xmlns:a16="http://schemas.microsoft.com/office/drawing/2014/main" id="{919ED181-7C4E-364A-8F1F-223512ACC688}"/>
-              </a:ext>
-            </a:extLst>
-          </p:cNvPr>
-          <p:cNvSpPr txBox="1"/>
-          <p:nvPr/>
-        </p:nvSpPr>
-        <p:spPr>
-          <a:xfrm>
-            <a:off x="9372600" y="66742"/>
-            <a:ext cx="2819401" cy="307777"/>
-          </a:xfrm>
-          <a:prstGeom prst="rect">
-            <a:avLst/>
-          </a:prstGeom>
-          <a:noFill/>
-        </p:spPr>
-        <p:txBody>
-          <a:bodyPr wrap="square" rtlCol="0">
-            <a:spAutoFit/>
-          </a:bodyPr>
-          <a:lstStyle/>
-          <a:p>
-            <a:r>
               <a:rPr lang="de-DE" sz="1400"/>
               <a:t>*</a:t>
             </a:r>
@@ -7846,17 +8431,17 @@
             </a:r>
             <a:r>
               <a:rPr lang="de-DE" sz="1400"/>
-              <a:t> scaled inputs for stability reasons</a:t>
-            </a:r>
-          </a:p>
-        </p:txBody>
-      </p:sp>
-      <p:sp>
-        <p:nvSpPr>
-          <p:cNvPr id="13" name="Oval 12">
-            <a:extLst>
-              <a:ext uri="{FF2B5EF4-FFF2-40B4-BE49-F238E27FC236}">
-                <a16:creationId xmlns:a16="http://schemas.microsoft.com/office/drawing/2014/main" id="{230C8DF7-208A-E147-987C-01E5FD8856E3}"/>
+              <a:t> slightly modified</a:t>
+            </a:r>
+          </a:p>
+        </p:txBody>
+      </p:sp>
+      <p:sp>
+        <p:nvSpPr>
+          <p:cNvPr id="2" name="Oval 1">
+            <a:extLst>
+              <a:ext uri="{FF2B5EF4-FFF2-40B4-BE49-F238E27FC236}">
+                <a16:creationId xmlns:a16="http://schemas.microsoft.com/office/drawing/2014/main" id="{BB1C868E-01A4-3640-81E6-9CE23CD60717}"/>
               </a:ext>
             </a:extLst>
           </p:cNvPr>
@@ -7865,8 +8450,8 @@
         </p:nvSpPr>
         <p:spPr>
           <a:xfrm>
-            <a:off x="1240569" y="2593465"/>
-            <a:ext cx="1202594" cy="549786"/>
+            <a:off x="5437229" y="1665130"/>
+            <a:ext cx="1260390" cy="580767"/>
           </a:xfrm>
           <a:prstGeom prst="ellipse">
             <a:avLst/>
@@ -7904,10 +8489,555 @@
           </a:p>
         </p:txBody>
       </p:sp>
+      <p:sp>
+        <p:nvSpPr>
+          <p:cNvPr id="8" name="Oval 7">
+            <a:extLst>
+              <a:ext uri="{FF2B5EF4-FFF2-40B4-BE49-F238E27FC236}">
+                <a16:creationId xmlns:a16="http://schemas.microsoft.com/office/drawing/2014/main" id="{94536BFD-35CF-DC44-8271-8B74723C9FA4}"/>
+              </a:ext>
+            </a:extLst>
+          </p:cNvPr>
+          <p:cNvSpPr/>
+          <p:nvPr/>
+        </p:nvSpPr>
+        <p:spPr>
+          <a:xfrm>
+            <a:off x="7600157" y="1665129"/>
+            <a:ext cx="1260390" cy="580767"/>
+          </a:xfrm>
+          <a:prstGeom prst="ellipse">
+            <a:avLst/>
+          </a:prstGeom>
+          <a:noFill/>
+          <a:ln w="25400">
+            <a:solidFill>
+              <a:srgbClr val="FF0000"/>
+            </a:solidFill>
+            <a:prstDash val="sysDot"/>
+          </a:ln>
+        </p:spPr>
+        <p:style>
+          <a:lnRef idx="2">
+            <a:schemeClr val="accent1">
+              <a:shade val="50000"/>
+            </a:schemeClr>
+          </a:lnRef>
+          <a:fillRef idx="1">
+            <a:schemeClr val="accent1"/>
+          </a:fillRef>
+          <a:effectRef idx="0">
+            <a:schemeClr val="accent1"/>
+          </a:effectRef>
+          <a:fontRef idx="minor">
+            <a:schemeClr val="lt1"/>
+          </a:fontRef>
+        </p:style>
+        <p:txBody>
+          <a:bodyPr rtlCol="0" anchor="ctr"/>
+          <a:lstStyle/>
+          <a:p>
+            <a:pPr algn="ctr"/>
+            <a:endParaRPr lang="de-DE"/>
+          </a:p>
+        </p:txBody>
+      </p:sp>
+      <p:sp>
+        <p:nvSpPr>
+          <p:cNvPr id="9" name="Oval 8">
+            <a:extLst>
+              <a:ext uri="{FF2B5EF4-FFF2-40B4-BE49-F238E27FC236}">
+                <a16:creationId xmlns:a16="http://schemas.microsoft.com/office/drawing/2014/main" id="{BD36AB9B-9C75-7B45-AD50-A1B3B033511B}"/>
+              </a:ext>
+            </a:extLst>
+          </p:cNvPr>
+          <p:cNvSpPr/>
+          <p:nvPr/>
+        </p:nvSpPr>
+        <p:spPr>
+          <a:xfrm>
+            <a:off x="5465805" y="4329863"/>
+            <a:ext cx="1260390" cy="580767"/>
+          </a:xfrm>
+          <a:prstGeom prst="ellipse">
+            <a:avLst/>
+          </a:prstGeom>
+          <a:noFill/>
+          <a:ln w="25400">
+            <a:solidFill>
+              <a:srgbClr val="FF0000"/>
+            </a:solidFill>
+            <a:prstDash val="sysDot"/>
+          </a:ln>
+        </p:spPr>
+        <p:style>
+          <a:lnRef idx="2">
+            <a:schemeClr val="accent1">
+              <a:shade val="50000"/>
+            </a:schemeClr>
+          </a:lnRef>
+          <a:fillRef idx="1">
+            <a:schemeClr val="accent1"/>
+          </a:fillRef>
+          <a:effectRef idx="0">
+            <a:schemeClr val="accent1"/>
+          </a:effectRef>
+          <a:fontRef idx="minor">
+            <a:schemeClr val="lt1"/>
+          </a:fontRef>
+        </p:style>
+        <p:txBody>
+          <a:bodyPr rtlCol="0" anchor="ctr"/>
+          <a:lstStyle/>
+          <a:p>
+            <a:pPr algn="ctr"/>
+            <a:endParaRPr lang="de-DE"/>
+          </a:p>
+        </p:txBody>
+      </p:sp>
+      <p:sp>
+        <p:nvSpPr>
+          <p:cNvPr id="10" name="Oval 9">
+            <a:extLst>
+              <a:ext uri="{FF2B5EF4-FFF2-40B4-BE49-F238E27FC236}">
+                <a16:creationId xmlns:a16="http://schemas.microsoft.com/office/drawing/2014/main" id="{B8182CB0-0350-114A-B0E7-907FCFFA57A1}"/>
+              </a:ext>
+            </a:extLst>
+          </p:cNvPr>
+          <p:cNvSpPr/>
+          <p:nvPr/>
+        </p:nvSpPr>
+        <p:spPr>
+          <a:xfrm>
+            <a:off x="7574837" y="4358439"/>
+            <a:ext cx="1260390" cy="580767"/>
+          </a:xfrm>
+          <a:prstGeom prst="ellipse">
+            <a:avLst/>
+          </a:prstGeom>
+          <a:noFill/>
+          <a:ln w="25400">
+            <a:solidFill>
+              <a:srgbClr val="FF0000"/>
+            </a:solidFill>
+            <a:prstDash val="sysDot"/>
+          </a:ln>
+        </p:spPr>
+        <p:style>
+          <a:lnRef idx="2">
+            <a:schemeClr val="accent1">
+              <a:shade val="50000"/>
+            </a:schemeClr>
+          </a:lnRef>
+          <a:fillRef idx="1">
+            <a:schemeClr val="accent1"/>
+          </a:fillRef>
+          <a:effectRef idx="0">
+            <a:schemeClr val="accent1"/>
+          </a:effectRef>
+          <a:fontRef idx="minor">
+            <a:schemeClr val="lt1"/>
+          </a:fontRef>
+        </p:style>
+        <p:txBody>
+          <a:bodyPr rtlCol="0" anchor="ctr"/>
+          <a:lstStyle/>
+          <a:p>
+            <a:pPr algn="ctr"/>
+            <a:endParaRPr lang="de-DE"/>
+          </a:p>
+        </p:txBody>
+      </p:sp>
+      <p:sp>
+        <p:nvSpPr>
+          <p:cNvPr id="11" name="Oval 10">
+            <a:extLst>
+              <a:ext uri="{FF2B5EF4-FFF2-40B4-BE49-F238E27FC236}">
+                <a16:creationId xmlns:a16="http://schemas.microsoft.com/office/drawing/2014/main" id="{52D513D3-C95F-194D-B8D0-6B8CCF7B3B09}"/>
+              </a:ext>
+            </a:extLst>
+          </p:cNvPr>
+          <p:cNvSpPr/>
+          <p:nvPr/>
+        </p:nvSpPr>
+        <p:spPr>
+          <a:xfrm>
+            <a:off x="341845" y="5993820"/>
+            <a:ext cx="1260390" cy="580767"/>
+          </a:xfrm>
+          <a:prstGeom prst="ellipse">
+            <a:avLst/>
+          </a:prstGeom>
+          <a:noFill/>
+          <a:ln w="25400">
+            <a:solidFill>
+              <a:srgbClr val="FF0000"/>
+            </a:solidFill>
+            <a:prstDash val="sysDot"/>
+          </a:ln>
+        </p:spPr>
+        <p:style>
+          <a:lnRef idx="2">
+            <a:schemeClr val="accent1">
+              <a:shade val="50000"/>
+            </a:schemeClr>
+          </a:lnRef>
+          <a:fillRef idx="1">
+            <a:schemeClr val="accent1"/>
+          </a:fillRef>
+          <a:effectRef idx="0">
+            <a:schemeClr val="accent1"/>
+          </a:effectRef>
+          <a:fontRef idx="minor">
+            <a:schemeClr val="lt1"/>
+          </a:fontRef>
+        </p:style>
+        <p:txBody>
+          <a:bodyPr rtlCol="0" anchor="ctr"/>
+          <a:lstStyle/>
+          <a:p>
+            <a:pPr algn="ctr"/>
+            <a:endParaRPr lang="de-DE"/>
+          </a:p>
+        </p:txBody>
+      </p:sp>
+      <p:sp>
+        <p:nvSpPr>
+          <p:cNvPr id="12" name="Oval 11">
+            <a:extLst>
+              <a:ext uri="{FF2B5EF4-FFF2-40B4-BE49-F238E27FC236}">
+                <a16:creationId xmlns:a16="http://schemas.microsoft.com/office/drawing/2014/main" id="{74158EB9-9261-5B45-BDC5-9E58BFB1D172}"/>
+              </a:ext>
+            </a:extLst>
+          </p:cNvPr>
+          <p:cNvSpPr/>
+          <p:nvPr/>
+        </p:nvSpPr>
+        <p:spPr>
+          <a:xfrm>
+            <a:off x="2465496" y="5993820"/>
+            <a:ext cx="1260390" cy="580767"/>
+          </a:xfrm>
+          <a:prstGeom prst="ellipse">
+            <a:avLst/>
+          </a:prstGeom>
+          <a:noFill/>
+          <a:ln w="25400">
+            <a:solidFill>
+              <a:srgbClr val="FF0000"/>
+            </a:solidFill>
+            <a:prstDash val="sysDot"/>
+          </a:ln>
+        </p:spPr>
+        <p:style>
+          <a:lnRef idx="2">
+            <a:schemeClr val="accent1">
+              <a:shade val="50000"/>
+            </a:schemeClr>
+          </a:lnRef>
+          <a:fillRef idx="1">
+            <a:schemeClr val="accent1"/>
+          </a:fillRef>
+          <a:effectRef idx="0">
+            <a:schemeClr val="accent1"/>
+          </a:effectRef>
+          <a:fontRef idx="minor">
+            <a:schemeClr val="lt1"/>
+          </a:fontRef>
+        </p:style>
+        <p:txBody>
+          <a:bodyPr rtlCol="0" anchor="ctr"/>
+          <a:lstStyle/>
+          <a:p>
+            <a:pPr algn="ctr"/>
+            <a:endParaRPr lang="de-DE"/>
+          </a:p>
+        </p:txBody>
+      </p:sp>
+      <p:sp>
+        <p:nvSpPr>
+          <p:cNvPr id="13" name="Oval 12">
+            <a:extLst>
+              <a:ext uri="{FF2B5EF4-FFF2-40B4-BE49-F238E27FC236}">
+                <a16:creationId xmlns:a16="http://schemas.microsoft.com/office/drawing/2014/main" id="{CB9EC61A-E518-1747-8039-6AB5F6F6D007}"/>
+              </a:ext>
+            </a:extLst>
+          </p:cNvPr>
+          <p:cNvSpPr/>
+          <p:nvPr/>
+        </p:nvSpPr>
+        <p:spPr>
+          <a:xfrm>
+            <a:off x="373157" y="3436357"/>
+            <a:ext cx="1260390" cy="580767"/>
+          </a:xfrm>
+          <a:prstGeom prst="ellipse">
+            <a:avLst/>
+          </a:prstGeom>
+          <a:noFill/>
+          <a:ln w="25400">
+            <a:solidFill>
+              <a:srgbClr val="FF0000"/>
+            </a:solidFill>
+            <a:prstDash val="sysDot"/>
+          </a:ln>
+        </p:spPr>
+        <p:style>
+          <a:lnRef idx="2">
+            <a:schemeClr val="accent1">
+              <a:shade val="50000"/>
+            </a:schemeClr>
+          </a:lnRef>
+          <a:fillRef idx="1">
+            <a:schemeClr val="accent1"/>
+          </a:fillRef>
+          <a:effectRef idx="0">
+            <a:schemeClr val="accent1"/>
+          </a:effectRef>
+          <a:fontRef idx="minor">
+            <a:schemeClr val="lt1"/>
+          </a:fontRef>
+        </p:style>
+        <p:txBody>
+          <a:bodyPr rtlCol="0" anchor="ctr"/>
+          <a:lstStyle/>
+          <a:p>
+            <a:pPr algn="ctr"/>
+            <a:endParaRPr lang="de-DE"/>
+          </a:p>
+        </p:txBody>
+      </p:sp>
+      <p:sp>
+        <p:nvSpPr>
+          <p:cNvPr id="14" name="Oval 13">
+            <a:extLst>
+              <a:ext uri="{FF2B5EF4-FFF2-40B4-BE49-F238E27FC236}">
+                <a16:creationId xmlns:a16="http://schemas.microsoft.com/office/drawing/2014/main" id="{A9FCBF11-FE62-2446-A010-A00E26A4D8D6}"/>
+              </a:ext>
+            </a:extLst>
+          </p:cNvPr>
+          <p:cNvSpPr/>
+          <p:nvPr/>
+        </p:nvSpPr>
+        <p:spPr>
+          <a:xfrm>
+            <a:off x="2526444" y="3393564"/>
+            <a:ext cx="1260390" cy="580767"/>
+          </a:xfrm>
+          <a:prstGeom prst="ellipse">
+            <a:avLst/>
+          </a:prstGeom>
+          <a:noFill/>
+          <a:ln w="25400">
+            <a:solidFill>
+              <a:srgbClr val="FF0000"/>
+            </a:solidFill>
+            <a:prstDash val="sysDot"/>
+          </a:ln>
+        </p:spPr>
+        <p:style>
+          <a:lnRef idx="2">
+            <a:schemeClr val="accent1">
+              <a:shade val="50000"/>
+            </a:schemeClr>
+          </a:lnRef>
+          <a:fillRef idx="1">
+            <a:schemeClr val="accent1"/>
+          </a:fillRef>
+          <a:effectRef idx="0">
+            <a:schemeClr val="accent1"/>
+          </a:effectRef>
+          <a:fontRef idx="minor">
+            <a:schemeClr val="lt1"/>
+          </a:fontRef>
+        </p:style>
+        <p:txBody>
+          <a:bodyPr rtlCol="0" anchor="ctr"/>
+          <a:lstStyle/>
+          <a:p>
+            <a:pPr algn="ctr"/>
+            <a:endParaRPr lang="de-DE"/>
+          </a:p>
+        </p:txBody>
+      </p:sp>
+      <p:sp>
+        <p:nvSpPr>
+          <p:cNvPr id="15" name="Oval 14">
+            <a:extLst>
+              <a:ext uri="{FF2B5EF4-FFF2-40B4-BE49-F238E27FC236}">
+                <a16:creationId xmlns:a16="http://schemas.microsoft.com/office/drawing/2014/main" id="{D56DBB79-26FD-5C45-8DFF-FAF9D7ED3383}"/>
+              </a:ext>
+            </a:extLst>
+          </p:cNvPr>
+          <p:cNvSpPr/>
+          <p:nvPr/>
+        </p:nvSpPr>
+        <p:spPr>
+          <a:xfrm>
+            <a:off x="9763085" y="1665128"/>
+            <a:ext cx="1260390" cy="580767"/>
+          </a:xfrm>
+          <a:prstGeom prst="ellipse">
+            <a:avLst/>
+          </a:prstGeom>
+          <a:noFill/>
+          <a:ln w="25400">
+            <a:solidFill>
+              <a:srgbClr val="FF0000"/>
+            </a:solidFill>
+            <a:prstDash val="sysDot"/>
+          </a:ln>
+        </p:spPr>
+        <p:style>
+          <a:lnRef idx="2">
+            <a:schemeClr val="accent1">
+              <a:shade val="50000"/>
+            </a:schemeClr>
+          </a:lnRef>
+          <a:fillRef idx="1">
+            <a:schemeClr val="accent1"/>
+          </a:fillRef>
+          <a:effectRef idx="0">
+            <a:schemeClr val="accent1"/>
+          </a:effectRef>
+          <a:fontRef idx="minor">
+            <a:schemeClr val="lt1"/>
+          </a:fontRef>
+        </p:style>
+        <p:txBody>
+          <a:bodyPr rtlCol="0" anchor="ctr"/>
+          <a:lstStyle/>
+          <a:p>
+            <a:pPr algn="ctr"/>
+            <a:endParaRPr lang="de-DE"/>
+          </a:p>
+        </p:txBody>
+      </p:sp>
+      <p:sp>
+        <p:nvSpPr>
+          <p:cNvPr id="16" name="Oval 15">
+            <a:extLst>
+              <a:ext uri="{FF2B5EF4-FFF2-40B4-BE49-F238E27FC236}">
+                <a16:creationId xmlns:a16="http://schemas.microsoft.com/office/drawing/2014/main" id="{F9E7C157-8AF7-FD42-87CD-AD91D8D1BE0E}"/>
+              </a:ext>
+            </a:extLst>
+          </p:cNvPr>
+          <p:cNvSpPr/>
+          <p:nvPr/>
+        </p:nvSpPr>
+        <p:spPr>
+          <a:xfrm>
+            <a:off x="9638442" y="4321722"/>
+            <a:ext cx="1260390" cy="580767"/>
+          </a:xfrm>
+          <a:prstGeom prst="ellipse">
+            <a:avLst/>
+          </a:prstGeom>
+          <a:noFill/>
+          <a:ln w="25400">
+            <a:solidFill>
+              <a:srgbClr val="FF0000"/>
+            </a:solidFill>
+            <a:prstDash val="sysDot"/>
+          </a:ln>
+        </p:spPr>
+        <p:style>
+          <a:lnRef idx="2">
+            <a:schemeClr val="accent1">
+              <a:shade val="50000"/>
+            </a:schemeClr>
+          </a:lnRef>
+          <a:fillRef idx="1">
+            <a:schemeClr val="accent1"/>
+          </a:fillRef>
+          <a:effectRef idx="0">
+            <a:schemeClr val="accent1"/>
+          </a:effectRef>
+          <a:fontRef idx="minor">
+            <a:schemeClr val="lt1"/>
+          </a:fontRef>
+        </p:style>
+        <p:txBody>
+          <a:bodyPr rtlCol="0" anchor="ctr"/>
+          <a:lstStyle/>
+          <a:p>
+            <a:pPr algn="ctr"/>
+            <a:endParaRPr lang="de-DE"/>
+          </a:p>
+        </p:txBody>
+      </p:sp>
+      <p:sp>
+        <p:nvSpPr>
+          <p:cNvPr id="17" name="Textfeld 16">
+            <a:extLst>
+              <a:ext uri="{FF2B5EF4-FFF2-40B4-BE49-F238E27FC236}">
+                <a16:creationId xmlns:a16="http://schemas.microsoft.com/office/drawing/2014/main" id="{5097CE70-2AE0-1F47-A386-CFA4F6F26EC6}"/>
+              </a:ext>
+            </a:extLst>
+          </p:cNvPr>
+          <p:cNvSpPr txBox="1"/>
+          <p:nvPr/>
+        </p:nvSpPr>
+        <p:spPr>
+          <a:xfrm>
+            <a:off x="5946501" y="582918"/>
+            <a:ext cx="5755546" cy="400110"/>
+          </a:xfrm>
+          <a:prstGeom prst="rect">
+            <a:avLst/>
+          </a:prstGeom>
+          <a:solidFill>
+            <a:schemeClr val="bg2"/>
+          </a:solidFill>
+        </p:spPr>
+        <p:txBody>
+          <a:bodyPr wrap="square" rtlCol="0">
+            <a:spAutoFit/>
+          </a:bodyPr>
+          <a:lstStyle/>
+          <a:p>
+            <a:r>
+              <a:rPr lang="de-DE" sz="2000">
+                <a:solidFill>
+                  <a:srgbClr val="FF0000"/>
+                </a:solidFill>
+                <a:sym typeface="Wingdings" pitchFamily="2" charset="2"/>
+              </a:rPr>
+              <a:t> Works fine for </a:t>
+            </a:r>
+            <a:r>
+              <a:rPr lang="de-DE" sz="2000" b="1">
+                <a:solidFill>
+                  <a:srgbClr val="FF0000"/>
+                </a:solidFill>
+                <a:sym typeface="Wingdings" pitchFamily="2" charset="2"/>
+              </a:rPr>
+              <a:t>short target length </a:t>
+            </a:r>
+            <a:r>
+              <a:rPr lang="de-DE" sz="2000">
+                <a:solidFill>
+                  <a:srgbClr val="FF0000"/>
+                </a:solidFill>
+                <a:sym typeface="Wingdings" pitchFamily="2" charset="2"/>
+              </a:rPr>
+              <a:t>up to 3 months</a:t>
+            </a:r>
+            <a:r>
+              <a:rPr lang="de-DE" sz="2000">
+                <a:solidFill>
+                  <a:srgbClr val="FF0000"/>
+                </a:solidFill>
+              </a:rPr>
+              <a:t>!</a:t>
+            </a:r>
+          </a:p>
+        </p:txBody>
+      </p:sp>
     </p:spTree>
     <p:extLst>
       <p:ext uri="{BB962C8B-B14F-4D97-AF65-F5344CB8AC3E}">
-        <p14:creationId xmlns:p14="http://schemas.microsoft.com/office/powerpoint/2010/main" val="2989734587"/>
+        <p14:creationId xmlns:p14="http://schemas.microsoft.com/office/powerpoint/2010/main" val="1402861701"/>
       </p:ext>
     </p:extLst>
   </p:cSld>
@@ -7934,42 +9064,70 @@
           <a:chExt cx="0" cy="0"/>
         </a:xfrm>
       </p:grpSpPr>
+      <p:sp>
+        <p:nvSpPr>
+          <p:cNvPr id="6" name="Textfeld 5">
+            <a:extLst>
+              <a:ext uri="{FF2B5EF4-FFF2-40B4-BE49-F238E27FC236}">
+                <a16:creationId xmlns:a16="http://schemas.microsoft.com/office/drawing/2014/main" id="{0FDFCF38-2125-FC44-8DC7-B38812BE71CF}"/>
+              </a:ext>
+            </a:extLst>
+          </p:cNvPr>
+          <p:cNvSpPr txBox="1"/>
+          <p:nvPr/>
+        </p:nvSpPr>
+        <p:spPr>
+          <a:xfrm>
+            <a:off x="341845" y="83130"/>
+            <a:ext cx="7988523" cy="830997"/>
+          </a:xfrm>
+          <a:prstGeom prst="rect">
+            <a:avLst/>
+          </a:prstGeom>
+          <a:noFill/>
+        </p:spPr>
+        <p:txBody>
+          <a:bodyPr wrap="square" rtlCol="0">
+            <a:spAutoFit/>
+          </a:bodyPr>
+          <a:lstStyle/>
+          <a:p>
+            <a:r>
+              <a:rPr lang="de-DE" sz="2400" b="1" dirty="0"/>
+              <a:t>Fidelity check for base ESN on ENSO index</a:t>
+            </a:r>
+          </a:p>
+          <a:p>
+            <a:r>
+              <a:rPr lang="de-DE" sz="2400" dirty="0">
+                <a:solidFill>
+                  <a:srgbClr val="FF0000"/>
+                </a:solidFill>
+              </a:rPr>
+              <a:t>target_length = </a:t>
+            </a:r>
+            <a:r>
+              <a:rPr lang="de-DE" sz="2400" b="1" dirty="0">
+                <a:solidFill>
+                  <a:srgbClr val="FF0000"/>
+                </a:solidFill>
+              </a:rPr>
+              <a:t>1 month</a:t>
+            </a:r>
+            <a:endParaRPr lang="de-DE" sz="2400" b="1" baseline="30000" dirty="0">
+              <a:solidFill>
+                <a:srgbClr val="FF0000"/>
+              </a:solidFill>
+            </a:endParaRPr>
+          </a:p>
+        </p:txBody>
+      </p:sp>
       <p:pic>
         <p:nvPicPr>
-          <p:cNvPr id="2" name="Grafik 1">
-            <a:extLst>
-              <a:ext uri="{FF2B5EF4-FFF2-40B4-BE49-F238E27FC236}">
-                <a16:creationId xmlns:a16="http://schemas.microsoft.com/office/drawing/2014/main" id="{C35168D1-E2CD-0845-AD26-13BA86FA8F9C}"/>
-              </a:ext>
-            </a:extLst>
-          </p:cNvPr>
-          <p:cNvPicPr>
-            <a:picLocks noChangeAspect="1"/>
-          </p:cNvPicPr>
-          <p:nvPr/>
-        </p:nvPicPr>
-        <p:blipFill>
-          <a:blip r:embed="rId3"/>
-          <a:stretch>
-            <a:fillRect/>
-          </a:stretch>
-        </p:blipFill>
-        <p:spPr>
-          <a:xfrm>
-            <a:off x="311151" y="2318848"/>
-            <a:ext cx="2595238" cy="2283152"/>
-          </a:xfrm>
-          <a:prstGeom prst="rect">
-            <a:avLst/>
-          </a:prstGeom>
-        </p:spPr>
-      </p:pic>
-      <p:pic>
-        <p:nvPicPr>
-          <p:cNvPr id="7170" name="Picture 2">
-            <a:extLst>
-              <a:ext uri="{FF2B5EF4-FFF2-40B4-BE49-F238E27FC236}">
-                <a16:creationId xmlns:a16="http://schemas.microsoft.com/office/drawing/2014/main" id="{A0D1DC55-5D4B-3B45-B1DA-E3535ED8B58A}"/>
+          <p:cNvPr id="3074" name="Picture 2">
+            <a:extLst>
+              <a:ext uri="{FF2B5EF4-FFF2-40B4-BE49-F238E27FC236}">
+                <a16:creationId xmlns:a16="http://schemas.microsoft.com/office/drawing/2014/main" id="{D66DD9C0-7240-C148-863F-004E5A3BA6FD}"/>
               </a:ext>
             </a:extLst>
           </p:cNvPr>
@@ -7979,7 +9137,7 @@
           <p:nvPr/>
         </p:nvPicPr>
         <p:blipFill>
-          <a:blip r:embed="rId4">
+          <a:blip r:embed="rId2">
             <a:extLst>
               <a:ext uri="{28A0092B-C50C-407E-A947-70E740481C1C}">
                 <a14:useLocalDpi xmlns:a14="http://schemas.microsoft.com/office/drawing/2010/main" val="0"/>
@@ -7993,8 +9151,8 @@
         </p:blipFill>
         <p:spPr bwMode="auto">
           <a:xfrm>
-            <a:off x="3096186" y="1605893"/>
-            <a:ext cx="8770374" cy="4639334"/>
+            <a:off x="3100385" y="1605893"/>
+            <a:ext cx="8751887" cy="4639332"/>
           </a:xfrm>
           <a:prstGeom prst="rect">
             <a:avLst/>
@@ -8011,121 +9169,42 @@
           </a:extLst>
         </p:spPr>
       </p:pic>
-      <p:sp>
-        <p:nvSpPr>
-          <p:cNvPr id="6" name="Textfeld 5">
-            <a:extLst>
-              <a:ext uri="{FF2B5EF4-FFF2-40B4-BE49-F238E27FC236}">
-                <a16:creationId xmlns:a16="http://schemas.microsoft.com/office/drawing/2014/main" id="{0FDFCF38-2125-FC44-8DC7-B38812BE71CF}"/>
-              </a:ext>
-            </a:extLst>
-          </p:cNvPr>
-          <p:cNvSpPr txBox="1"/>
-          <p:nvPr/>
-        </p:nvSpPr>
-        <p:spPr>
-          <a:xfrm>
-            <a:off x="341845" y="83130"/>
-            <a:ext cx="7988523" cy="830997"/>
+      <p:pic>
+        <p:nvPicPr>
+          <p:cNvPr id="5" name="Grafik 4">
+            <a:extLst>
+              <a:ext uri="{FF2B5EF4-FFF2-40B4-BE49-F238E27FC236}">
+                <a16:creationId xmlns:a16="http://schemas.microsoft.com/office/drawing/2014/main" id="{08E8A813-63A1-124A-97AF-796E0E484018}"/>
+              </a:ext>
+            </a:extLst>
+          </p:cNvPr>
+          <p:cNvPicPr>
+            <a:picLocks noChangeAspect="1"/>
+          </p:cNvPicPr>
+          <p:nvPr/>
+        </p:nvPicPr>
+        <p:blipFill>
+          <a:blip r:embed="rId3"/>
+          <a:stretch>
+            <a:fillRect/>
+          </a:stretch>
+        </p:blipFill>
+        <p:spPr>
+          <a:xfrm>
+            <a:off x="296864" y="2287423"/>
+            <a:ext cx="2595240" cy="2283154"/>
           </a:xfrm>
           <a:prstGeom prst="rect">
             <a:avLst/>
           </a:prstGeom>
-          <a:noFill/>
-        </p:spPr>
-        <p:txBody>
-          <a:bodyPr wrap="square" rtlCol="0">
-            <a:spAutoFit/>
-          </a:bodyPr>
-          <a:lstStyle/>
-          <a:p>
-            <a:r>
-              <a:rPr lang="de-DE" sz="2400" b="1" dirty="0"/>
-              <a:t>Fidelity check for base ESN on ENSO index</a:t>
-            </a:r>
-            <a:r>
-              <a:rPr lang="de-DE" sz="2400" dirty="0"/>
-              <a:t>*</a:t>
-            </a:r>
-            <a:r>
-              <a:rPr lang="de-DE" sz="2400" baseline="30000" dirty="0"/>
-              <a:t>)</a:t>
-            </a:r>
-          </a:p>
-          <a:p>
-            <a:r>
-              <a:rPr lang="de-DE" sz="2400" dirty="0">
-                <a:solidFill>
-                  <a:srgbClr val="FF0000"/>
-                </a:solidFill>
-              </a:rPr>
-              <a:t>target_length = </a:t>
-            </a:r>
-            <a:r>
-              <a:rPr lang="de-DE" sz="2400" b="1" dirty="0">
-                <a:solidFill>
-                  <a:srgbClr val="FF0000"/>
-                </a:solidFill>
-              </a:rPr>
-              <a:t>6 months</a:t>
-            </a:r>
-            <a:endParaRPr lang="de-DE" sz="2400" b="1" baseline="30000" dirty="0">
-              <a:solidFill>
-                <a:srgbClr val="FF0000"/>
-              </a:solidFill>
-            </a:endParaRPr>
-          </a:p>
-        </p:txBody>
-      </p:sp>
-      <p:sp>
-        <p:nvSpPr>
-          <p:cNvPr id="12" name="Textfeld 11">
-            <a:extLst>
-              <a:ext uri="{FF2B5EF4-FFF2-40B4-BE49-F238E27FC236}">
-                <a16:creationId xmlns:a16="http://schemas.microsoft.com/office/drawing/2014/main" id="{919ED181-7C4E-364A-8F1F-223512ACC688}"/>
-              </a:ext>
-            </a:extLst>
-          </p:cNvPr>
-          <p:cNvSpPr txBox="1"/>
-          <p:nvPr/>
-        </p:nvSpPr>
-        <p:spPr>
-          <a:xfrm>
-            <a:off x="9372600" y="66742"/>
-            <a:ext cx="2819401" cy="307777"/>
-          </a:xfrm>
-          <a:prstGeom prst="rect">
-            <a:avLst/>
-          </a:prstGeom>
-          <a:noFill/>
-        </p:spPr>
-        <p:txBody>
-          <a:bodyPr wrap="square" rtlCol="0">
-            <a:spAutoFit/>
-          </a:bodyPr>
-          <a:lstStyle/>
-          <a:p>
-            <a:r>
-              <a:rPr lang="de-DE" sz="1400"/>
-              <a:t>*</a:t>
-            </a:r>
-            <a:r>
-              <a:rPr lang="de-DE" sz="1400" baseline="30000"/>
-              <a:t>)</a:t>
-            </a:r>
-            <a:r>
-              <a:rPr lang="de-DE" sz="1400"/>
-              <a:t> scaled inputs for stability reasons</a:t>
-            </a:r>
-          </a:p>
-        </p:txBody>
-      </p:sp>
-      <p:sp>
-        <p:nvSpPr>
-          <p:cNvPr id="8" name="Oval 7">
-            <a:extLst>
-              <a:ext uri="{FF2B5EF4-FFF2-40B4-BE49-F238E27FC236}">
-                <a16:creationId xmlns:a16="http://schemas.microsoft.com/office/drawing/2014/main" id="{B2C89FA4-37EF-E549-BEDB-E22BB70460EA}"/>
+        </p:spPr>
+      </p:pic>
+      <p:sp>
+        <p:nvSpPr>
+          <p:cNvPr id="19" name="Oval 18">
+            <a:extLst>
+              <a:ext uri="{FF2B5EF4-FFF2-40B4-BE49-F238E27FC236}">
+                <a16:creationId xmlns:a16="http://schemas.microsoft.com/office/drawing/2014/main" id="{8B7D014A-64E3-154D-B649-B8B8B2992827}"/>
               </a:ext>
             </a:extLst>
           </p:cNvPr>
@@ -8176,7 +9255,7 @@
     </p:spTree>
     <p:extLst>
       <p:ext uri="{BB962C8B-B14F-4D97-AF65-F5344CB8AC3E}">
-        <p14:creationId xmlns:p14="http://schemas.microsoft.com/office/powerpoint/2010/main" val="94367027"/>
+        <p14:creationId xmlns:p14="http://schemas.microsoft.com/office/powerpoint/2010/main" val="641560152"/>
       </p:ext>
     </p:extLst>
   </p:cSld>
@@ -8203,41 +9282,89 @@
           <a:chExt cx="0" cy="0"/>
         </a:xfrm>
       </p:grpSpPr>
-      <p:sp>
-        <p:nvSpPr>
-          <p:cNvPr id="4" name="Foliennummernplatzhalter 3">
-            <a:extLst>
-              <a:ext uri="{FF2B5EF4-FFF2-40B4-BE49-F238E27FC236}">
-                <a16:creationId xmlns:a16="http://schemas.microsoft.com/office/drawing/2014/main" id="{9752BF9B-20ED-124C-8D78-032D3F29C212}"/>
-              </a:ext>
-            </a:extLst>
-          </p:cNvPr>
-          <p:cNvSpPr>
-            <a:spLocks noGrp="1"/>
-          </p:cNvSpPr>
-          <p:nvPr>
-            <p:ph type="sldNum" sz="quarter" idx="12"/>
-          </p:nvPr>
-        </p:nvSpPr>
-        <p:spPr/>
-        <p:txBody>
-          <a:bodyPr/>
-          <a:lstStyle/>
-          <a:p>
-            <a:fld id="{884D93BF-CEC1-484B-B797-4695C35961E3}" type="slidenum">
-              <a:rPr lang="de-DE" smtClean="0"/>
-              <a:t>18</a:t>
-            </a:fld>
-            <a:endParaRPr lang="de-DE"/>
-          </a:p>
-        </p:txBody>
-      </p:sp>
-      <p:sp>
-        <p:nvSpPr>
-          <p:cNvPr id="7" name="Textfeld 6">
-            <a:extLst>
-              <a:ext uri="{FF2B5EF4-FFF2-40B4-BE49-F238E27FC236}">
-                <a16:creationId xmlns:a16="http://schemas.microsoft.com/office/drawing/2014/main" id="{FF8A926B-8B78-834F-BFBA-9405321487C6}"/>
+      <p:pic>
+        <p:nvPicPr>
+          <p:cNvPr id="4" name="Grafik 3">
+            <a:extLst>
+              <a:ext uri="{FF2B5EF4-FFF2-40B4-BE49-F238E27FC236}">
+                <a16:creationId xmlns:a16="http://schemas.microsoft.com/office/drawing/2014/main" id="{A373366A-4974-E641-977D-37D2EADCAEF5}"/>
+              </a:ext>
+            </a:extLst>
+          </p:cNvPr>
+          <p:cNvPicPr>
+            <a:picLocks noChangeAspect="1"/>
+          </p:cNvPicPr>
+          <p:nvPr/>
+        </p:nvPicPr>
+        <p:blipFill>
+          <a:blip r:embed="rId3"/>
+          <a:stretch>
+            <a:fillRect/>
+          </a:stretch>
+        </p:blipFill>
+        <p:spPr>
+          <a:xfrm>
+            <a:off x="311151" y="2231698"/>
+            <a:ext cx="2595239" cy="2283153"/>
+          </a:xfrm>
+          <a:prstGeom prst="rect">
+            <a:avLst/>
+          </a:prstGeom>
+        </p:spPr>
+      </p:pic>
+      <p:pic>
+        <p:nvPicPr>
+          <p:cNvPr id="5126" name="Picture 6">
+            <a:extLst>
+              <a:ext uri="{FF2B5EF4-FFF2-40B4-BE49-F238E27FC236}">
+                <a16:creationId xmlns:a16="http://schemas.microsoft.com/office/drawing/2014/main" id="{14A95079-ADC4-4141-B993-47E05073BB6E}"/>
+              </a:ext>
+            </a:extLst>
+          </p:cNvPr>
+          <p:cNvPicPr>
+            <a:picLocks noChangeAspect="1" noChangeArrowheads="1"/>
+          </p:cNvPicPr>
+          <p:nvPr/>
+        </p:nvPicPr>
+        <p:blipFill>
+          <a:blip r:embed="rId4">
+            <a:extLst>
+              <a:ext uri="{28A0092B-C50C-407E-A947-70E740481C1C}">
+                <a14:useLocalDpi xmlns:a14="http://schemas.microsoft.com/office/drawing/2010/main" val="0"/>
+              </a:ext>
+            </a:extLst>
+          </a:blip>
+          <a:srcRect/>
+          <a:stretch>
+            <a:fillRect/>
+          </a:stretch>
+        </p:blipFill>
+        <p:spPr bwMode="auto">
+          <a:xfrm>
+            <a:off x="3114671" y="1605893"/>
+            <a:ext cx="8751889" cy="4639333"/>
+          </a:xfrm>
+          <a:prstGeom prst="rect">
+            <a:avLst/>
+          </a:prstGeom>
+          <a:noFill/>
+          <a:extLst>
+            <a:ext uri="{909E8E84-426E-40DD-AFC4-6F175D3DCCD1}">
+              <a14:hiddenFill xmlns:a14="http://schemas.microsoft.com/office/drawing/2010/main">
+                <a:solidFill>
+                  <a:srgbClr val="FFFFFF"/>
+                </a:solidFill>
+              </a14:hiddenFill>
+            </a:ext>
+          </a:extLst>
+        </p:spPr>
+      </p:pic>
+      <p:sp>
+        <p:nvSpPr>
+          <p:cNvPr id="6" name="Textfeld 5">
+            <a:extLst>
+              <a:ext uri="{FF2B5EF4-FFF2-40B4-BE49-F238E27FC236}">
+                <a16:creationId xmlns:a16="http://schemas.microsoft.com/office/drawing/2014/main" id="{0FDFCF38-2125-FC44-8DC7-B38812BE71CF}"/>
               </a:ext>
             </a:extLst>
           </p:cNvPr>
@@ -8246,8 +9373,8 @@
         </p:nvSpPr>
         <p:spPr>
           <a:xfrm>
-            <a:off x="365769" y="302411"/>
-            <a:ext cx="6674128" cy="461665"/>
+            <a:off x="341845" y="83130"/>
+            <a:ext cx="7988523" cy="830997"/>
           </a:xfrm>
           <a:prstGeom prst="rect">
             <a:avLst/>
@@ -8262,17 +9389,48 @@
           <a:p>
             <a:r>
               <a:rPr lang="de-DE" sz="2400" b="1" dirty="0"/>
-              <a:t>Discussion on Gradient Descent Optimization</a:t>
-            </a:r>
-          </a:p>
-        </p:txBody>
-      </p:sp>
-      <p:sp>
-        <p:nvSpPr>
-          <p:cNvPr id="5" name="Textfeld 4">
-            <a:extLst>
-              <a:ext uri="{FF2B5EF4-FFF2-40B4-BE49-F238E27FC236}">
-                <a16:creationId xmlns:a16="http://schemas.microsoft.com/office/drawing/2014/main" id="{7B349DC1-8020-704C-A9A0-4D7FFCADBAC0}"/>
+              <a:t>Fidelity check for base ESN on ENSO index</a:t>
+            </a:r>
+            <a:r>
+              <a:rPr lang="de-DE" sz="2400" dirty="0"/>
+              <a:t>*</a:t>
+            </a:r>
+            <a:r>
+              <a:rPr lang="de-DE" sz="2400" baseline="30000" dirty="0"/>
+              <a:t>)</a:t>
+            </a:r>
+          </a:p>
+          <a:p>
+            <a:r>
+              <a:rPr lang="de-DE" sz="2400" dirty="0">
+                <a:solidFill>
+                  <a:srgbClr val="FF0000"/>
+                </a:solidFill>
+              </a:rPr>
+              <a:t>target_length = </a:t>
+            </a:r>
+            <a:r>
+              <a:rPr lang="de-DE" sz="2400" b="1" dirty="0">
+                <a:solidFill>
+                  <a:srgbClr val="FF0000"/>
+                </a:solidFill>
+              </a:rPr>
+              <a:t>3 months</a:t>
+            </a:r>
+            <a:endParaRPr lang="de-DE" sz="2400" b="1" baseline="30000" dirty="0">
+              <a:solidFill>
+                <a:srgbClr val="FF0000"/>
+              </a:solidFill>
+            </a:endParaRPr>
+          </a:p>
+        </p:txBody>
+      </p:sp>
+      <p:sp>
+        <p:nvSpPr>
+          <p:cNvPr id="12" name="Textfeld 11">
+            <a:extLst>
+              <a:ext uri="{FF2B5EF4-FFF2-40B4-BE49-F238E27FC236}">
+                <a16:creationId xmlns:a16="http://schemas.microsoft.com/office/drawing/2014/main" id="{919ED181-7C4E-364A-8F1F-223512ACC688}"/>
               </a:ext>
             </a:extLst>
           </p:cNvPr>
@@ -8281,8 +9439,8 @@
         </p:nvSpPr>
         <p:spPr>
           <a:xfrm>
-            <a:off x="543697" y="1112108"/>
-            <a:ext cx="10600553" cy="3416320"/>
+            <a:off x="9372600" y="66742"/>
+            <a:ext cx="2819401" cy="307777"/>
           </a:xfrm>
           <a:prstGeom prst="rect">
             <a:avLst/>
@@ -8295,152 +9453,70 @@
           </a:bodyPr>
           <a:lstStyle/>
           <a:p>
-            <a:pPr marL="285750" indent="-285750">
-              <a:buFont typeface="Arial" panose="020B0604020202020204" pitchFamily="34" charset="0"/>
-              <a:buChar char="•"/>
-            </a:pPr>
-            <a:r>
-              <a:rPr lang="de-DE" b="1"/>
-              <a:t>Very fast </a:t>
-            </a:r>
-            <a:r>
-              <a:rPr lang="de-DE"/>
-              <a:t>optimization (compared to gridsearch over ALL possible parameter combinations).</a:t>
-            </a:r>
-          </a:p>
-          <a:p>
-            <a:pPr marL="285750" indent="-285750">
-              <a:buFont typeface="Arial" panose="020B0604020202020204" pitchFamily="34" charset="0"/>
-              <a:buChar char="•"/>
-            </a:pPr>
-            <a:r>
-              <a:rPr lang="de-DE"/>
-              <a:t>Observe that we </a:t>
-            </a:r>
-            <a:r>
-              <a:rPr lang="de-DE" b="1"/>
-              <a:t>get back some problems </a:t>
-            </a:r>
-            <a:r>
-              <a:rPr lang="de-DE"/>
-              <a:t>from training ANNs, when we apply gradient descent optimization:</a:t>
-            </a:r>
-          </a:p>
-          <a:p>
-            <a:pPr marL="742950" lvl="1" indent="-285750">
-              <a:buFont typeface="Courier New" panose="02070309020205020404" pitchFamily="49" charset="0"/>
-              <a:buChar char="o"/>
-            </a:pPr>
-            <a:r>
-              <a:rPr lang="de-DE" b="1"/>
-              <a:t>overfitting</a:t>
-            </a:r>
-            <a:r>
-              <a:rPr lang="de-DE"/>
-              <a:t>: train_mse decreases while val_mse starts to rise or even explodes. Force early stopping!</a:t>
-            </a:r>
-          </a:p>
-          <a:p>
-            <a:pPr marL="742950" lvl="1" indent="-285750">
-              <a:buFont typeface="Courier New" panose="02070309020205020404" pitchFamily="49" charset="0"/>
-              <a:buChar char="o"/>
-            </a:pPr>
-            <a:r>
-              <a:rPr lang="de-DE"/>
-              <a:t>Can be </a:t>
-            </a:r>
-            <a:r>
-              <a:rPr lang="de-DE" b="1"/>
-              <a:t>stuck in local minimum </a:t>
-            </a:r>
-            <a:r>
-              <a:rPr lang="de-DE"/>
-              <a:t>of parameter space.</a:t>
-            </a:r>
-          </a:p>
-          <a:p>
-            <a:pPr marL="285750" indent="-285750">
-              <a:buFont typeface="Courier New" panose="02070309020205020404" pitchFamily="49" charset="0"/>
-              <a:buChar char="o"/>
-            </a:pPr>
-            <a:r>
-              <a:rPr lang="de-DE"/>
-              <a:t>Challenge: How to find „suitable“ initial parameters? (see paper [Öztürk et al., 2020], they use fisher maximation)</a:t>
-            </a:r>
-          </a:p>
-          <a:p>
-            <a:pPr lvl="1"/>
-            <a:endParaRPr lang="de-DE"/>
-          </a:p>
-          <a:p>
-            <a:r>
-              <a:rPr lang="de-DE"/>
-              <a:t>Some optional next steps to keep in mind:</a:t>
-            </a:r>
-          </a:p>
-          <a:p>
-            <a:pPr marL="285750" indent="-285750">
-              <a:buFont typeface="Arial" panose="020B0604020202020204" pitchFamily="34" charset="0"/>
-              <a:buChar char="•"/>
-            </a:pPr>
-            <a:r>
-              <a:rPr lang="de-DE"/>
-              <a:t>Check: Do multiple runs leed to comparable/similar optimal parameters? (--&gt; </a:t>
-            </a:r>
-            <a:r>
-              <a:rPr lang="de-DE" b="1"/>
-              <a:t>Reproducibility</a:t>
-            </a:r>
-            <a:r>
-              <a:rPr lang="de-DE"/>
-              <a:t> desired!)</a:t>
-            </a:r>
-          </a:p>
-          <a:p>
-            <a:pPr marL="285750" indent="-285750">
-              <a:buFont typeface="Arial" panose="020B0604020202020204" pitchFamily="34" charset="0"/>
-              <a:buChar char="•"/>
-            </a:pPr>
-            <a:r>
-              <a:rPr lang="de-DE"/>
-              <a:t>One could try to </a:t>
-            </a:r>
-            <a:r>
-              <a:rPr lang="de-DE" b="1"/>
-              <a:t>extend the optimization algorithm to DeepESN </a:t>
-            </a:r>
-            <a:r>
-              <a:rPr lang="de-DE"/>
-              <a:t>models: Further parameter n_layers.</a:t>
-            </a:r>
-          </a:p>
-          <a:p>
-            <a:pPr marL="285750" indent="-285750">
-              <a:buFont typeface="Arial" panose="020B0604020202020204" pitchFamily="34" charset="0"/>
-              <a:buChar char="•"/>
-            </a:pPr>
-            <a:r>
-              <a:rPr lang="de-DE"/>
-              <a:t>Could think of </a:t>
-            </a:r>
-            <a:r>
-              <a:rPr lang="de-DE" b="1"/>
-              <a:t>adding some form of </a:t>
-            </a:r>
-            <a:r>
-              <a:rPr lang="de-DE" b="1" i="1"/>
-              <a:t>momentum</a:t>
-            </a:r>
-            <a:r>
-              <a:rPr lang="de-DE"/>
-              <a:t>, like in ADAM optimizer.</a:t>
-            </a:r>
-          </a:p>
-          <a:p>
-            <a:pPr marL="285750" indent="-285750">
-              <a:buFont typeface="Arial" panose="020B0604020202020204" pitchFamily="34" charset="0"/>
-              <a:buChar char="•"/>
-            </a:pPr>
+            <a:r>
+              <a:rPr lang="de-DE" sz="1400"/>
+              <a:t>*</a:t>
+            </a:r>
+            <a:r>
+              <a:rPr lang="de-DE" sz="1400" baseline="30000"/>
+              <a:t>)</a:t>
+            </a:r>
+            <a:r>
+              <a:rPr lang="de-DE" sz="1400"/>
+              <a:t> scaled inputs for stability reasons</a:t>
+            </a:r>
+          </a:p>
+        </p:txBody>
+      </p:sp>
+      <p:sp>
+        <p:nvSpPr>
+          <p:cNvPr id="13" name="Oval 12">
+            <a:extLst>
+              <a:ext uri="{FF2B5EF4-FFF2-40B4-BE49-F238E27FC236}">
+                <a16:creationId xmlns:a16="http://schemas.microsoft.com/office/drawing/2014/main" id="{230C8DF7-208A-E147-987C-01E5FD8856E3}"/>
+              </a:ext>
+            </a:extLst>
+          </p:cNvPr>
+          <p:cNvSpPr/>
+          <p:nvPr/>
+        </p:nvSpPr>
+        <p:spPr>
+          <a:xfrm>
+            <a:off x="1240569" y="2593465"/>
+            <a:ext cx="1202594" cy="549786"/>
+          </a:xfrm>
+          <a:prstGeom prst="ellipse">
+            <a:avLst/>
+          </a:prstGeom>
+          <a:noFill/>
+          <a:ln w="25400">
+            <a:solidFill>
+              <a:srgbClr val="FF0000"/>
+            </a:solidFill>
+            <a:prstDash val="sysDot"/>
+          </a:ln>
+        </p:spPr>
+        <p:style>
+          <a:lnRef idx="2">
+            <a:schemeClr val="accent1">
+              <a:shade val="50000"/>
+            </a:schemeClr>
+          </a:lnRef>
+          <a:fillRef idx="1">
+            <a:schemeClr val="accent1"/>
+          </a:fillRef>
+          <a:effectRef idx="0">
+            <a:schemeClr val="accent1"/>
+          </a:effectRef>
+          <a:fontRef idx="minor">
+            <a:schemeClr val="lt1"/>
+          </a:fontRef>
+        </p:style>
+        <p:txBody>
+          <a:bodyPr rtlCol="0" anchor="ctr"/>
+          <a:lstStyle/>
+          <a:p>
+            <a:pPr algn="ctr"/>
             <a:endParaRPr lang="de-DE"/>
           </a:p>
         </p:txBody>
@@ -8448,7 +9524,7 @@
     </p:spTree>
     <p:extLst>
       <p:ext uri="{BB962C8B-B14F-4D97-AF65-F5344CB8AC3E}">
-        <p14:creationId xmlns:p14="http://schemas.microsoft.com/office/powerpoint/2010/main" val="1947400364"/>
+        <p14:creationId xmlns:p14="http://schemas.microsoft.com/office/powerpoint/2010/main" val="2989734587"/>
       </p:ext>
     </p:extLst>
   </p:cSld>
@@ -8475,41 +9551,89 @@
           <a:chExt cx="0" cy="0"/>
         </a:xfrm>
       </p:grpSpPr>
-      <p:sp>
-        <p:nvSpPr>
-          <p:cNvPr id="4" name="Foliennummernplatzhalter 3">
-            <a:extLst>
-              <a:ext uri="{FF2B5EF4-FFF2-40B4-BE49-F238E27FC236}">
-                <a16:creationId xmlns:a16="http://schemas.microsoft.com/office/drawing/2014/main" id="{9752BF9B-20ED-124C-8D78-032D3F29C212}"/>
-              </a:ext>
-            </a:extLst>
-          </p:cNvPr>
-          <p:cNvSpPr>
-            <a:spLocks noGrp="1"/>
-          </p:cNvSpPr>
-          <p:nvPr>
-            <p:ph type="sldNum" sz="quarter" idx="12"/>
-          </p:nvPr>
-        </p:nvSpPr>
-        <p:spPr/>
-        <p:txBody>
-          <a:bodyPr/>
-          <a:lstStyle/>
-          <a:p>
-            <a:fld id="{884D93BF-CEC1-484B-B797-4695C35961E3}" type="slidenum">
-              <a:rPr lang="de-DE" smtClean="0"/>
-              <a:t>19</a:t>
-            </a:fld>
-            <a:endParaRPr lang="de-DE"/>
-          </a:p>
-        </p:txBody>
-      </p:sp>
-      <p:sp>
-        <p:nvSpPr>
-          <p:cNvPr id="7" name="Textfeld 6">
-            <a:extLst>
-              <a:ext uri="{FF2B5EF4-FFF2-40B4-BE49-F238E27FC236}">
-                <a16:creationId xmlns:a16="http://schemas.microsoft.com/office/drawing/2014/main" id="{FF8A926B-8B78-834F-BFBA-9405321487C6}"/>
+      <p:pic>
+        <p:nvPicPr>
+          <p:cNvPr id="1026" name="Picture 2">
+            <a:extLst>
+              <a:ext uri="{FF2B5EF4-FFF2-40B4-BE49-F238E27FC236}">
+                <a16:creationId xmlns:a16="http://schemas.microsoft.com/office/drawing/2014/main" id="{85495736-A7CE-3D46-8D53-E92EB826BBAC}"/>
+              </a:ext>
+            </a:extLst>
+          </p:cNvPr>
+          <p:cNvPicPr>
+            <a:picLocks noChangeAspect="1" noChangeArrowheads="1"/>
+          </p:cNvPicPr>
+          <p:nvPr/>
+        </p:nvPicPr>
+        <p:blipFill>
+          <a:blip r:embed="rId3">
+            <a:extLst>
+              <a:ext uri="{28A0092B-C50C-407E-A947-70E740481C1C}">
+                <a14:useLocalDpi xmlns:a14="http://schemas.microsoft.com/office/drawing/2010/main" val="0"/>
+              </a:ext>
+            </a:extLst>
+          </a:blip>
+          <a:srcRect/>
+          <a:stretch>
+            <a:fillRect/>
+          </a:stretch>
+        </p:blipFill>
+        <p:spPr bwMode="auto">
+          <a:xfrm>
+            <a:off x="3096186" y="1616796"/>
+            <a:ext cx="8784663" cy="4646892"/>
+          </a:xfrm>
+          <a:prstGeom prst="rect">
+            <a:avLst/>
+          </a:prstGeom>
+          <a:noFill/>
+          <a:extLst>
+            <a:ext uri="{909E8E84-426E-40DD-AFC4-6F175D3DCCD1}">
+              <a14:hiddenFill xmlns:a14="http://schemas.microsoft.com/office/drawing/2010/main">
+                <a:solidFill>
+                  <a:srgbClr val="FFFFFF"/>
+                </a:solidFill>
+              </a14:hiddenFill>
+            </a:ext>
+          </a:extLst>
+        </p:spPr>
+      </p:pic>
+      <p:pic>
+        <p:nvPicPr>
+          <p:cNvPr id="2" name="Grafik 1">
+            <a:extLst>
+              <a:ext uri="{FF2B5EF4-FFF2-40B4-BE49-F238E27FC236}">
+                <a16:creationId xmlns:a16="http://schemas.microsoft.com/office/drawing/2014/main" id="{C35168D1-E2CD-0845-AD26-13BA86FA8F9C}"/>
+              </a:ext>
+            </a:extLst>
+          </p:cNvPr>
+          <p:cNvPicPr>
+            <a:picLocks noChangeAspect="1"/>
+          </p:cNvPicPr>
+          <p:nvPr/>
+        </p:nvPicPr>
+        <p:blipFill>
+          <a:blip r:embed="rId4"/>
+          <a:stretch>
+            <a:fillRect/>
+          </a:stretch>
+        </p:blipFill>
+        <p:spPr>
+          <a:xfrm>
+            <a:off x="311151" y="2318848"/>
+            <a:ext cx="2595238" cy="2283152"/>
+          </a:xfrm>
+          <a:prstGeom prst="rect">
+            <a:avLst/>
+          </a:prstGeom>
+        </p:spPr>
+      </p:pic>
+      <p:sp>
+        <p:nvSpPr>
+          <p:cNvPr id="6" name="Textfeld 5">
+            <a:extLst>
+              <a:ext uri="{FF2B5EF4-FFF2-40B4-BE49-F238E27FC236}">
+                <a16:creationId xmlns:a16="http://schemas.microsoft.com/office/drawing/2014/main" id="{0FDFCF38-2125-FC44-8DC7-B38812BE71CF}"/>
               </a:ext>
             </a:extLst>
           </p:cNvPr>
@@ -8518,8 +9642,8 @@
         </p:nvSpPr>
         <p:spPr>
           <a:xfrm>
-            <a:off x="365769" y="302411"/>
-            <a:ext cx="6674128" cy="461665"/>
+            <a:off x="341845" y="83130"/>
+            <a:ext cx="7988523" cy="830997"/>
           </a:xfrm>
           <a:prstGeom prst="rect">
             <a:avLst/>
@@ -8534,17 +9658,48 @@
           <a:p>
             <a:r>
               <a:rPr lang="de-DE" sz="2400" b="1" dirty="0"/>
-              <a:t>Summary and Outlook</a:t>
-            </a:r>
-          </a:p>
-        </p:txBody>
-      </p:sp>
-      <p:sp>
-        <p:nvSpPr>
-          <p:cNvPr id="5" name="Textfeld 4">
-            <a:extLst>
-              <a:ext uri="{FF2B5EF4-FFF2-40B4-BE49-F238E27FC236}">
-                <a16:creationId xmlns:a16="http://schemas.microsoft.com/office/drawing/2014/main" id="{7B349DC1-8020-704C-A9A0-4D7FFCADBAC0}"/>
+              <a:t>Fidelity check for base ESN on ENSO index</a:t>
+            </a:r>
+            <a:r>
+              <a:rPr lang="de-DE" sz="2400" dirty="0"/>
+              <a:t>*</a:t>
+            </a:r>
+            <a:r>
+              <a:rPr lang="de-DE" sz="2400" baseline="30000" dirty="0"/>
+              <a:t>)</a:t>
+            </a:r>
+          </a:p>
+          <a:p>
+            <a:r>
+              <a:rPr lang="de-DE" sz="2400" dirty="0">
+                <a:solidFill>
+                  <a:srgbClr val="FF0000"/>
+                </a:solidFill>
+              </a:rPr>
+              <a:t>target_length = </a:t>
+            </a:r>
+            <a:r>
+              <a:rPr lang="de-DE" sz="2400" b="1" dirty="0">
+                <a:solidFill>
+                  <a:srgbClr val="FF0000"/>
+                </a:solidFill>
+              </a:rPr>
+              <a:t>6 months</a:t>
+            </a:r>
+            <a:endParaRPr lang="de-DE" sz="2400" b="1" baseline="30000" dirty="0">
+              <a:solidFill>
+                <a:srgbClr val="FF0000"/>
+              </a:solidFill>
+            </a:endParaRPr>
+          </a:p>
+        </p:txBody>
+      </p:sp>
+      <p:sp>
+        <p:nvSpPr>
+          <p:cNvPr id="12" name="Textfeld 11">
+            <a:extLst>
+              <a:ext uri="{FF2B5EF4-FFF2-40B4-BE49-F238E27FC236}">
+                <a16:creationId xmlns:a16="http://schemas.microsoft.com/office/drawing/2014/main" id="{919ED181-7C4E-364A-8F1F-223512ACC688}"/>
               </a:ext>
             </a:extLst>
           </p:cNvPr>
@@ -8553,8 +9708,8 @@
         </p:nvSpPr>
         <p:spPr>
           <a:xfrm>
-            <a:off x="543697" y="1112108"/>
-            <a:ext cx="9032789" cy="3970318"/>
+            <a:off x="9372600" y="66742"/>
+            <a:ext cx="2819401" cy="307777"/>
           </a:xfrm>
           <a:prstGeom prst="rect">
             <a:avLst/>
@@ -8567,100 +9722,70 @@
           </a:bodyPr>
           <a:lstStyle/>
           <a:p>
-            <a:pPr marL="285750" indent="-285750">
-              <a:buFont typeface="Arial" panose="020B0604020202020204" pitchFamily="34" charset="0"/>
-              <a:buChar char="•"/>
-            </a:pPr>
-            <a:r>
-              <a:rPr lang="de-DE"/>
-              <a:t>Predicting ENSO index from its own history alone is </a:t>
-            </a:r>
-            <a:r>
-              <a:rPr lang="de-DE" b="1"/>
-              <a:t>limited to very short target lengths</a:t>
-            </a:r>
-            <a:r>
-              <a:rPr lang="de-DE"/>
-              <a:t>.</a:t>
-            </a:r>
-          </a:p>
-          <a:p>
-            <a:pPr marL="285750" indent="-285750">
-              <a:buFont typeface="Arial" panose="020B0604020202020204" pitchFamily="34" charset="0"/>
-              <a:buChar char="•"/>
-            </a:pPr>
-            <a:r>
-              <a:rPr lang="de-DE" b="1"/>
-              <a:t>Need additional input features </a:t>
-            </a:r>
-            <a:r>
-              <a:rPr lang="de-DE"/>
-              <a:t>for long-term predictions.</a:t>
-            </a:r>
-          </a:p>
-          <a:p>
-            <a:pPr marL="285750" indent="-285750">
-              <a:buFont typeface="Arial" panose="020B0604020202020204" pitchFamily="34" charset="0"/>
-              <a:buChar char="•"/>
-            </a:pPr>
-            <a:r>
-              <a:rPr lang="de-DE"/>
-              <a:t>Or try idea – inspired by LRP paper („Physically Interpretable Neural Networks for the Geosciences: Applications to Earth System Variability“)</a:t>
-            </a:r>
-          </a:p>
-          <a:p>
-            <a:pPr marL="742950" lvl="1" indent="-285750">
-              <a:buFont typeface="Courier New" panose="02070309020205020404" pitchFamily="49" charset="0"/>
-              <a:buChar char="o"/>
-            </a:pPr>
-            <a:r>
-              <a:rPr lang="de-DE"/>
-              <a:t>Take increasing number of gridpoints from SST field as input. Focus on extended Nino region, to limit number of gridpoints.</a:t>
-            </a:r>
-          </a:p>
-          <a:p>
-            <a:pPr marL="742950" lvl="1" indent="-285750">
-              <a:buFont typeface="Courier New" panose="02070309020205020404" pitchFamily="49" charset="0"/>
-              <a:buChar char="o"/>
-            </a:pPr>
-            <a:r>
-              <a:rPr lang="de-DE"/>
-              <a:t>Start with gridpoint that (alone) leeds to highest acccuracy on predicting El Nino / La Nina events.</a:t>
-            </a:r>
-          </a:p>
-          <a:p>
-            <a:pPr marL="742950" lvl="1" indent="-285750">
-              <a:buFont typeface="Courier New" panose="02070309020205020404" pitchFamily="49" charset="0"/>
-              <a:buChar char="o"/>
-            </a:pPr>
-            <a:r>
-              <a:rPr lang="de-DE"/>
-              <a:t>Add further gridpoint and keep the first (vs. look for the two gridpoints) providing highest accuracy („</a:t>
-            </a:r>
-            <a:r>
-              <a:rPr lang="de-DE" b="1"/>
-              <a:t>agglomerative relevance</a:t>
-            </a:r>
-            <a:r>
-              <a:rPr lang="de-DE"/>
-              <a:t>“).</a:t>
-            </a:r>
-          </a:p>
-          <a:p>
-            <a:pPr marL="742950" lvl="1" indent="-285750">
-              <a:buFont typeface="Courier New" panose="02070309020205020404" pitchFamily="49" charset="0"/>
-              <a:buChar char="o"/>
-            </a:pPr>
-            <a:r>
-              <a:rPr lang="de-DE"/>
-              <a:t>Look at variance in time for gridpoints of SST anomaly. Expect highest variance in Nino region. Question: Are these gridpoints with highest variance also most relevant for predicting ENSO index?</a:t>
-            </a:r>
-          </a:p>
-          <a:p>
-            <a:pPr marL="285750" indent="-285750">
-              <a:buFont typeface="Arial" panose="020B0604020202020204" pitchFamily="34" charset="0"/>
-              <a:buChar char="•"/>
-            </a:pPr>
+            <a:r>
+              <a:rPr lang="de-DE" sz="1400"/>
+              <a:t>*</a:t>
+            </a:r>
+            <a:r>
+              <a:rPr lang="de-DE" sz="1400" baseline="30000"/>
+              <a:t>)</a:t>
+            </a:r>
+            <a:r>
+              <a:rPr lang="de-DE" sz="1400"/>
+              <a:t> scaled inputs for stability reasons</a:t>
+            </a:r>
+          </a:p>
+        </p:txBody>
+      </p:sp>
+      <p:sp>
+        <p:nvSpPr>
+          <p:cNvPr id="8" name="Oval 7">
+            <a:extLst>
+              <a:ext uri="{FF2B5EF4-FFF2-40B4-BE49-F238E27FC236}">
+                <a16:creationId xmlns:a16="http://schemas.microsoft.com/office/drawing/2014/main" id="{B2C89FA4-37EF-E549-BEDB-E22BB70460EA}"/>
+              </a:ext>
+            </a:extLst>
+          </p:cNvPr>
+          <p:cNvSpPr/>
+          <p:nvPr/>
+        </p:nvSpPr>
+        <p:spPr>
+          <a:xfrm>
+            <a:off x="1240569" y="2593465"/>
+            <a:ext cx="1202594" cy="549786"/>
+          </a:xfrm>
+          <a:prstGeom prst="ellipse">
+            <a:avLst/>
+          </a:prstGeom>
+          <a:noFill/>
+          <a:ln w="25400">
+            <a:solidFill>
+              <a:srgbClr val="FF0000"/>
+            </a:solidFill>
+            <a:prstDash val="sysDot"/>
+          </a:ln>
+        </p:spPr>
+        <p:style>
+          <a:lnRef idx="2">
+            <a:schemeClr val="accent1">
+              <a:shade val="50000"/>
+            </a:schemeClr>
+          </a:lnRef>
+          <a:fillRef idx="1">
+            <a:schemeClr val="accent1"/>
+          </a:fillRef>
+          <a:effectRef idx="0">
+            <a:schemeClr val="accent1"/>
+          </a:effectRef>
+          <a:fontRef idx="minor">
+            <a:schemeClr val="lt1"/>
+          </a:fontRef>
+        </p:style>
+        <p:txBody>
+          <a:bodyPr rtlCol="0" anchor="ctr"/>
+          <a:lstStyle/>
+          <a:p>
+            <a:pPr algn="ctr"/>
             <a:endParaRPr lang="de-DE"/>
           </a:p>
         </p:txBody>
@@ -8668,7 +9793,7 @@
     </p:spTree>
     <p:extLst>
       <p:ext uri="{BB962C8B-B14F-4D97-AF65-F5344CB8AC3E}">
-        <p14:creationId xmlns:p14="http://schemas.microsoft.com/office/powerpoint/2010/main" val="781926011"/>
+        <p14:creationId xmlns:p14="http://schemas.microsoft.com/office/powerpoint/2010/main" val="94367027"/>
       </p:ext>
     </p:extLst>
   </p:cSld>
@@ -11032,8 +12157,8 @@
         </p:nvSpPr>
         <p:spPr>
           <a:xfrm>
-            <a:off x="365768" y="302411"/>
-            <a:ext cx="8815301" cy="1661993"/>
+            <a:off x="365769" y="302411"/>
+            <a:ext cx="6674128" cy="461665"/>
           </a:xfrm>
           <a:prstGeom prst="rect">
             <a:avLst/>
@@ -11048,28 +12173,50 @@
           <a:p>
             <a:r>
               <a:rPr lang="de-DE" sz="2400" b="1" dirty="0"/>
-              <a:t>First attempt: Agglomerative Relevance</a:t>
-            </a:r>
-          </a:p>
-          <a:p>
-            <a:endParaRPr lang="de-DE" sz="2400" b="1" dirty="0"/>
-          </a:p>
+              <a:t>Discussion on Gradient Descent Optimization</a:t>
+            </a:r>
+          </a:p>
+        </p:txBody>
+      </p:sp>
+      <p:sp>
+        <p:nvSpPr>
+          <p:cNvPr id="5" name="Textfeld 4">
+            <a:extLst>
+              <a:ext uri="{FF2B5EF4-FFF2-40B4-BE49-F238E27FC236}">
+                <a16:creationId xmlns:a16="http://schemas.microsoft.com/office/drawing/2014/main" id="{7B349DC1-8020-704C-A9A0-4D7FFCADBAC0}"/>
+              </a:ext>
+            </a:extLst>
+          </p:cNvPr>
+          <p:cNvSpPr txBox="1"/>
+          <p:nvPr/>
+        </p:nvSpPr>
+        <p:spPr>
+          <a:xfrm>
+            <a:off x="543697" y="1112108"/>
+            <a:ext cx="10600553" cy="3416320"/>
+          </a:xfrm>
+          <a:prstGeom prst="rect">
+            <a:avLst/>
+          </a:prstGeom>
+          <a:noFill/>
+        </p:spPr>
+        <p:txBody>
+          <a:bodyPr wrap="square" rtlCol="0">
+            <a:spAutoFit/>
+          </a:bodyPr>
+          <a:lstStyle/>
           <a:p>
             <a:pPr marL="285750" indent="-285750">
               <a:buFont typeface="Arial" panose="020B0604020202020204" pitchFamily="34" charset="0"/>
               <a:buChar char="•"/>
             </a:pPr>
             <a:r>
-              <a:rPr lang="de-DE" dirty="0"/>
-              <a:t>Looked for </a:t>
-            </a:r>
-            <a:r>
-              <a:rPr lang="de-DE" b="1" dirty="0"/>
-              <a:t>single sst timeseries </a:t>
-            </a:r>
-            <a:r>
-              <a:rPr lang="de-DE" dirty="0"/>
-              <a:t>that best predicts sst anomaly (= Nino events)</a:t>
+              <a:rPr lang="de-DE" b="1"/>
+              <a:t>Very fast </a:t>
+            </a:r>
+            <a:r>
+              <a:rPr lang="de-DE"/>
+              <a:t>optimization (compared to gridsearch over ALL possible parameter combinations).</a:t>
             </a:r>
           </a:p>
           <a:p>
@@ -11078,16 +12225,68 @@
               <a:buChar char="•"/>
             </a:pPr>
             <a:r>
-              <a:rPr lang="de-DE" dirty="0"/>
-              <a:t>Only considered gridpoints </a:t>
-            </a:r>
-            <a:r>
-              <a:rPr lang="de-DE" b="1" dirty="0"/>
-              <a:t>from Nino3.4 box</a:t>
-            </a:r>
-            <a:r>
-              <a:rPr lang="de-DE" dirty="0"/>
-              <a:t>.</a:t>
+              <a:rPr lang="de-DE"/>
+              <a:t>Observe that we </a:t>
+            </a:r>
+            <a:r>
+              <a:rPr lang="de-DE" b="1"/>
+              <a:t>get back some problems </a:t>
+            </a:r>
+            <a:r>
+              <a:rPr lang="de-DE"/>
+              <a:t>from training ANNs, when we apply gradient descent optimization:</a:t>
+            </a:r>
+          </a:p>
+          <a:p>
+            <a:pPr marL="742950" lvl="1" indent="-285750">
+              <a:buFont typeface="Courier New" panose="02070309020205020404" pitchFamily="49" charset="0"/>
+              <a:buChar char="o"/>
+            </a:pPr>
+            <a:r>
+              <a:rPr lang="de-DE" b="1"/>
+              <a:t>overfitting</a:t>
+            </a:r>
+            <a:r>
+              <a:rPr lang="de-DE"/>
+              <a:t>: train_mse decreases while val_mse starts to rise or even explodes. Force early stopping!</a:t>
+            </a:r>
+          </a:p>
+          <a:p>
+            <a:pPr marL="742950" lvl="1" indent="-285750">
+              <a:buFont typeface="Courier New" panose="02070309020205020404" pitchFamily="49" charset="0"/>
+              <a:buChar char="o"/>
+            </a:pPr>
+            <a:r>
+              <a:rPr lang="de-DE"/>
+              <a:t>Can be </a:t>
+            </a:r>
+            <a:r>
+              <a:rPr lang="de-DE" b="1"/>
+              <a:t>stuck in local minimum </a:t>
+            </a:r>
+            <a:r>
+              <a:rPr lang="de-DE"/>
+              <a:t>of parameter space.</a:t>
+            </a:r>
+          </a:p>
+          <a:p>
+            <a:pPr marL="285750" indent="-285750">
+              <a:buFont typeface="Courier New" panose="02070309020205020404" pitchFamily="49" charset="0"/>
+              <a:buChar char="o"/>
+            </a:pPr>
+            <a:r>
+              <a:rPr lang="de-DE"/>
+              <a:t>Challenge: How to find „suitable“ initial parameters? (see paper [Öztürk et al., 2020], they use fisher maximation)</a:t>
+            </a:r>
+          </a:p>
+          <a:p>
+            <a:pPr lvl="1"/>
+            <a:endParaRPr lang="de-DE"/>
+          </a:p>
+          <a:p>
+            <a:r>
+              <a:rPr lang="de-DE"/>
+              <a:t>Some optional next steps to keep in mind:</a:t>
             </a:r>
           </a:p>
           <a:p>
@@ -11096,50 +12295,71 @@
               <a:buChar char="•"/>
             </a:pPr>
             <a:r>
-              <a:rPr lang="de-DE" dirty="0">
-                <a:solidFill>
-                  <a:srgbClr val="FF0000"/>
-                </a:solidFill>
-              </a:rPr>
-              <a:t>target_length = 1</a:t>
-            </a:r>
-          </a:p>
-        </p:txBody>
-      </p:sp>
-      <p:pic>
-        <p:nvPicPr>
-          <p:cNvPr id="2" name="Grafik 1">
-            <a:extLst>
-              <a:ext uri="{FF2B5EF4-FFF2-40B4-BE49-F238E27FC236}">
-                <a16:creationId xmlns:a16="http://schemas.microsoft.com/office/drawing/2014/main" id="{D3182172-1656-EA47-A423-8FCF8D9DA710}"/>
-              </a:ext>
-            </a:extLst>
-          </p:cNvPr>
-          <p:cNvPicPr>
-            <a:picLocks noChangeAspect="1"/>
-          </p:cNvPicPr>
-          <p:nvPr/>
-        </p:nvPicPr>
-        <p:blipFill>
-          <a:blip r:embed="rId2"/>
-          <a:stretch>
-            <a:fillRect/>
-          </a:stretch>
-        </p:blipFill>
-        <p:spPr>
-          <a:xfrm>
-            <a:off x="2011748" y="2241550"/>
-            <a:ext cx="7797800" cy="4114800"/>
-          </a:xfrm>
-          <a:prstGeom prst="rect">
-            <a:avLst/>
-          </a:prstGeom>
-        </p:spPr>
-      </p:pic>
+              <a:rPr lang="de-DE"/>
+              <a:t>Check: Do multiple runs leed to comparable/similar optimal parameters? (--&gt; </a:t>
+            </a:r>
+            <a:r>
+              <a:rPr lang="de-DE" b="1"/>
+              <a:t>Reproducibility</a:t>
+            </a:r>
+            <a:r>
+              <a:rPr lang="de-DE"/>
+              <a:t> desired!)</a:t>
+            </a:r>
+          </a:p>
+          <a:p>
+            <a:pPr marL="285750" indent="-285750">
+              <a:buFont typeface="Arial" panose="020B0604020202020204" pitchFamily="34" charset="0"/>
+              <a:buChar char="•"/>
+            </a:pPr>
+            <a:r>
+              <a:rPr lang="de-DE"/>
+              <a:t>One could try to </a:t>
+            </a:r>
+            <a:r>
+              <a:rPr lang="de-DE" b="1"/>
+              <a:t>extend the optimization algorithm to DeepESN </a:t>
+            </a:r>
+            <a:r>
+              <a:rPr lang="de-DE"/>
+              <a:t>models: Further parameter n_layers.</a:t>
+            </a:r>
+          </a:p>
+          <a:p>
+            <a:pPr marL="285750" indent="-285750">
+              <a:buFont typeface="Arial" panose="020B0604020202020204" pitchFamily="34" charset="0"/>
+              <a:buChar char="•"/>
+            </a:pPr>
+            <a:r>
+              <a:rPr lang="de-DE"/>
+              <a:t>Could think of </a:t>
+            </a:r>
+            <a:r>
+              <a:rPr lang="de-DE" b="1"/>
+              <a:t>adding some form of </a:t>
+            </a:r>
+            <a:r>
+              <a:rPr lang="de-DE" b="1" i="1"/>
+              <a:t>momentum</a:t>
+            </a:r>
+            <a:r>
+              <a:rPr lang="de-DE"/>
+              <a:t>, like in ADAM optimizer.</a:t>
+            </a:r>
+          </a:p>
+          <a:p>
+            <a:pPr marL="285750" indent="-285750">
+              <a:buFont typeface="Arial" panose="020B0604020202020204" pitchFamily="34" charset="0"/>
+              <a:buChar char="•"/>
+            </a:pPr>
+            <a:endParaRPr lang="de-DE"/>
+          </a:p>
+        </p:txBody>
+      </p:sp>
     </p:spTree>
     <p:extLst>
       <p:ext uri="{BB962C8B-B14F-4D97-AF65-F5344CB8AC3E}">
-        <p14:creationId xmlns:p14="http://schemas.microsoft.com/office/powerpoint/2010/main" val="156861512"/>
+        <p14:creationId xmlns:p14="http://schemas.microsoft.com/office/powerpoint/2010/main" val="1947400364"/>
       </p:ext>
     </p:extLst>
   </p:cSld>
@@ -11190,6 +12410,403 @@
             <a:fld id="{884D93BF-CEC1-484B-B797-4695C35961E3}" type="slidenum">
               <a:rPr lang="de-DE" smtClean="0"/>
               <a:t>21</a:t>
+            </a:fld>
+            <a:endParaRPr lang="de-DE"/>
+          </a:p>
+        </p:txBody>
+      </p:sp>
+      <p:sp>
+        <p:nvSpPr>
+          <p:cNvPr id="7" name="Textfeld 6">
+            <a:extLst>
+              <a:ext uri="{FF2B5EF4-FFF2-40B4-BE49-F238E27FC236}">
+                <a16:creationId xmlns:a16="http://schemas.microsoft.com/office/drawing/2014/main" id="{FF8A926B-8B78-834F-BFBA-9405321487C6}"/>
+              </a:ext>
+            </a:extLst>
+          </p:cNvPr>
+          <p:cNvSpPr txBox="1"/>
+          <p:nvPr/>
+        </p:nvSpPr>
+        <p:spPr>
+          <a:xfrm>
+            <a:off x="365769" y="302411"/>
+            <a:ext cx="6674128" cy="461665"/>
+          </a:xfrm>
+          <a:prstGeom prst="rect">
+            <a:avLst/>
+          </a:prstGeom>
+          <a:noFill/>
+        </p:spPr>
+        <p:txBody>
+          <a:bodyPr wrap="square" rtlCol="0">
+            <a:spAutoFit/>
+          </a:bodyPr>
+          <a:lstStyle/>
+          <a:p>
+            <a:r>
+              <a:rPr lang="de-DE" sz="2400" b="1" dirty="0"/>
+              <a:t>Summary and Outlook</a:t>
+            </a:r>
+          </a:p>
+        </p:txBody>
+      </p:sp>
+      <p:sp>
+        <p:nvSpPr>
+          <p:cNvPr id="5" name="Textfeld 4">
+            <a:extLst>
+              <a:ext uri="{FF2B5EF4-FFF2-40B4-BE49-F238E27FC236}">
+                <a16:creationId xmlns:a16="http://schemas.microsoft.com/office/drawing/2014/main" id="{7B349DC1-8020-704C-A9A0-4D7FFCADBAC0}"/>
+              </a:ext>
+            </a:extLst>
+          </p:cNvPr>
+          <p:cNvSpPr txBox="1"/>
+          <p:nvPr/>
+        </p:nvSpPr>
+        <p:spPr>
+          <a:xfrm>
+            <a:off x="543697" y="1112108"/>
+            <a:ext cx="9032789" cy="3970318"/>
+          </a:xfrm>
+          <a:prstGeom prst="rect">
+            <a:avLst/>
+          </a:prstGeom>
+          <a:noFill/>
+        </p:spPr>
+        <p:txBody>
+          <a:bodyPr wrap="square" rtlCol="0">
+            <a:spAutoFit/>
+          </a:bodyPr>
+          <a:lstStyle/>
+          <a:p>
+            <a:pPr marL="285750" indent="-285750">
+              <a:buFont typeface="Arial" panose="020B0604020202020204" pitchFamily="34" charset="0"/>
+              <a:buChar char="•"/>
+            </a:pPr>
+            <a:r>
+              <a:rPr lang="de-DE"/>
+              <a:t>Predicting ENSO index from its own history alone is </a:t>
+            </a:r>
+            <a:r>
+              <a:rPr lang="de-DE" b="1"/>
+              <a:t>limited to very short target lengths</a:t>
+            </a:r>
+            <a:r>
+              <a:rPr lang="de-DE"/>
+              <a:t>.</a:t>
+            </a:r>
+          </a:p>
+          <a:p>
+            <a:pPr marL="285750" indent="-285750">
+              <a:buFont typeface="Arial" panose="020B0604020202020204" pitchFamily="34" charset="0"/>
+              <a:buChar char="•"/>
+            </a:pPr>
+            <a:r>
+              <a:rPr lang="de-DE" b="1"/>
+              <a:t>Need additional input features </a:t>
+            </a:r>
+            <a:r>
+              <a:rPr lang="de-DE"/>
+              <a:t>for long-term predictions.</a:t>
+            </a:r>
+          </a:p>
+          <a:p>
+            <a:pPr marL="285750" indent="-285750">
+              <a:buFont typeface="Arial" panose="020B0604020202020204" pitchFamily="34" charset="0"/>
+              <a:buChar char="•"/>
+            </a:pPr>
+            <a:r>
+              <a:rPr lang="de-DE"/>
+              <a:t>Or try idea – inspired by LRP paper („Physically Interpretable Neural Networks for the Geosciences: Applications to Earth System Variability“)</a:t>
+            </a:r>
+          </a:p>
+          <a:p>
+            <a:pPr marL="742950" lvl="1" indent="-285750">
+              <a:buFont typeface="Courier New" panose="02070309020205020404" pitchFamily="49" charset="0"/>
+              <a:buChar char="o"/>
+            </a:pPr>
+            <a:r>
+              <a:rPr lang="de-DE"/>
+              <a:t>Take increasing number of gridpoints from SST field as input. Focus on extended Nino region, to limit number of gridpoints.</a:t>
+            </a:r>
+          </a:p>
+          <a:p>
+            <a:pPr marL="742950" lvl="1" indent="-285750">
+              <a:buFont typeface="Courier New" panose="02070309020205020404" pitchFamily="49" charset="0"/>
+              <a:buChar char="o"/>
+            </a:pPr>
+            <a:r>
+              <a:rPr lang="de-DE"/>
+              <a:t>Start with gridpoint that (alone) leeds to highest acccuracy on predicting El Nino / La Nina events.</a:t>
+            </a:r>
+          </a:p>
+          <a:p>
+            <a:pPr marL="742950" lvl="1" indent="-285750">
+              <a:buFont typeface="Courier New" panose="02070309020205020404" pitchFamily="49" charset="0"/>
+              <a:buChar char="o"/>
+            </a:pPr>
+            <a:r>
+              <a:rPr lang="de-DE"/>
+              <a:t>Add further gridpoint and keep the first (vs. look for the two gridpoints) providing highest accuracy („</a:t>
+            </a:r>
+            <a:r>
+              <a:rPr lang="de-DE" b="1"/>
+              <a:t>agglomerative relevance</a:t>
+            </a:r>
+            <a:r>
+              <a:rPr lang="de-DE"/>
+              <a:t>“).</a:t>
+            </a:r>
+          </a:p>
+          <a:p>
+            <a:pPr marL="742950" lvl="1" indent="-285750">
+              <a:buFont typeface="Courier New" panose="02070309020205020404" pitchFamily="49" charset="0"/>
+              <a:buChar char="o"/>
+            </a:pPr>
+            <a:r>
+              <a:rPr lang="de-DE"/>
+              <a:t>Look at variance in time for gridpoints of SST anomaly. Expect highest variance in Nino region. Question: Are these gridpoints with highest variance also most relevant for predicting ENSO index?</a:t>
+            </a:r>
+          </a:p>
+          <a:p>
+            <a:pPr marL="285750" indent="-285750">
+              <a:buFont typeface="Arial" panose="020B0604020202020204" pitchFamily="34" charset="0"/>
+              <a:buChar char="•"/>
+            </a:pPr>
+            <a:endParaRPr lang="de-DE"/>
+          </a:p>
+        </p:txBody>
+      </p:sp>
+    </p:spTree>
+    <p:extLst>
+      <p:ext uri="{BB962C8B-B14F-4D97-AF65-F5344CB8AC3E}">
+        <p14:creationId xmlns:p14="http://schemas.microsoft.com/office/powerpoint/2010/main" val="781926011"/>
+      </p:ext>
+    </p:extLst>
+  </p:cSld>
+  <p:clrMapOvr>
+    <a:masterClrMapping/>
+  </p:clrMapOvr>
+</p:sld>
+</file>
+
+<file path=ppt/slides/slide22.xml><?xml version="1.0" encoding="utf-8"?>
+<p:sld xmlns:a="http://schemas.openxmlformats.org/drawingml/2006/main" xmlns:r="http://schemas.openxmlformats.org/officeDocument/2006/relationships" xmlns:p="http://schemas.openxmlformats.org/presentationml/2006/main">
+  <p:cSld>
+    <p:spTree>
+      <p:nvGrpSpPr>
+        <p:cNvPr id="1" name=""/>
+        <p:cNvGrpSpPr/>
+        <p:nvPr/>
+      </p:nvGrpSpPr>
+      <p:grpSpPr>
+        <a:xfrm>
+          <a:off x="0" y="0"/>
+          <a:ext cx="0" cy="0"/>
+          <a:chOff x="0" y="0"/>
+          <a:chExt cx="0" cy="0"/>
+        </a:xfrm>
+      </p:grpSpPr>
+      <p:sp>
+        <p:nvSpPr>
+          <p:cNvPr id="4" name="Foliennummernplatzhalter 3">
+            <a:extLst>
+              <a:ext uri="{FF2B5EF4-FFF2-40B4-BE49-F238E27FC236}">
+                <a16:creationId xmlns:a16="http://schemas.microsoft.com/office/drawing/2014/main" id="{9752BF9B-20ED-124C-8D78-032D3F29C212}"/>
+              </a:ext>
+            </a:extLst>
+          </p:cNvPr>
+          <p:cNvSpPr>
+            <a:spLocks noGrp="1"/>
+          </p:cNvSpPr>
+          <p:nvPr>
+            <p:ph type="sldNum" sz="quarter" idx="12"/>
+          </p:nvPr>
+        </p:nvSpPr>
+        <p:spPr/>
+        <p:txBody>
+          <a:bodyPr/>
+          <a:lstStyle/>
+          <a:p>
+            <a:fld id="{884D93BF-CEC1-484B-B797-4695C35961E3}" type="slidenum">
+              <a:rPr lang="de-DE" smtClean="0"/>
+              <a:t>22</a:t>
+            </a:fld>
+            <a:endParaRPr lang="de-DE"/>
+          </a:p>
+        </p:txBody>
+      </p:sp>
+      <p:sp>
+        <p:nvSpPr>
+          <p:cNvPr id="7" name="Textfeld 6">
+            <a:extLst>
+              <a:ext uri="{FF2B5EF4-FFF2-40B4-BE49-F238E27FC236}">
+                <a16:creationId xmlns:a16="http://schemas.microsoft.com/office/drawing/2014/main" id="{FF8A926B-8B78-834F-BFBA-9405321487C6}"/>
+              </a:ext>
+            </a:extLst>
+          </p:cNvPr>
+          <p:cNvSpPr txBox="1"/>
+          <p:nvPr/>
+        </p:nvSpPr>
+        <p:spPr>
+          <a:xfrm>
+            <a:off x="365768" y="302411"/>
+            <a:ext cx="8815301" cy="1661993"/>
+          </a:xfrm>
+          <a:prstGeom prst="rect">
+            <a:avLst/>
+          </a:prstGeom>
+          <a:noFill/>
+        </p:spPr>
+        <p:txBody>
+          <a:bodyPr wrap="square" rtlCol="0">
+            <a:spAutoFit/>
+          </a:bodyPr>
+          <a:lstStyle/>
+          <a:p>
+            <a:r>
+              <a:rPr lang="de-DE" sz="2400" b="1" dirty="0"/>
+              <a:t>First attempt: Agglomerative Relevance</a:t>
+            </a:r>
+          </a:p>
+          <a:p>
+            <a:endParaRPr lang="de-DE" sz="2400" b="1" dirty="0"/>
+          </a:p>
+          <a:p>
+            <a:pPr marL="285750" indent="-285750">
+              <a:buFont typeface="Arial" panose="020B0604020202020204" pitchFamily="34" charset="0"/>
+              <a:buChar char="•"/>
+            </a:pPr>
+            <a:r>
+              <a:rPr lang="de-DE" dirty="0"/>
+              <a:t>Looked for </a:t>
+            </a:r>
+            <a:r>
+              <a:rPr lang="de-DE" b="1" dirty="0"/>
+              <a:t>single sst timeseries </a:t>
+            </a:r>
+            <a:r>
+              <a:rPr lang="de-DE" dirty="0"/>
+              <a:t>that best predicts sst anomaly (= Nino events)</a:t>
+            </a:r>
+          </a:p>
+          <a:p>
+            <a:pPr marL="285750" indent="-285750">
+              <a:buFont typeface="Arial" panose="020B0604020202020204" pitchFamily="34" charset="0"/>
+              <a:buChar char="•"/>
+            </a:pPr>
+            <a:r>
+              <a:rPr lang="de-DE" dirty="0"/>
+              <a:t>Only considered gridpoints </a:t>
+            </a:r>
+            <a:r>
+              <a:rPr lang="de-DE" b="1" dirty="0"/>
+              <a:t>from Nino3.4 box</a:t>
+            </a:r>
+            <a:r>
+              <a:rPr lang="de-DE" dirty="0"/>
+              <a:t>.</a:t>
+            </a:r>
+          </a:p>
+          <a:p>
+            <a:pPr marL="285750" indent="-285750">
+              <a:buFont typeface="Arial" panose="020B0604020202020204" pitchFamily="34" charset="0"/>
+              <a:buChar char="•"/>
+            </a:pPr>
+            <a:r>
+              <a:rPr lang="de-DE" dirty="0">
+                <a:solidFill>
+                  <a:srgbClr val="FF0000"/>
+                </a:solidFill>
+              </a:rPr>
+              <a:t>target_length = 1</a:t>
+            </a:r>
+          </a:p>
+        </p:txBody>
+      </p:sp>
+      <p:pic>
+        <p:nvPicPr>
+          <p:cNvPr id="2" name="Grafik 1">
+            <a:extLst>
+              <a:ext uri="{FF2B5EF4-FFF2-40B4-BE49-F238E27FC236}">
+                <a16:creationId xmlns:a16="http://schemas.microsoft.com/office/drawing/2014/main" id="{D3182172-1656-EA47-A423-8FCF8D9DA710}"/>
+              </a:ext>
+            </a:extLst>
+          </p:cNvPr>
+          <p:cNvPicPr>
+            <a:picLocks noChangeAspect="1"/>
+          </p:cNvPicPr>
+          <p:nvPr/>
+        </p:nvPicPr>
+        <p:blipFill>
+          <a:blip r:embed="rId2"/>
+          <a:stretch>
+            <a:fillRect/>
+          </a:stretch>
+        </p:blipFill>
+        <p:spPr>
+          <a:xfrm>
+            <a:off x="2011748" y="2241550"/>
+            <a:ext cx="7797800" cy="4114800"/>
+          </a:xfrm>
+          <a:prstGeom prst="rect">
+            <a:avLst/>
+          </a:prstGeom>
+        </p:spPr>
+      </p:pic>
+    </p:spTree>
+    <p:extLst>
+      <p:ext uri="{BB962C8B-B14F-4D97-AF65-F5344CB8AC3E}">
+        <p14:creationId xmlns:p14="http://schemas.microsoft.com/office/powerpoint/2010/main" val="156861512"/>
+      </p:ext>
+    </p:extLst>
+  </p:cSld>
+  <p:clrMapOvr>
+    <a:masterClrMapping/>
+  </p:clrMapOvr>
+</p:sld>
+</file>
+
+<file path=ppt/slides/slide23.xml><?xml version="1.0" encoding="utf-8"?>
+<p:sld xmlns:a="http://schemas.openxmlformats.org/drawingml/2006/main" xmlns:r="http://schemas.openxmlformats.org/officeDocument/2006/relationships" xmlns:p="http://schemas.openxmlformats.org/presentationml/2006/main">
+  <p:cSld>
+    <p:spTree>
+      <p:nvGrpSpPr>
+        <p:cNvPr id="1" name=""/>
+        <p:cNvGrpSpPr/>
+        <p:nvPr/>
+      </p:nvGrpSpPr>
+      <p:grpSpPr>
+        <a:xfrm>
+          <a:off x="0" y="0"/>
+          <a:ext cx="0" cy="0"/>
+          <a:chOff x="0" y="0"/>
+          <a:chExt cx="0" cy="0"/>
+        </a:xfrm>
+      </p:grpSpPr>
+      <p:sp>
+        <p:nvSpPr>
+          <p:cNvPr id="4" name="Foliennummernplatzhalter 3">
+            <a:extLst>
+              <a:ext uri="{FF2B5EF4-FFF2-40B4-BE49-F238E27FC236}">
+                <a16:creationId xmlns:a16="http://schemas.microsoft.com/office/drawing/2014/main" id="{9752BF9B-20ED-124C-8D78-032D3F29C212}"/>
+              </a:ext>
+            </a:extLst>
+          </p:cNvPr>
+          <p:cNvSpPr>
+            <a:spLocks noGrp="1"/>
+          </p:cNvSpPr>
+          <p:nvPr>
+            <p:ph type="sldNum" sz="quarter" idx="12"/>
+          </p:nvPr>
+        </p:nvSpPr>
+        <p:spPr/>
+        <p:txBody>
+          <a:bodyPr/>
+          <a:lstStyle/>
+          <a:p>
+            <a:fld id="{884D93BF-CEC1-484B-B797-4695C35961E3}" type="slidenum">
+              <a:rPr lang="de-DE" smtClean="0"/>
+              <a:t>23</a:t>
             </a:fld>
             <a:endParaRPr lang="de-DE"/>
           </a:p>

--- a/ESN_exp06_ENSO.pptx
+++ b/ESN_exp06_ENSO.pptx
@@ -219,7 +219,7 @@
           <a:p>
             <a:fld id="{3AB76ABC-33D1-9C41-94E4-617AD2CE1B7F}" type="datetimeFigureOut">
               <a:rPr lang="de-DE" smtClean="0"/>
-              <a:t>09.03.22</a:t>
+              <a:t>10.03.22</a:t>
             </a:fld>
             <a:endParaRPr lang="de-DE"/>
           </a:p>
@@ -1136,7 +1136,7 @@
           <a:lstStyle/>
           <a:p>
             <a:fld id="{7BD4D8C3-7D46-0F49-B24C-EB77122FC604}" type="datetime1">
-              <a:t>09.03.22</a:t>
+              <a:t>10.03.22</a:t>
             </a:fld>
             <a:endParaRPr lang="de-DE"/>
           </a:p>
@@ -1333,7 +1333,7 @@
           <a:lstStyle/>
           <a:p>
             <a:fld id="{DB9C740B-A762-CC4F-8842-3B0709E16494}" type="datetime1">
-              <a:t>09.03.22</a:t>
+              <a:t>10.03.22</a:t>
             </a:fld>
             <a:endParaRPr lang="de-DE"/>
           </a:p>
@@ -1540,7 +1540,7 @@
           <a:lstStyle/>
           <a:p>
             <a:fld id="{B5DCEFDD-97F0-3F4E-856D-53E015FA5109}" type="datetime1">
-              <a:t>09.03.22</a:t>
+              <a:t>10.03.22</a:t>
             </a:fld>
             <a:endParaRPr lang="de-DE"/>
           </a:p>
@@ -1737,7 +1737,7 @@
           <a:lstStyle/>
           <a:p>
             <a:fld id="{B1266B10-EA18-AA4D-98CF-856740AC35F1}" type="datetime1">
-              <a:t>09.03.22</a:t>
+              <a:t>10.03.22</a:t>
             </a:fld>
             <a:endParaRPr lang="de-DE"/>
           </a:p>
@@ -2011,7 +2011,7 @@
           <a:lstStyle/>
           <a:p>
             <a:fld id="{7FCBA1CA-7E22-9747-8D35-F7D8EE0D09E4}" type="datetime1">
-              <a:t>09.03.22</a:t>
+              <a:t>10.03.22</a:t>
             </a:fld>
             <a:endParaRPr lang="de-DE"/>
           </a:p>
@@ -2275,7 +2275,7 @@
           <a:lstStyle/>
           <a:p>
             <a:fld id="{E385B954-90D5-F240-B297-4FE6A023436C}" type="datetime1">
-              <a:t>09.03.22</a:t>
+              <a:t>10.03.22</a:t>
             </a:fld>
             <a:endParaRPr lang="de-DE"/>
           </a:p>
@@ -2686,7 +2686,7 @@
           <a:lstStyle/>
           <a:p>
             <a:fld id="{132D93F8-6522-3547-A308-39305832D986}" type="datetime1">
-              <a:t>09.03.22</a:t>
+              <a:t>10.03.22</a:t>
             </a:fld>
             <a:endParaRPr lang="de-DE"/>
           </a:p>
@@ -2826,7 +2826,7 @@
           <a:lstStyle/>
           <a:p>
             <a:fld id="{2A9155E5-A07A-EF47-A0BA-443B784B7103}" type="datetime1">
-              <a:t>09.03.22</a:t>
+              <a:t>10.03.22</a:t>
             </a:fld>
             <a:endParaRPr lang="de-DE"/>
           </a:p>
@@ -2938,7 +2938,7 @@
           <a:lstStyle/>
           <a:p>
             <a:fld id="{405279BA-97B3-BC47-B977-FE53E0846046}" type="datetime1">
-              <a:t>09.03.22</a:t>
+              <a:t>10.03.22</a:t>
             </a:fld>
             <a:endParaRPr lang="de-DE"/>
           </a:p>
@@ -3248,7 +3248,7 @@
           <a:lstStyle/>
           <a:p>
             <a:fld id="{2CDFB09A-BAAD-7C43-B25A-805ABA21608B}" type="datetime1">
-              <a:t>09.03.22</a:t>
+              <a:t>10.03.22</a:t>
             </a:fld>
             <a:endParaRPr lang="de-DE"/>
           </a:p>
@@ -3535,7 +3535,7 @@
           <a:lstStyle/>
           <a:p>
             <a:fld id="{78138569-B3F3-7940-A5AE-D6935026A2BE}" type="datetime1">
-              <a:t>09.03.22</a:t>
+              <a:t>10.03.22</a:t>
             </a:fld>
             <a:endParaRPr lang="de-DE"/>
           </a:p>
@@ -3775,7 +3775,7 @@
           </a:lstStyle>
           <a:p>
             <a:fld id="{050D7DD1-F0AC-9F48-BEEF-9A8C75FA3F30}" type="datetime1">
-              <a:t>09.03.22</a:t>
+              <a:t>10.03.22</a:t>
             </a:fld>
             <a:endParaRPr lang="de-DE"/>
           </a:p>
@@ -24091,7 +24091,7 @@
             </a:pPr>
             <a:r>
               <a:rPr lang="de-DE"/>
-              <a:t>Simple comparision: gridsearch on 6 parameters with e.g. 10 disctings steps for each parameter means to try on </a:t>
+              <a:t>Simple comparision: gridsearch on 6 parameters with e.g. 10 distinct steps for each parameter means to try on </a:t>
             </a:r>
             <a:r>
               <a:rPr lang="de-DE" b="1"/>
